--- a/usecases/usecases.pptx
+++ b/usecases/usecases.pptx
@@ -6,13 +6,11 @@
   </p:sldMasterIdLst>
   <p:sldIdLst>
     <p:sldId id="256" r:id="rId2"/>
-    <p:sldId id="258" r:id="rId3"/>
-    <p:sldId id="263" r:id="rId4"/>
-    <p:sldId id="265" r:id="rId5"/>
-    <p:sldId id="264" r:id="rId6"/>
-    <p:sldId id="257" r:id="rId7"/>
-    <p:sldId id="266" r:id="rId8"/>
-    <p:sldId id="267" r:id="rId9"/>
+    <p:sldId id="265" r:id="rId3"/>
+    <p:sldId id="264" r:id="rId4"/>
+    <p:sldId id="257" r:id="rId5"/>
+    <p:sldId id="266" r:id="rId6"/>
+    <p:sldId id="267" r:id="rId7"/>
   </p:sldIdLst>
   <p:sldSz cx="12192000" cy="6858000"/>
   <p:notesSz cx="6858000" cy="9144000"/>
@@ -111,190 +109,12 @@
       </a:defRPr>
     </a:lvl9pPr>
   </p:defaultTextStyle>
+  <p:extLst>
+    <p:ext uri="{EFAFB233-063F-42B5-8137-9DF3F51BA10A}">
+      <p15:sldGuideLst xmlns:p15="http://schemas.microsoft.com/office/powerpoint/2012/main"/>
+    </p:ext>
+  </p:extLst>
 </p:presentation>
-</file>
-
-<file path=ppt/revisionInfo.xml><?xml version="1.0" encoding="utf-8"?>
-<p1510:revInfo xmlns:a="http://schemas.openxmlformats.org/drawingml/2006/main" xmlns:r="http://schemas.openxmlformats.org/officeDocument/2006/relationships" xmlns:p1510="http://schemas.microsoft.com/office/powerpoint/2015/10/main">
-  <p1510:revLst>
-    <p1510:client id="{3D04D2BA-239A-4031-A097-09D60EDCE86F}" v="2" dt="2024-10-22T13:07:32.137"/>
-  </p1510:revLst>
-</p1510:revInfo>
-</file>
-
-<file path=ppt/changesInfos/changesInfo1.xml><?xml version="1.0" encoding="utf-8"?>
-<pc:chgInfo xmlns:a="http://schemas.openxmlformats.org/drawingml/2006/main" xmlns:r="http://schemas.openxmlformats.org/officeDocument/2006/relationships" xmlns:ac="http://schemas.microsoft.com/office/drawing/2013/main/command" xmlns:pc="http://schemas.microsoft.com/office/powerpoint/2013/main/command">
-  <pc:docChgLst>
-    <pc:chgData name="Marcel Pottharst" userId="9d30679dd06ebc78" providerId="LiveId" clId="{C38AAC93-6BCC-440D-AAB9-316382EB99DF}"/>
-    <pc:docChg chg="undo custSel addSld modSld sldOrd">
-      <pc:chgData name="Marcel Pottharst" userId="9d30679dd06ebc78" providerId="LiveId" clId="{C38AAC93-6BCC-440D-AAB9-316382EB99DF}" dt="2024-10-22T15:55:05.079" v="4606" actId="20577"/>
-      <pc:docMkLst>
-        <pc:docMk/>
-      </pc:docMkLst>
-      <pc:sldChg chg="modSp mod">
-        <pc:chgData name="Marcel Pottharst" userId="9d30679dd06ebc78" providerId="LiveId" clId="{C38AAC93-6BCC-440D-AAB9-316382EB99DF}" dt="2024-10-22T15:55:05.079" v="4606" actId="20577"/>
-        <pc:sldMkLst>
-          <pc:docMk/>
-          <pc:sldMk cId="2736073977" sldId="257"/>
-        </pc:sldMkLst>
-        <pc:spChg chg="mod">
-          <ac:chgData name="Marcel Pottharst" userId="9d30679dd06ebc78" providerId="LiveId" clId="{C38AAC93-6BCC-440D-AAB9-316382EB99DF}" dt="2024-10-22T15:55:05.079" v="4606" actId="20577"/>
-          <ac:spMkLst>
-            <pc:docMk/>
-            <pc:sldMk cId="2736073977" sldId="257"/>
-            <ac:spMk id="5" creationId="{42F95E1C-DE9A-4BD2-A0F6-022575F71AF6}"/>
-          </ac:spMkLst>
-        </pc:spChg>
-        <pc:graphicFrameChg chg="modGraphic">
-          <ac:chgData name="Marcel Pottharst" userId="9d30679dd06ebc78" providerId="LiveId" clId="{C38AAC93-6BCC-440D-AAB9-316382EB99DF}" dt="2024-10-22T15:47:16.378" v="3899" actId="313"/>
-          <ac:graphicFrameMkLst>
-            <pc:docMk/>
-            <pc:sldMk cId="2736073977" sldId="257"/>
-            <ac:graphicFrameMk id="4" creationId="{96AC8230-5D82-4D17-9E21-9D961D1109D8}"/>
-          </ac:graphicFrameMkLst>
-        </pc:graphicFrameChg>
-      </pc:sldChg>
-      <pc:sldChg chg="modSp mod">
-        <pc:chgData name="Marcel Pottharst" userId="9d30679dd06ebc78" providerId="LiveId" clId="{C38AAC93-6BCC-440D-AAB9-316382EB99DF}" dt="2024-10-22T13:43:25.115" v="649" actId="20577"/>
-        <pc:sldMkLst>
-          <pc:docMk/>
-          <pc:sldMk cId="3328034666" sldId="258"/>
-        </pc:sldMkLst>
-        <pc:spChg chg="mod">
-          <ac:chgData name="Marcel Pottharst" userId="9d30679dd06ebc78" providerId="LiveId" clId="{C38AAC93-6BCC-440D-AAB9-316382EB99DF}" dt="2024-10-22T13:43:25.115" v="649" actId="20577"/>
-          <ac:spMkLst>
-            <pc:docMk/>
-            <pc:sldMk cId="3328034666" sldId="258"/>
-            <ac:spMk id="3" creationId="{B3F9EAD7-8FAE-49BE-BED0-141FCDF76765}"/>
-          </ac:spMkLst>
-        </pc:spChg>
-      </pc:sldChg>
-      <pc:sldChg chg="modSp mod">
-        <pc:chgData name="Marcel Pottharst" userId="9d30679dd06ebc78" providerId="LiveId" clId="{C38AAC93-6BCC-440D-AAB9-316382EB99DF}" dt="2024-10-22T13:09:23.946" v="271" actId="20577"/>
-        <pc:sldMkLst>
-          <pc:docMk/>
-          <pc:sldMk cId="798474527" sldId="263"/>
-        </pc:sldMkLst>
-        <pc:spChg chg="mod">
-          <ac:chgData name="Marcel Pottharst" userId="9d30679dd06ebc78" providerId="LiveId" clId="{C38AAC93-6BCC-440D-AAB9-316382EB99DF}" dt="2024-10-22T13:09:23.946" v="271" actId="20577"/>
-          <ac:spMkLst>
-            <pc:docMk/>
-            <pc:sldMk cId="798474527" sldId="263"/>
-            <ac:spMk id="5" creationId="{42F95E1C-DE9A-4BD2-A0F6-022575F71AF6}"/>
-          </ac:spMkLst>
-        </pc:spChg>
-      </pc:sldChg>
-      <pc:sldChg chg="modSp add mod ord">
-        <pc:chgData name="Marcel Pottharst" userId="9d30679dd06ebc78" providerId="LiveId" clId="{C38AAC93-6BCC-440D-AAB9-316382EB99DF}" dt="2024-10-22T15:41:10.275" v="3512" actId="20577"/>
-        <pc:sldMkLst>
-          <pc:docMk/>
-          <pc:sldMk cId="2636994427" sldId="264"/>
-        </pc:sldMkLst>
-        <pc:spChg chg="mod">
-          <ac:chgData name="Marcel Pottharst" userId="9d30679dd06ebc78" providerId="LiveId" clId="{C38AAC93-6BCC-440D-AAB9-316382EB99DF}" dt="2024-10-22T15:40:41.330" v="3509" actId="20577"/>
-          <ac:spMkLst>
-            <pc:docMk/>
-            <pc:sldMk cId="2636994427" sldId="264"/>
-            <ac:spMk id="5" creationId="{42F95E1C-DE9A-4BD2-A0F6-022575F71AF6}"/>
-          </ac:spMkLst>
-        </pc:spChg>
-        <pc:graphicFrameChg chg="modGraphic">
-          <ac:chgData name="Marcel Pottharst" userId="9d30679dd06ebc78" providerId="LiveId" clId="{C38AAC93-6BCC-440D-AAB9-316382EB99DF}" dt="2024-10-22T15:41:10.275" v="3512" actId="20577"/>
-          <ac:graphicFrameMkLst>
-            <pc:docMk/>
-            <pc:sldMk cId="2636994427" sldId="264"/>
-            <ac:graphicFrameMk id="4" creationId="{96AC8230-5D82-4D17-9E21-9D961D1109D8}"/>
-          </ac:graphicFrameMkLst>
-        </pc:graphicFrameChg>
-      </pc:sldChg>
-      <pc:sldChg chg="modSp add mod ord">
-        <pc:chgData name="Marcel Pottharst" userId="9d30679dd06ebc78" providerId="LiveId" clId="{C38AAC93-6BCC-440D-AAB9-316382EB99DF}" dt="2024-10-22T15:40:00.058" v="3507" actId="20577"/>
-        <pc:sldMkLst>
-          <pc:docMk/>
-          <pc:sldMk cId="1477977184" sldId="265"/>
-        </pc:sldMkLst>
-        <pc:spChg chg="mod">
-          <ac:chgData name="Marcel Pottharst" userId="9d30679dd06ebc78" providerId="LiveId" clId="{C38AAC93-6BCC-440D-AAB9-316382EB99DF}" dt="2024-10-22T15:14:46.741" v="1256" actId="20577"/>
-          <ac:spMkLst>
-            <pc:docMk/>
-            <pc:sldMk cId="1477977184" sldId="265"/>
-            <ac:spMk id="5" creationId="{42F95E1C-DE9A-4BD2-A0F6-022575F71AF6}"/>
-          </ac:spMkLst>
-        </pc:spChg>
-        <pc:graphicFrameChg chg="mod modGraphic">
-          <ac:chgData name="Marcel Pottharst" userId="9d30679dd06ebc78" providerId="LiveId" clId="{C38AAC93-6BCC-440D-AAB9-316382EB99DF}" dt="2024-10-22T15:40:00.058" v="3507" actId="20577"/>
-          <ac:graphicFrameMkLst>
-            <pc:docMk/>
-            <pc:sldMk cId="1477977184" sldId="265"/>
-            <ac:graphicFrameMk id="4" creationId="{96AC8230-5D82-4D17-9E21-9D961D1109D8}"/>
-          </ac:graphicFrameMkLst>
-        </pc:graphicFrameChg>
-      </pc:sldChg>
-      <pc:sldChg chg="modSp add mod">
-        <pc:chgData name="Marcel Pottharst" userId="9d30679dd06ebc78" providerId="LiveId" clId="{C38AAC93-6BCC-440D-AAB9-316382EB99DF}" dt="2024-10-22T15:54:52.960" v="4604" actId="20577"/>
-        <pc:sldMkLst>
-          <pc:docMk/>
-          <pc:sldMk cId="2607295900" sldId="266"/>
-        </pc:sldMkLst>
-        <pc:spChg chg="mod">
-          <ac:chgData name="Marcel Pottharst" userId="9d30679dd06ebc78" providerId="LiveId" clId="{C38AAC93-6BCC-440D-AAB9-316382EB99DF}" dt="2024-10-22T13:09:11.834" v="261" actId="20577"/>
-          <ac:spMkLst>
-            <pc:docMk/>
-            <pc:sldMk cId="2607295900" sldId="266"/>
-            <ac:spMk id="5" creationId="{42F95E1C-DE9A-4BD2-A0F6-022575F71AF6}"/>
-          </ac:spMkLst>
-        </pc:spChg>
-        <pc:graphicFrameChg chg="mod modGraphic">
-          <ac:chgData name="Marcel Pottharst" userId="9d30679dd06ebc78" providerId="LiveId" clId="{C38AAC93-6BCC-440D-AAB9-316382EB99DF}" dt="2024-10-22T15:54:52.960" v="4604" actId="20577"/>
-          <ac:graphicFrameMkLst>
-            <pc:docMk/>
-            <pc:sldMk cId="2607295900" sldId="266"/>
-            <ac:graphicFrameMk id="4" creationId="{96AC8230-5D82-4D17-9E21-9D961D1109D8}"/>
-          </ac:graphicFrameMkLst>
-        </pc:graphicFrameChg>
-      </pc:sldChg>
-      <pc:sldChg chg="modSp add mod">
-        <pc:chgData name="Marcel Pottharst" userId="9d30679dd06ebc78" providerId="LiveId" clId="{C38AAC93-6BCC-440D-AAB9-316382EB99DF}" dt="2024-10-22T15:50:25.103" v="4022" actId="20577"/>
-        <pc:sldMkLst>
-          <pc:docMk/>
-          <pc:sldMk cId="85751279" sldId="267"/>
-        </pc:sldMkLst>
-        <pc:spChg chg="mod">
-          <ac:chgData name="Marcel Pottharst" userId="9d30679dd06ebc78" providerId="LiveId" clId="{C38AAC93-6BCC-440D-AAB9-316382EB99DF}" dt="2024-10-22T13:09:17.111" v="264" actId="20577"/>
-          <ac:spMkLst>
-            <pc:docMk/>
-            <pc:sldMk cId="85751279" sldId="267"/>
-            <ac:spMk id="5" creationId="{42F95E1C-DE9A-4BD2-A0F6-022575F71AF6}"/>
-          </ac:spMkLst>
-        </pc:spChg>
-        <pc:graphicFrameChg chg="mod modGraphic">
-          <ac:chgData name="Marcel Pottharst" userId="9d30679dd06ebc78" providerId="LiveId" clId="{C38AAC93-6BCC-440D-AAB9-316382EB99DF}" dt="2024-10-22T15:50:25.103" v="4022" actId="20577"/>
-          <ac:graphicFrameMkLst>
-            <pc:docMk/>
-            <pc:sldMk cId="85751279" sldId="267"/>
-            <ac:graphicFrameMk id="4" creationId="{96AC8230-5D82-4D17-9E21-9D961D1109D8}"/>
-          </ac:graphicFrameMkLst>
-        </pc:graphicFrameChg>
-      </pc:sldChg>
-    </pc:docChg>
-  </pc:docChgLst>
-  <pc:docChgLst>
-    <pc:chgData name="Gastbenutzer" providerId="Windows Live" clId="Web-{3D04D2BA-239A-4031-A097-09D60EDCE86F}"/>
-    <pc:docChg chg="addSld delSld">
-      <pc:chgData name="Gastbenutzer" userId="" providerId="Windows Live" clId="Web-{3D04D2BA-239A-4031-A097-09D60EDCE86F}" dt="2024-10-22T13:07:32.137" v="1"/>
-      <pc:docMkLst>
-        <pc:docMk/>
-      </pc:docMkLst>
-      <pc:sldChg chg="new del">
-        <pc:chgData name="Gastbenutzer" userId="" providerId="Windows Live" clId="Web-{3D04D2BA-239A-4031-A097-09D60EDCE86F}" dt="2024-10-22T13:07:32.137" v="1"/>
-        <pc:sldMkLst>
-          <pc:docMk/>
-          <pc:sldMk cId="1238648753" sldId="264"/>
-        </pc:sldMkLst>
-      </pc:sldChg>
-    </pc:docChg>
-  </pc:docChgLst>
-</pc:chgInfo>
 </file>
 
 <file path=ppt/slideLayouts/slideLayout1.xml><?xml version="1.0" encoding="utf-8"?>
@@ -444,7 +264,7 @@
           <a:p>
             <a:fld id="{DD7092B5-27BF-4463-B260-8A9B82B2356B}" type="datetimeFigureOut">
               <a:rPr lang="de-DE" smtClean="0"/>
-              <a:t>22.10.2024</a:t>
+              <a:t>05.11.24</a:t>
             </a:fld>
             <a:endParaRPr lang="de-DE"/>
           </a:p>
@@ -642,7 +462,7 @@
           <a:p>
             <a:fld id="{DD7092B5-27BF-4463-B260-8A9B82B2356B}" type="datetimeFigureOut">
               <a:rPr lang="de-DE" smtClean="0"/>
-              <a:t>22.10.2024</a:t>
+              <a:t>05.11.24</a:t>
             </a:fld>
             <a:endParaRPr lang="de-DE"/>
           </a:p>
@@ -850,7 +670,7 @@
           <a:p>
             <a:fld id="{DD7092B5-27BF-4463-B260-8A9B82B2356B}" type="datetimeFigureOut">
               <a:rPr lang="de-DE" smtClean="0"/>
-              <a:t>22.10.2024</a:t>
+              <a:t>05.11.24</a:t>
             </a:fld>
             <a:endParaRPr lang="de-DE"/>
           </a:p>
@@ -1048,7 +868,7 @@
           <a:p>
             <a:fld id="{DD7092B5-27BF-4463-B260-8A9B82B2356B}" type="datetimeFigureOut">
               <a:rPr lang="de-DE" smtClean="0"/>
-              <a:t>22.10.2024</a:t>
+              <a:t>05.11.24</a:t>
             </a:fld>
             <a:endParaRPr lang="de-DE"/>
           </a:p>
@@ -1323,7 +1143,7 @@
           <a:p>
             <a:fld id="{DD7092B5-27BF-4463-B260-8A9B82B2356B}" type="datetimeFigureOut">
               <a:rPr lang="de-DE" smtClean="0"/>
-              <a:t>22.10.2024</a:t>
+              <a:t>05.11.24</a:t>
             </a:fld>
             <a:endParaRPr lang="de-DE"/>
           </a:p>
@@ -1588,7 +1408,7 @@
           <a:p>
             <a:fld id="{DD7092B5-27BF-4463-B260-8A9B82B2356B}" type="datetimeFigureOut">
               <a:rPr lang="de-DE" smtClean="0"/>
-              <a:t>22.10.2024</a:t>
+              <a:t>05.11.24</a:t>
             </a:fld>
             <a:endParaRPr lang="de-DE"/>
           </a:p>
@@ -2000,7 +1820,7 @@
           <a:p>
             <a:fld id="{DD7092B5-27BF-4463-B260-8A9B82B2356B}" type="datetimeFigureOut">
               <a:rPr lang="de-DE" smtClean="0"/>
-              <a:t>22.10.2024</a:t>
+              <a:t>05.11.24</a:t>
             </a:fld>
             <a:endParaRPr lang="de-DE"/>
           </a:p>
@@ -2141,7 +1961,7 @@
           <a:p>
             <a:fld id="{DD7092B5-27BF-4463-B260-8A9B82B2356B}" type="datetimeFigureOut">
               <a:rPr lang="de-DE" smtClean="0"/>
-              <a:t>22.10.2024</a:t>
+              <a:t>05.11.24</a:t>
             </a:fld>
             <a:endParaRPr lang="de-DE"/>
           </a:p>
@@ -2254,7 +2074,7 @@
           <a:p>
             <a:fld id="{DD7092B5-27BF-4463-B260-8A9B82B2356B}" type="datetimeFigureOut">
               <a:rPr lang="de-DE" smtClean="0"/>
-              <a:t>22.10.2024</a:t>
+              <a:t>05.11.24</a:t>
             </a:fld>
             <a:endParaRPr lang="de-DE"/>
           </a:p>
@@ -2565,7 +2385,7 @@
           <a:p>
             <a:fld id="{DD7092B5-27BF-4463-B260-8A9B82B2356B}" type="datetimeFigureOut">
               <a:rPr lang="de-DE" smtClean="0"/>
-              <a:t>22.10.2024</a:t>
+              <a:t>05.11.24</a:t>
             </a:fld>
             <a:endParaRPr lang="de-DE"/>
           </a:p>
@@ -2853,7 +2673,7 @@
           <a:p>
             <a:fld id="{DD7092B5-27BF-4463-B260-8A9B82B2356B}" type="datetimeFigureOut">
               <a:rPr lang="de-DE" smtClean="0"/>
-              <a:t>22.10.2024</a:t>
+              <a:t>05.11.24</a:t>
             </a:fld>
             <a:endParaRPr lang="de-DE"/>
           </a:p>
@@ -3094,7 +2914,7 @@
           <a:p>
             <a:fld id="{DD7092B5-27BF-4463-B260-8A9B82B2356B}" type="datetimeFigureOut">
               <a:rPr lang="de-DE" smtClean="0"/>
-              <a:t>22.10.2024</a:t>
+              <a:t>05.11.24</a:t>
             </a:fld>
             <a:endParaRPr lang="de-DE"/>
           </a:p>
@@ -3532,7 +3352,18 @@
           <a:bodyPr/>
           <a:lstStyle/>
           <a:p>
-            <a:endParaRPr lang="de-DE"/>
+            <a:r>
+              <a:rPr lang="de-DE" dirty="0"/>
+              <a:t>Use </a:t>
+            </a:r>
+            <a:r>
+              <a:rPr lang="de-DE" dirty="0" err="1"/>
+              <a:t>Cases</a:t>
+            </a:r>
+            <a:r>
+              <a:rPr lang="de-DE" dirty="0"/>
+              <a:t> Mensch ärgere dich nicht</a:t>
+            </a:r>
           </a:p>
         </p:txBody>
       </p:sp>
@@ -3552,12 +3383,35 @@
             <p:ph type="subTitle" idx="1"/>
           </p:nvPr>
         </p:nvSpPr>
-        <p:spPr/>
+        <p:spPr>
+          <a:xfrm>
+            <a:off x="1524000" y="4907756"/>
+            <a:ext cx="9144000" cy="1655762"/>
+          </a:xfrm>
+        </p:spPr>
         <p:txBody>
-          <a:bodyPr/>
+          <a:bodyPr anchor="t"/>
           <a:lstStyle/>
           <a:p>
-            <a:endParaRPr lang="de-DE"/>
+            <a:pPr algn="r"/>
+            <a:r>
+              <a:rPr lang="de-DE" dirty="0"/>
+              <a:t>Marcel Pottharst, Thorge Huhn, Luis Brenner</a:t>
+            </a:r>
+          </a:p>
+          <a:p>
+            <a:pPr algn="r"/>
+            <a:r>
+              <a:rPr lang="de-DE" dirty="0"/>
+              <a:t>WI23A3</a:t>
+            </a:r>
+          </a:p>
+          <a:p>
+            <a:pPr algn="r"/>
+            <a:r>
+              <a:rPr lang="de-DE" dirty="0"/>
+              <a:t>07.11.2024</a:t>
+            </a:r>
           </a:p>
         </p:txBody>
       </p:sp>
@@ -3575,1460 +3429,6 @@
 </file>
 
 <file path=ppt/slides/slide2.xml><?xml version="1.0" encoding="utf-8"?>
-<p:sld xmlns:a="http://schemas.openxmlformats.org/drawingml/2006/main" xmlns:r="http://schemas.openxmlformats.org/officeDocument/2006/relationships" xmlns:p="http://schemas.openxmlformats.org/presentationml/2006/main">
-  <p:cSld>
-    <p:spTree>
-      <p:nvGrpSpPr>
-        <p:cNvPr id="1" name=""/>
-        <p:cNvGrpSpPr/>
-        <p:nvPr/>
-      </p:nvGrpSpPr>
-      <p:grpSpPr>
-        <a:xfrm>
-          <a:off x="0" y="0"/>
-          <a:ext cx="0" cy="0"/>
-          <a:chOff x="0" y="0"/>
-          <a:chExt cx="0" cy="0"/>
-        </a:xfrm>
-      </p:grpSpPr>
-      <p:sp>
-        <p:nvSpPr>
-          <p:cNvPr id="2" name="Titel 1">
-            <a:extLst>
-              <a:ext uri="{FF2B5EF4-FFF2-40B4-BE49-F238E27FC236}">
-                <a16:creationId xmlns:a16="http://schemas.microsoft.com/office/drawing/2014/main" id="{5771897B-BBC0-41D5-8261-B7574E09B315}"/>
-              </a:ext>
-            </a:extLst>
-          </p:cNvPr>
-          <p:cNvSpPr>
-            <a:spLocks noGrp="1"/>
-          </p:cNvSpPr>
-          <p:nvPr>
-            <p:ph type="title"/>
-          </p:nvPr>
-        </p:nvSpPr>
-        <p:spPr/>
-        <p:txBody>
-          <a:bodyPr/>
-          <a:lstStyle/>
-          <a:p>
-            <a:endParaRPr lang="de-DE"/>
-          </a:p>
-        </p:txBody>
-      </p:sp>
-      <p:sp>
-        <p:nvSpPr>
-          <p:cNvPr id="3" name="Inhaltsplatzhalter 2">
-            <a:extLst>
-              <a:ext uri="{FF2B5EF4-FFF2-40B4-BE49-F238E27FC236}">
-                <a16:creationId xmlns:a16="http://schemas.microsoft.com/office/drawing/2014/main" id="{B3F9EAD7-8FAE-49BE-BED0-141FCDF76765}"/>
-              </a:ext>
-            </a:extLst>
-          </p:cNvPr>
-          <p:cNvSpPr>
-            <a:spLocks noGrp="1"/>
-          </p:cNvSpPr>
-          <p:nvPr>
-            <p:ph idx="1"/>
-          </p:nvPr>
-        </p:nvSpPr>
-        <p:spPr/>
-        <p:txBody>
-          <a:bodyPr/>
-          <a:lstStyle/>
-          <a:p>
-            <a:r>
-              <a:rPr lang="de-DE" dirty="0"/>
-              <a:t>Auswahl Spiel: Mensch ärgere dich nicht mit Erweiterungen</a:t>
-            </a:r>
-          </a:p>
-          <a:p>
-            <a:r>
-              <a:rPr lang="de-DE" dirty="0"/>
-              <a:t>Bsp. Sonderaktionen bei Würfelkombinationen</a:t>
-            </a:r>
-          </a:p>
-          <a:p>
-            <a:r>
-              <a:rPr lang="de-DE" dirty="0"/>
-              <a:t>Sonderfelder</a:t>
-            </a:r>
-          </a:p>
-          <a:p>
-            <a:endParaRPr lang="de-DE" dirty="0"/>
-          </a:p>
-          <a:p>
-            <a:r>
-              <a:rPr lang="de-DE" dirty="0"/>
-              <a:t>Zusatzregeln:</a:t>
-            </a:r>
-          </a:p>
-          <a:p>
-            <a:r>
-              <a:rPr lang="de-DE" dirty="0"/>
-              <a:t>Es muss geschlagen werden, sonst zurück ins Haus</a:t>
-            </a:r>
-          </a:p>
-          <a:p>
-            <a:endParaRPr lang="de-DE" dirty="0"/>
-          </a:p>
-        </p:txBody>
-      </p:sp>
-    </p:spTree>
-    <p:extLst>
-      <p:ext uri="{BB962C8B-B14F-4D97-AF65-F5344CB8AC3E}">
-        <p14:creationId xmlns:p14="http://schemas.microsoft.com/office/powerpoint/2010/main" val="3328034666"/>
-      </p:ext>
-    </p:extLst>
-  </p:cSld>
-  <p:clrMapOvr>
-    <a:masterClrMapping/>
-  </p:clrMapOvr>
-</p:sld>
-</file>
-
-<file path=ppt/slides/slide3.xml><?xml version="1.0" encoding="utf-8"?>
-<p:sld xmlns:a="http://schemas.openxmlformats.org/drawingml/2006/main" xmlns:r="http://schemas.openxmlformats.org/officeDocument/2006/relationships" xmlns:p="http://schemas.openxmlformats.org/presentationml/2006/main">
-  <p:cSld>
-    <p:spTree>
-      <p:nvGrpSpPr>
-        <p:cNvPr id="1" name=""/>
-        <p:cNvGrpSpPr/>
-        <p:nvPr/>
-      </p:nvGrpSpPr>
-      <p:grpSpPr>
-        <a:xfrm>
-          <a:off x="0" y="0"/>
-          <a:ext cx="0" cy="0"/>
-          <a:chOff x="0" y="0"/>
-          <a:chExt cx="0" cy="0"/>
-        </a:xfrm>
-      </p:grpSpPr>
-      <p:graphicFrame>
-        <p:nvGraphicFramePr>
-          <p:cNvPr id="4" name="Table 4">
-            <a:extLst>
-              <a:ext uri="{FF2B5EF4-FFF2-40B4-BE49-F238E27FC236}">
-                <a16:creationId xmlns:a16="http://schemas.microsoft.com/office/drawing/2014/main" id="{96AC8230-5D82-4D17-9E21-9D961D1109D8}"/>
-              </a:ext>
-            </a:extLst>
-          </p:cNvPr>
-          <p:cNvGraphicFramePr/>
-          <p:nvPr/>
-        </p:nvGraphicFramePr>
-        <p:xfrm>
-          <a:off x="1008120" y="972432"/>
-          <a:ext cx="10175760" cy="4913136"/>
-        </p:xfrm>
-        <a:graphic>
-          <a:graphicData uri="http://schemas.openxmlformats.org/drawingml/2006/table">
-            <a:tbl>
-              <a:tblPr/>
-              <a:tblGrid>
-                <a:gridCol w="2851632">
-                  <a:extLst>
-                    <a:ext uri="{9D8B030D-6E8A-4147-A177-3AD203B41FA5}">
-                      <a16:colId xmlns:a16="http://schemas.microsoft.com/office/drawing/2014/main" val="20000"/>
-                    </a:ext>
-                  </a:extLst>
-                </a:gridCol>
-                <a:gridCol w="7324128">
-                  <a:extLst>
-                    <a:ext uri="{9D8B030D-6E8A-4147-A177-3AD203B41FA5}">
-                      <a16:colId xmlns:a16="http://schemas.microsoft.com/office/drawing/2014/main" val="20001"/>
-                    </a:ext>
-                  </a:extLst>
-                </a:gridCol>
-              </a:tblGrid>
-              <a:tr h="329184">
-                <a:tc>
-                  <a:txBody>
-                    <a:bodyPr/>
-                    <a:lstStyle/>
-                    <a:p>
-                      <a:pPr>
-                        <a:lnSpc>
-                          <a:spcPct val="100000"/>
-                        </a:lnSpc>
-                      </a:pPr>
-                      <a:r>
-                        <a:rPr lang="de-DE" sz="1400" b="1" strike="noStrike" spc="-1">
-                          <a:solidFill>
-                            <a:srgbClr val="000000"/>
-                          </a:solidFill>
-                          <a:latin typeface="Arial"/>
-                        </a:rPr>
-                        <a:t>Geschäftsprozess, Funktion</a:t>
-                      </a:r>
-                      <a:endParaRPr lang="de-DE" sz="1400" b="0" strike="noStrike" spc="-1">
-                        <a:latin typeface="Arial"/>
-                      </a:endParaRPr>
-                    </a:p>
-                  </a:txBody>
-                  <a:tcPr marL="52704" marR="52704" marT="54864" marB="54864">
-                    <a:lnL w="12240">
-                      <a:solidFill>
-                        <a:srgbClr val="000000"/>
-                      </a:solidFill>
-                    </a:lnL>
-                    <a:lnR w="12240">
-                      <a:solidFill>
-                        <a:srgbClr val="000000"/>
-                      </a:solidFill>
-                    </a:lnR>
-                    <a:lnT w="12240">
-                      <a:solidFill>
-                        <a:srgbClr val="000000"/>
-                      </a:solidFill>
-                    </a:lnT>
-                    <a:lnB w="12240">
-                      <a:solidFill>
-                        <a:srgbClr val="000000"/>
-                      </a:solidFill>
-                    </a:lnB>
-                    <a:noFill/>
-                  </a:tcPr>
-                </a:tc>
-                <a:tc>
-                  <a:txBody>
-                    <a:bodyPr/>
-                    <a:lstStyle/>
-                    <a:p>
-                      <a:pPr>
-                        <a:lnSpc>
-                          <a:spcPct val="100000"/>
-                        </a:lnSpc>
-                      </a:pPr>
-                      <a:r>
-                        <a:rPr lang="de-DE" sz="1400" b="0" strike="noStrike" spc="-1">
-                          <a:solidFill>
-                            <a:srgbClr val="000000"/>
-                          </a:solidFill>
-                          <a:latin typeface="Arial"/>
-                        </a:rPr>
-                        <a:t>Name, besteht aus zwei Wörtern. Objekt + Verb (was wird womit getan?).</a:t>
-                      </a:r>
-                      <a:endParaRPr lang="de-DE" sz="1400" b="0" strike="noStrike" spc="-1">
-                        <a:latin typeface="Arial"/>
-                      </a:endParaRPr>
-                    </a:p>
-                  </a:txBody>
-                  <a:tcPr marL="52704" marR="52704" marT="54864" marB="54864">
-                    <a:lnL w="12240">
-                      <a:solidFill>
-                        <a:srgbClr val="000000"/>
-                      </a:solidFill>
-                    </a:lnL>
-                    <a:lnR w="12240">
-                      <a:solidFill>
-                        <a:srgbClr val="000000"/>
-                      </a:solidFill>
-                    </a:lnR>
-                    <a:lnT w="12240">
-                      <a:solidFill>
-                        <a:srgbClr val="000000"/>
-                      </a:solidFill>
-                    </a:lnT>
-                    <a:lnB w="12240">
-                      <a:solidFill>
-                        <a:srgbClr val="000000"/>
-                      </a:solidFill>
-                    </a:lnB>
-                    <a:noFill/>
-                  </a:tcPr>
-                </a:tc>
-                <a:extLst>
-                  <a:ext uri="{0D108BD9-81ED-4DB2-BD59-A6C34878D82A}">
-                    <a16:rowId xmlns:a16="http://schemas.microsoft.com/office/drawing/2014/main" val="10000"/>
-                  </a:ext>
-                </a:extLst>
-              </a:tr>
-              <a:tr h="329184">
-                <a:tc>
-                  <a:txBody>
-                    <a:bodyPr/>
-                    <a:lstStyle/>
-                    <a:p>
-                      <a:pPr>
-                        <a:lnSpc>
-                          <a:spcPct val="100000"/>
-                        </a:lnSpc>
-                      </a:pPr>
-                      <a:r>
-                        <a:rPr lang="de-DE" sz="1400" b="1" strike="noStrike" spc="-1">
-                          <a:solidFill>
-                            <a:srgbClr val="000000"/>
-                          </a:solidFill>
-                          <a:latin typeface="Arial"/>
-                        </a:rPr>
-                        <a:t>Ziel, Ergebnisse</a:t>
-                      </a:r>
-                      <a:endParaRPr lang="de-DE" sz="1400" b="0" strike="noStrike" spc="-1">
-                        <a:latin typeface="Arial"/>
-                      </a:endParaRPr>
-                    </a:p>
-                  </a:txBody>
-                  <a:tcPr marL="52704" marR="52704" marT="54864" marB="54864">
-                    <a:lnL w="12240">
-                      <a:solidFill>
-                        <a:srgbClr val="000000"/>
-                      </a:solidFill>
-                    </a:lnL>
-                    <a:lnR w="12240">
-                      <a:solidFill>
-                        <a:srgbClr val="000000"/>
-                      </a:solidFill>
-                    </a:lnR>
-                    <a:lnT w="12240">
-                      <a:solidFill>
-                        <a:srgbClr val="000000"/>
-                      </a:solidFill>
-                    </a:lnT>
-                    <a:lnB w="12240">
-                      <a:solidFill>
-                        <a:srgbClr val="000000"/>
-                      </a:solidFill>
-                    </a:lnB>
-                    <a:noFill/>
-                  </a:tcPr>
-                </a:tc>
-                <a:tc>
-                  <a:txBody>
-                    <a:bodyPr/>
-                    <a:lstStyle/>
-                    <a:p>
-                      <a:pPr>
-                        <a:lnSpc>
-                          <a:spcPct val="100000"/>
-                        </a:lnSpc>
-                      </a:pPr>
-                      <a:r>
-                        <a:rPr lang="de-DE" sz="1400" b="0" strike="noStrike" spc="-1">
-                          <a:solidFill>
-                            <a:srgbClr val="000000"/>
-                          </a:solidFill>
-                          <a:latin typeface="Arial"/>
-                        </a:rPr>
-                        <a:t>globale Zielsetzung bei erfolgreicher Ausführung des Geschäftsprozesses</a:t>
-                      </a:r>
-                      <a:endParaRPr lang="de-DE" sz="1400" b="0" strike="noStrike" spc="-1">
-                        <a:latin typeface="Arial"/>
-                      </a:endParaRPr>
-                    </a:p>
-                  </a:txBody>
-                  <a:tcPr marL="52704" marR="52704" marT="54864" marB="54864">
-                    <a:lnL w="12240">
-                      <a:solidFill>
-                        <a:srgbClr val="000000"/>
-                      </a:solidFill>
-                    </a:lnL>
-                    <a:lnR w="12240">
-                      <a:solidFill>
-                        <a:srgbClr val="000000"/>
-                      </a:solidFill>
-                    </a:lnR>
-                    <a:lnT w="12240">
-                      <a:solidFill>
-                        <a:srgbClr val="000000"/>
-                      </a:solidFill>
-                    </a:lnT>
-                    <a:lnB w="12240">
-                      <a:solidFill>
-                        <a:srgbClr val="000000"/>
-                      </a:solidFill>
-                    </a:lnB>
-                    <a:noFill/>
-                  </a:tcPr>
-                </a:tc>
-                <a:extLst>
-                  <a:ext uri="{0D108BD9-81ED-4DB2-BD59-A6C34878D82A}">
-                    <a16:rowId xmlns:a16="http://schemas.microsoft.com/office/drawing/2014/main" val="10001"/>
-                  </a:ext>
-                </a:extLst>
-              </a:tr>
-              <a:tr h="548640">
-                <a:tc>
-                  <a:txBody>
-                    <a:bodyPr/>
-                    <a:lstStyle/>
-                    <a:p>
-                      <a:pPr>
-                        <a:lnSpc>
-                          <a:spcPct val="100000"/>
-                        </a:lnSpc>
-                      </a:pPr>
-                      <a:r>
-                        <a:rPr lang="de-DE" sz="1400" b="1" strike="noStrike" spc="-1" dirty="0">
-                          <a:solidFill>
-                            <a:srgbClr val="000000"/>
-                          </a:solidFill>
-                          <a:latin typeface="Arial"/>
-                        </a:rPr>
-                        <a:t>Akteure</a:t>
-                      </a:r>
-                      <a:endParaRPr lang="de-DE" sz="1400" b="0" strike="noStrike" spc="-1" dirty="0">
-                        <a:latin typeface="Arial"/>
-                      </a:endParaRPr>
-                    </a:p>
-                  </a:txBody>
-                  <a:tcPr marL="52704" marR="52704" marT="54864" marB="54864">
-                    <a:lnL w="12240">
-                      <a:solidFill>
-                        <a:srgbClr val="000000"/>
-                      </a:solidFill>
-                    </a:lnL>
-                    <a:lnR w="12240">
-                      <a:solidFill>
-                        <a:srgbClr val="000000"/>
-                      </a:solidFill>
-                    </a:lnR>
-                    <a:lnT w="12240">
-                      <a:solidFill>
-                        <a:srgbClr val="000000"/>
-                      </a:solidFill>
-                    </a:lnT>
-                    <a:lnB w="12240">
-                      <a:solidFill>
-                        <a:srgbClr val="000000"/>
-                      </a:solidFill>
-                    </a:lnB>
-                    <a:noFill/>
-                  </a:tcPr>
-                </a:tc>
-                <a:tc>
-                  <a:txBody>
-                    <a:bodyPr/>
-                    <a:lstStyle/>
-                    <a:p>
-                      <a:pPr>
-                        <a:lnSpc>
-                          <a:spcPct val="100000"/>
-                        </a:lnSpc>
-                      </a:pPr>
-                      <a:r>
-                        <a:rPr lang="de-DE" sz="1400" b="0" strike="noStrike" spc="-1" dirty="0">
-                          <a:solidFill>
-                            <a:srgbClr val="000000"/>
-                          </a:solidFill>
-                          <a:latin typeface="Arial"/>
-                        </a:rPr>
-                        <a:t>Rollen von Personen oder anderen Systemen, die den Geschäftsprozess auslösen oder daran beteiligt sind</a:t>
-                      </a:r>
-                      <a:endParaRPr lang="de-DE" sz="1400" b="0" strike="noStrike" spc="-1" dirty="0">
-                        <a:latin typeface="Arial"/>
-                      </a:endParaRPr>
-                    </a:p>
-                  </a:txBody>
-                  <a:tcPr marL="52704" marR="52704" marT="54864" marB="54864">
-                    <a:lnL w="12240">
-                      <a:solidFill>
-                        <a:srgbClr val="000000"/>
-                      </a:solidFill>
-                    </a:lnL>
-                    <a:lnR w="12240">
-                      <a:solidFill>
-                        <a:srgbClr val="000000"/>
-                      </a:solidFill>
-                    </a:lnR>
-                    <a:lnT w="12240">
-                      <a:solidFill>
-                        <a:srgbClr val="000000"/>
-                      </a:solidFill>
-                    </a:lnT>
-                    <a:lnB w="12240">
-                      <a:solidFill>
-                        <a:srgbClr val="000000"/>
-                      </a:solidFill>
-                    </a:lnB>
-                    <a:noFill/>
-                  </a:tcPr>
-                </a:tc>
-                <a:extLst>
-                  <a:ext uri="{0D108BD9-81ED-4DB2-BD59-A6C34878D82A}">
-                    <a16:rowId xmlns:a16="http://schemas.microsoft.com/office/drawing/2014/main" val="10002"/>
-                  </a:ext>
-                </a:extLst>
-              </a:tr>
-              <a:tr h="329184">
-                <a:tc>
-                  <a:txBody>
-                    <a:bodyPr/>
-                    <a:lstStyle/>
-                    <a:p>
-                      <a:pPr>
-                        <a:lnSpc>
-                          <a:spcPct val="100000"/>
-                        </a:lnSpc>
-                      </a:pPr>
-                      <a:r>
-                        <a:rPr lang="de-DE" sz="1400" b="1" strike="noStrike" spc="-1">
-                          <a:solidFill>
-                            <a:srgbClr val="000000"/>
-                          </a:solidFill>
-                          <a:latin typeface="Arial"/>
-                        </a:rPr>
-                        <a:t>Vorbedingungen</a:t>
-                      </a:r>
-                      <a:endParaRPr lang="de-DE" sz="1400" b="0" strike="noStrike" spc="-1">
-                        <a:latin typeface="Arial"/>
-                      </a:endParaRPr>
-                    </a:p>
-                  </a:txBody>
-                  <a:tcPr marL="52704" marR="52704" marT="54864" marB="54864">
-                    <a:lnL w="12240">
-                      <a:solidFill>
-                        <a:srgbClr val="000000"/>
-                      </a:solidFill>
-                    </a:lnL>
-                    <a:lnR w="12240">
-                      <a:solidFill>
-                        <a:srgbClr val="000000"/>
-                      </a:solidFill>
-                    </a:lnR>
-                    <a:lnT w="12240">
-                      <a:solidFill>
-                        <a:srgbClr val="000000"/>
-                      </a:solidFill>
-                    </a:lnT>
-                    <a:lnB w="12240">
-                      <a:solidFill>
-                        <a:srgbClr val="000000"/>
-                      </a:solidFill>
-                    </a:lnB>
-                    <a:noFill/>
-                  </a:tcPr>
-                </a:tc>
-                <a:tc>
-                  <a:txBody>
-                    <a:bodyPr/>
-                    <a:lstStyle/>
-                    <a:p>
-                      <a:pPr>
-                        <a:lnSpc>
-                          <a:spcPct val="100000"/>
-                        </a:lnSpc>
-                      </a:pPr>
-                      <a:r>
-                        <a:rPr lang="de-DE" sz="1400" b="0" strike="noStrike" spc="-1">
-                          <a:solidFill>
-                            <a:srgbClr val="000000"/>
-                          </a:solidFill>
-                          <a:latin typeface="Arial"/>
-                        </a:rPr>
-                        <a:t>Erwarteter Zustand, bevor der Geschäftsprozess beginnt</a:t>
-                      </a:r>
-                      <a:endParaRPr lang="de-DE" sz="1400" b="0" strike="noStrike" spc="-1">
-                        <a:latin typeface="Arial"/>
-                      </a:endParaRPr>
-                    </a:p>
-                  </a:txBody>
-                  <a:tcPr marL="52704" marR="52704" marT="54864" marB="54864">
-                    <a:lnL w="12240">
-                      <a:solidFill>
-                        <a:srgbClr val="000000"/>
-                      </a:solidFill>
-                    </a:lnL>
-                    <a:lnR w="12240">
-                      <a:solidFill>
-                        <a:srgbClr val="000000"/>
-                      </a:solidFill>
-                    </a:lnR>
-                    <a:lnT w="12240">
-                      <a:solidFill>
-                        <a:srgbClr val="000000"/>
-                      </a:solidFill>
-                    </a:lnT>
-                    <a:lnB w="12240">
-                      <a:solidFill>
-                        <a:srgbClr val="000000"/>
-                      </a:solidFill>
-                    </a:lnB>
-                    <a:noFill/>
-                  </a:tcPr>
-                </a:tc>
-                <a:extLst>
-                  <a:ext uri="{0D108BD9-81ED-4DB2-BD59-A6C34878D82A}">
-                    <a16:rowId xmlns:a16="http://schemas.microsoft.com/office/drawing/2014/main" val="10003"/>
-                  </a:ext>
-                </a:extLst>
-              </a:tr>
-              <a:tr h="329184">
-                <a:tc>
-                  <a:txBody>
-                    <a:bodyPr/>
-                    <a:lstStyle/>
-                    <a:p>
-                      <a:pPr>
-                        <a:lnSpc>
-                          <a:spcPct val="100000"/>
-                        </a:lnSpc>
-                      </a:pPr>
-                      <a:r>
-                        <a:rPr lang="de-DE" sz="1400" b="1" strike="noStrike" spc="-1">
-                          <a:solidFill>
-                            <a:srgbClr val="000000"/>
-                          </a:solidFill>
-                          <a:latin typeface="Arial"/>
-                        </a:rPr>
-                        <a:t>Auslösendes Ereignis</a:t>
-                      </a:r>
-                      <a:endParaRPr lang="de-DE" sz="1400" b="0" strike="noStrike" spc="-1">
-                        <a:latin typeface="Arial"/>
-                      </a:endParaRPr>
-                    </a:p>
-                  </a:txBody>
-                  <a:tcPr marL="52704" marR="52704" marT="54864" marB="54864">
-                    <a:lnL w="12240">
-                      <a:solidFill>
-                        <a:srgbClr val="000000"/>
-                      </a:solidFill>
-                    </a:lnL>
-                    <a:lnR w="12240">
-                      <a:solidFill>
-                        <a:srgbClr val="000000"/>
-                      </a:solidFill>
-                    </a:lnR>
-                    <a:lnT w="12240">
-                      <a:solidFill>
-                        <a:srgbClr val="000000"/>
-                      </a:solidFill>
-                    </a:lnT>
-                    <a:lnB w="12240">
-                      <a:solidFill>
-                        <a:srgbClr val="000000"/>
-                      </a:solidFill>
-                    </a:lnB>
-                    <a:noFill/>
-                  </a:tcPr>
-                </a:tc>
-                <a:tc>
-                  <a:txBody>
-                    <a:bodyPr/>
-                    <a:lstStyle/>
-                    <a:p>
-                      <a:pPr>
-                        <a:lnSpc>
-                          <a:spcPct val="100000"/>
-                        </a:lnSpc>
-                      </a:pPr>
-                      <a:r>
-                        <a:rPr lang="de-DE" sz="1400" b="0" strike="noStrike" spc="-1" dirty="0">
-                          <a:solidFill>
-                            <a:srgbClr val="000000"/>
-                          </a:solidFill>
-                          <a:latin typeface="Arial"/>
-                        </a:rPr>
-                        <a:t>Wenn dieses Ereignis eintritt, wird der Geschäftsprozess initiiert</a:t>
-                      </a:r>
-                      <a:endParaRPr lang="de-DE" sz="1400" b="0" strike="noStrike" spc="-1" dirty="0">
-                        <a:latin typeface="Arial"/>
-                      </a:endParaRPr>
-                    </a:p>
-                  </a:txBody>
-                  <a:tcPr marL="52704" marR="52704" marT="54864" marB="54864">
-                    <a:lnL w="12240">
-                      <a:solidFill>
-                        <a:srgbClr val="000000"/>
-                      </a:solidFill>
-                    </a:lnL>
-                    <a:lnR w="12240">
-                      <a:solidFill>
-                        <a:srgbClr val="000000"/>
-                      </a:solidFill>
-                    </a:lnR>
-                    <a:lnT w="12240">
-                      <a:solidFill>
-                        <a:srgbClr val="000000"/>
-                      </a:solidFill>
-                    </a:lnT>
-                    <a:lnB w="12240">
-                      <a:solidFill>
-                        <a:srgbClr val="000000"/>
-                      </a:solidFill>
-                    </a:lnB>
-                    <a:noFill/>
-                  </a:tcPr>
-                </a:tc>
-                <a:extLst>
-                  <a:ext uri="{0D108BD9-81ED-4DB2-BD59-A6C34878D82A}">
-                    <a16:rowId xmlns:a16="http://schemas.microsoft.com/office/drawing/2014/main" val="10004"/>
-                  </a:ext>
-                </a:extLst>
-              </a:tr>
-              <a:tr h="548640">
-                <a:tc>
-                  <a:txBody>
-                    <a:bodyPr/>
-                    <a:lstStyle/>
-                    <a:p>
-                      <a:pPr>
-                        <a:lnSpc>
-                          <a:spcPct val="100000"/>
-                        </a:lnSpc>
-                      </a:pPr>
-                      <a:r>
-                        <a:rPr lang="de-DE" sz="1400" b="1" strike="noStrike" spc="-1">
-                          <a:solidFill>
-                            <a:srgbClr val="000000"/>
-                          </a:solidFill>
-                          <a:latin typeface="Arial"/>
-                        </a:rPr>
-                        <a:t>Nachbedingung bei Erfolg</a:t>
-                      </a:r>
-                      <a:endParaRPr lang="de-DE" sz="1400" b="0" strike="noStrike" spc="-1">
-                        <a:latin typeface="Arial"/>
-                      </a:endParaRPr>
-                    </a:p>
-                  </a:txBody>
-                  <a:tcPr marL="52704" marR="52704" marT="54864" marB="54864">
-                    <a:lnL w="12240">
-                      <a:solidFill>
-                        <a:srgbClr val="000000"/>
-                      </a:solidFill>
-                    </a:lnL>
-                    <a:lnR w="12240">
-                      <a:solidFill>
-                        <a:srgbClr val="000000"/>
-                      </a:solidFill>
-                    </a:lnR>
-                    <a:lnT w="12240">
-                      <a:solidFill>
-                        <a:srgbClr val="000000"/>
-                      </a:solidFill>
-                    </a:lnT>
-                    <a:lnB w="12240">
-                      <a:solidFill>
-                        <a:srgbClr val="000000"/>
-                      </a:solidFill>
-                    </a:lnB>
-                    <a:noFill/>
-                  </a:tcPr>
-                </a:tc>
-                <a:tc>
-                  <a:txBody>
-                    <a:bodyPr/>
-                    <a:lstStyle/>
-                    <a:p>
-                      <a:pPr>
-                        <a:lnSpc>
-                          <a:spcPct val="100000"/>
-                        </a:lnSpc>
-                      </a:pPr>
-                      <a:r>
-                        <a:rPr lang="de-DE" sz="1400" b="0" strike="noStrike" spc="-1" dirty="0">
-                          <a:solidFill>
-                            <a:srgbClr val="000000"/>
-                          </a:solidFill>
-                          <a:latin typeface="Arial"/>
-                        </a:rPr>
-                        <a:t>Erwarteter Zustand nach erfolgreicher Ausführung des Geschäftsprozess, das heißt Ergebnis des Geschäftsprozesses</a:t>
-                      </a:r>
-                      <a:endParaRPr lang="de-DE" sz="1400" b="0" strike="noStrike" spc="-1" dirty="0">
-                        <a:latin typeface="Arial"/>
-                      </a:endParaRPr>
-                    </a:p>
-                  </a:txBody>
-                  <a:tcPr marL="52704" marR="52704" marT="54864" marB="54864">
-                    <a:lnL w="12240">
-                      <a:solidFill>
-                        <a:srgbClr val="000000"/>
-                      </a:solidFill>
-                    </a:lnL>
-                    <a:lnR w="12240">
-                      <a:solidFill>
-                        <a:srgbClr val="000000"/>
-                      </a:solidFill>
-                    </a:lnR>
-                    <a:lnT w="12240">
-                      <a:solidFill>
-                        <a:srgbClr val="000000"/>
-                      </a:solidFill>
-                    </a:lnT>
-                    <a:lnB w="12240">
-                      <a:solidFill>
-                        <a:srgbClr val="000000"/>
-                      </a:solidFill>
-                    </a:lnB>
-                    <a:noFill/>
-                  </a:tcPr>
-                </a:tc>
-                <a:extLst>
-                  <a:ext uri="{0D108BD9-81ED-4DB2-BD59-A6C34878D82A}">
-                    <a16:rowId xmlns:a16="http://schemas.microsoft.com/office/drawing/2014/main" val="10005"/>
-                  </a:ext>
-                </a:extLst>
-              </a:tr>
-              <a:tr h="329184">
-                <a:tc>
-                  <a:txBody>
-                    <a:bodyPr/>
-                    <a:lstStyle/>
-                    <a:p>
-                      <a:pPr>
-                        <a:lnSpc>
-                          <a:spcPct val="100000"/>
-                        </a:lnSpc>
-                      </a:pPr>
-                      <a:r>
-                        <a:rPr lang="de-DE" sz="1400" b="1" strike="noStrike" spc="-1" dirty="0">
-                          <a:solidFill>
-                            <a:srgbClr val="000000"/>
-                          </a:solidFill>
-                          <a:latin typeface="Arial"/>
-                        </a:rPr>
-                        <a:t>Nachbedingung bei Fehlschlag</a:t>
-                      </a:r>
-                      <a:endParaRPr lang="de-DE" sz="1400" b="0" strike="noStrike" spc="-1" dirty="0">
-                        <a:latin typeface="Arial"/>
-                      </a:endParaRPr>
-                    </a:p>
-                  </a:txBody>
-                  <a:tcPr marL="52704" marR="52704" marT="54864" marB="54864">
-                    <a:lnL w="12240">
-                      <a:solidFill>
-                        <a:srgbClr val="000000"/>
-                      </a:solidFill>
-                    </a:lnL>
-                    <a:lnR w="12240">
-                      <a:solidFill>
-                        <a:srgbClr val="000000"/>
-                      </a:solidFill>
-                    </a:lnR>
-                    <a:lnT w="12240">
-                      <a:solidFill>
-                        <a:srgbClr val="000000"/>
-                      </a:solidFill>
-                    </a:lnT>
-                    <a:lnB w="12240">
-                      <a:solidFill>
-                        <a:srgbClr val="000000"/>
-                      </a:solidFill>
-                    </a:lnB>
-                    <a:noFill/>
-                  </a:tcPr>
-                </a:tc>
-                <a:tc>
-                  <a:txBody>
-                    <a:bodyPr/>
-                    <a:lstStyle/>
-                    <a:p>
-                      <a:pPr>
-                        <a:lnSpc>
-                          <a:spcPct val="100000"/>
-                        </a:lnSpc>
-                      </a:pPr>
-                      <a:r>
-                        <a:rPr lang="de-DE" sz="1400" b="0" strike="noStrike" spc="-1">
-                          <a:solidFill>
-                            <a:srgbClr val="000000"/>
-                          </a:solidFill>
-                          <a:latin typeface="Arial"/>
-                        </a:rPr>
-                        <a:t>Erwarteter Zustand, wenn das Ziel nicht erreicht werden kann</a:t>
-                      </a:r>
-                      <a:endParaRPr lang="de-DE" sz="1400" b="0" strike="noStrike" spc="-1">
-                        <a:latin typeface="Arial"/>
-                      </a:endParaRPr>
-                    </a:p>
-                  </a:txBody>
-                  <a:tcPr marL="52704" marR="52704" marT="54864" marB="54864">
-                    <a:lnL w="12240">
-                      <a:solidFill>
-                        <a:srgbClr val="000000"/>
-                      </a:solidFill>
-                    </a:lnL>
-                    <a:lnR w="12240">
-                      <a:solidFill>
-                        <a:srgbClr val="000000"/>
-                      </a:solidFill>
-                    </a:lnR>
-                    <a:lnT w="12240">
-                      <a:solidFill>
-                        <a:srgbClr val="000000"/>
-                      </a:solidFill>
-                    </a:lnT>
-                    <a:lnB w="12240">
-                      <a:solidFill>
-                        <a:srgbClr val="000000"/>
-                      </a:solidFill>
-                    </a:lnB>
-                    <a:noFill/>
-                  </a:tcPr>
-                </a:tc>
-                <a:extLst>
-                  <a:ext uri="{0D108BD9-81ED-4DB2-BD59-A6C34878D82A}">
-                    <a16:rowId xmlns:a16="http://schemas.microsoft.com/office/drawing/2014/main" val="10006"/>
-                  </a:ext>
-                </a:extLst>
-              </a:tr>
-              <a:tr h="329184">
-                <a:tc>
-                  <a:txBody>
-                    <a:bodyPr/>
-                    <a:lstStyle/>
-                    <a:p>
-                      <a:pPr>
-                        <a:lnSpc>
-                          <a:spcPct val="100000"/>
-                        </a:lnSpc>
-                      </a:pPr>
-                      <a:r>
-                        <a:rPr lang="de-DE" sz="1400" b="1" strike="noStrike" spc="-1" dirty="0">
-                          <a:solidFill>
-                            <a:srgbClr val="000000"/>
-                          </a:solidFill>
-                          <a:latin typeface="Arial"/>
-                        </a:rPr>
-                        <a:t>Eingehende Daten</a:t>
-                      </a:r>
-                      <a:endParaRPr lang="de-DE" sz="1400" b="0" strike="noStrike" spc="-1" dirty="0">
-                        <a:latin typeface="Arial"/>
-                      </a:endParaRPr>
-                    </a:p>
-                  </a:txBody>
-                  <a:tcPr marL="52704" marR="52704" marT="54864" marB="54864">
-                    <a:lnL w="12240">
-                      <a:solidFill>
-                        <a:srgbClr val="000000"/>
-                      </a:solidFill>
-                    </a:lnL>
-                    <a:lnR w="12240">
-                      <a:solidFill>
-                        <a:srgbClr val="000000"/>
-                      </a:solidFill>
-                    </a:lnR>
-                    <a:lnT w="12240">
-                      <a:solidFill>
-                        <a:srgbClr val="000000"/>
-                      </a:solidFill>
-                    </a:lnT>
-                    <a:lnB w="12240">
-                      <a:solidFill>
-                        <a:srgbClr val="000000"/>
-                      </a:solidFill>
-                    </a:lnB>
-                    <a:noFill/>
-                  </a:tcPr>
-                </a:tc>
-                <a:tc>
-                  <a:txBody>
-                    <a:bodyPr/>
-                    <a:lstStyle/>
-                    <a:p>
-                      <a:pPr>
-                        <a:lnSpc>
-                          <a:spcPct val="100000"/>
-                        </a:lnSpc>
-                      </a:pPr>
-                      <a:r>
-                        <a:rPr lang="de-DE" sz="1400" b="0" strike="noStrike" spc="-1" dirty="0">
-                          <a:solidFill>
-                            <a:srgbClr val="000000"/>
-                          </a:solidFill>
-                          <a:latin typeface="Arial"/>
-                        </a:rPr>
-                        <a:t>Welche Daten werden im Lauf des Use Case entgegengenommen?</a:t>
-                      </a:r>
-                      <a:endParaRPr lang="de-DE" sz="1400" b="0" strike="noStrike" spc="-1" dirty="0">
-                        <a:latin typeface="Arial"/>
-                      </a:endParaRPr>
-                    </a:p>
-                  </a:txBody>
-                  <a:tcPr marL="52704" marR="52704" marT="54864" marB="54864">
-                    <a:lnL w="12240">
-                      <a:solidFill>
-                        <a:srgbClr val="000000"/>
-                      </a:solidFill>
-                    </a:lnL>
-                    <a:lnR w="12240">
-                      <a:solidFill>
-                        <a:srgbClr val="000000"/>
-                      </a:solidFill>
-                    </a:lnR>
-                    <a:lnT w="12240">
-                      <a:solidFill>
-                        <a:srgbClr val="000000"/>
-                      </a:solidFill>
-                    </a:lnT>
-                    <a:lnB w="12240">
-                      <a:solidFill>
-                        <a:srgbClr val="000000"/>
-                      </a:solidFill>
-                    </a:lnB>
-                    <a:noFill/>
-                  </a:tcPr>
-                </a:tc>
-                <a:extLst>
-                  <a:ext uri="{0D108BD9-81ED-4DB2-BD59-A6C34878D82A}">
-                    <a16:rowId xmlns:a16="http://schemas.microsoft.com/office/drawing/2014/main" val="10007"/>
-                  </a:ext>
-                </a:extLst>
-              </a:tr>
-              <a:tr h="548640">
-                <a:tc>
-                  <a:txBody>
-                    <a:bodyPr/>
-                    <a:lstStyle/>
-                    <a:p>
-                      <a:pPr>
-                        <a:lnSpc>
-                          <a:spcPct val="100000"/>
-                        </a:lnSpc>
-                      </a:pPr>
-                      <a:r>
-                        <a:rPr lang="de-DE" sz="1400" b="1" strike="noStrike" spc="-1" dirty="0">
-                          <a:solidFill>
-                            <a:srgbClr val="000000"/>
-                          </a:solidFill>
-                          <a:latin typeface="Arial"/>
-                        </a:rPr>
-                        <a:t>Ausgehende Daten</a:t>
-                      </a:r>
-                      <a:endParaRPr lang="de-DE" sz="1400" b="0" strike="noStrike" spc="-1" dirty="0">
-                        <a:latin typeface="Arial"/>
-                      </a:endParaRPr>
-                    </a:p>
-                  </a:txBody>
-                  <a:tcPr marL="52704" marR="52704" marT="54864" marB="54864">
-                    <a:lnL w="12240">
-                      <a:solidFill>
-                        <a:srgbClr val="000000"/>
-                      </a:solidFill>
-                    </a:lnL>
-                    <a:lnR w="12240">
-                      <a:solidFill>
-                        <a:srgbClr val="000000"/>
-                      </a:solidFill>
-                    </a:lnR>
-                    <a:lnT w="12240">
-                      <a:solidFill>
-                        <a:srgbClr val="000000"/>
-                      </a:solidFill>
-                    </a:lnT>
-                    <a:lnB w="12240">
-                      <a:solidFill>
-                        <a:srgbClr val="000000"/>
-                      </a:solidFill>
-                    </a:lnB>
-                    <a:noFill/>
-                  </a:tcPr>
-                </a:tc>
-                <a:tc>
-                  <a:txBody>
-                    <a:bodyPr/>
-                    <a:lstStyle/>
-                    <a:p>
-                      <a:pPr>
-                        <a:lnSpc>
-                          <a:spcPct val="100000"/>
-                        </a:lnSpc>
-                      </a:pPr>
-                      <a:r>
-                        <a:rPr lang="de-DE" sz="1400" b="0" strike="noStrike" spc="-1" dirty="0">
-                          <a:solidFill>
-                            <a:srgbClr val="000000"/>
-                          </a:solidFill>
-                          <a:latin typeface="Arial"/>
-                        </a:rPr>
-                        <a:t>Welche Daten werden im Lauf des Use Case ausgegeben, die nicht Teil des Ergebnisses sind?</a:t>
-                      </a:r>
-                      <a:endParaRPr lang="de-DE" sz="1400" b="0" strike="noStrike" spc="-1" dirty="0">
-                        <a:latin typeface="Arial"/>
-                      </a:endParaRPr>
-                    </a:p>
-                  </a:txBody>
-                  <a:tcPr marL="52704" marR="52704" marT="54864" marB="54864">
-                    <a:lnL w="12240">
-                      <a:solidFill>
-                        <a:srgbClr val="000000"/>
-                      </a:solidFill>
-                    </a:lnL>
-                    <a:lnR w="12240">
-                      <a:solidFill>
-                        <a:srgbClr val="000000"/>
-                      </a:solidFill>
-                    </a:lnR>
-                    <a:lnT w="12240">
-                      <a:solidFill>
-                        <a:srgbClr val="000000"/>
-                      </a:solidFill>
-                    </a:lnT>
-                    <a:lnB w="12240">
-                      <a:solidFill>
-                        <a:srgbClr val="000000"/>
-                      </a:solidFill>
-                    </a:lnB>
-                    <a:noFill/>
-                  </a:tcPr>
-                </a:tc>
-                <a:extLst>
-                  <a:ext uri="{0D108BD9-81ED-4DB2-BD59-A6C34878D82A}">
-                    <a16:rowId xmlns:a16="http://schemas.microsoft.com/office/drawing/2014/main" val="10008"/>
-                  </a:ext>
-                </a:extLst>
-              </a:tr>
-              <a:tr h="548640">
-                <a:tc>
-                  <a:txBody>
-                    <a:bodyPr/>
-                    <a:lstStyle/>
-                    <a:p>
-                      <a:pPr>
-                        <a:lnSpc>
-                          <a:spcPct val="100000"/>
-                        </a:lnSpc>
-                      </a:pPr>
-                      <a:r>
-                        <a:rPr lang="de-DE" sz="1400" b="1" strike="noStrike" spc="-1" dirty="0">
-                          <a:solidFill>
-                            <a:srgbClr val="000000"/>
-                          </a:solidFill>
-                          <a:latin typeface="Arial"/>
-                        </a:rPr>
-                        <a:t>Ablauf</a:t>
-                      </a:r>
-                      <a:endParaRPr lang="de-DE" sz="1400" b="0" strike="noStrike" spc="-1" dirty="0">
-                        <a:latin typeface="Arial"/>
-                      </a:endParaRPr>
-                    </a:p>
-                  </a:txBody>
-                  <a:tcPr marL="52704" marR="52704" marT="54864" marB="54864">
-                    <a:lnL w="12240">
-                      <a:solidFill>
-                        <a:srgbClr val="000000"/>
-                      </a:solidFill>
-                    </a:lnL>
-                    <a:lnR w="12240">
-                      <a:solidFill>
-                        <a:srgbClr val="000000"/>
-                      </a:solidFill>
-                    </a:lnR>
-                    <a:lnT w="12240">
-                      <a:solidFill>
-                        <a:srgbClr val="000000"/>
-                      </a:solidFill>
-                    </a:lnT>
-                    <a:lnB w="12240">
-                      <a:solidFill>
-                        <a:srgbClr val="000000"/>
-                      </a:solidFill>
-                    </a:lnB>
-                    <a:noFill/>
-                  </a:tcPr>
-                </a:tc>
-                <a:tc>
-                  <a:txBody>
-                    <a:bodyPr/>
-                    <a:lstStyle/>
-                    <a:p>
-                      <a:pPr>
-                        <a:lnSpc>
-                          <a:spcPct val="100000"/>
-                        </a:lnSpc>
-                      </a:pPr>
-                      <a:r>
-                        <a:rPr lang="de-DE" sz="1400" b="0" strike="noStrike" spc="-1" dirty="0">
-                          <a:solidFill>
-                            <a:srgbClr val="000000"/>
-                          </a:solidFill>
-                          <a:latin typeface="Arial"/>
-                        </a:rPr>
-                        <a:t>Spezifikation des Geschäftsprozesses in natürlicher Sprache. Einzelne Aufgaben/Schritte nummerieren. Zunächst einen häufigen Standardfall beschreiben.</a:t>
-                      </a:r>
-                      <a:endParaRPr lang="de-DE" sz="1400" b="0" strike="noStrike" spc="-1" dirty="0">
-                        <a:latin typeface="Arial"/>
-                      </a:endParaRPr>
-                    </a:p>
-                  </a:txBody>
-                  <a:tcPr marL="52704" marR="52704" marT="54864" marB="54864">
-                    <a:lnL w="12240">
-                      <a:solidFill>
-                        <a:srgbClr val="000000"/>
-                      </a:solidFill>
-                    </a:lnL>
-                    <a:lnR w="12240">
-                      <a:solidFill>
-                        <a:srgbClr val="000000"/>
-                      </a:solidFill>
-                    </a:lnR>
-                    <a:lnT w="12240">
-                      <a:solidFill>
-                        <a:srgbClr val="000000"/>
-                      </a:solidFill>
-                    </a:lnT>
-                    <a:lnB w="12240">
-                      <a:solidFill>
-                        <a:srgbClr val="000000"/>
-                      </a:solidFill>
-                    </a:lnB>
-                    <a:noFill/>
-                  </a:tcPr>
-                </a:tc>
-                <a:extLst>
-                  <a:ext uri="{0D108BD9-81ED-4DB2-BD59-A6C34878D82A}">
-                    <a16:rowId xmlns:a16="http://schemas.microsoft.com/office/drawing/2014/main" val="10009"/>
-                  </a:ext>
-                </a:extLst>
-              </a:tr>
-              <a:tr h="329184">
-                <a:tc>
-                  <a:txBody>
-                    <a:bodyPr/>
-                    <a:lstStyle/>
-                    <a:p>
-                      <a:pPr>
-                        <a:lnSpc>
-                          <a:spcPct val="100000"/>
-                        </a:lnSpc>
-                      </a:pPr>
-                      <a:r>
-                        <a:rPr lang="de-DE" sz="1400" b="1" strike="noStrike" spc="-1">
-                          <a:solidFill>
-                            <a:srgbClr val="000000"/>
-                          </a:solidFill>
-                          <a:latin typeface="Arial"/>
-                        </a:rPr>
-                        <a:t>Erweiterungen</a:t>
-                      </a:r>
-                      <a:endParaRPr lang="de-DE" sz="1400" b="0" strike="noStrike" spc="-1">
-                        <a:latin typeface="Arial"/>
-                      </a:endParaRPr>
-                    </a:p>
-                  </a:txBody>
-                  <a:tcPr marL="52704" marR="52704" marT="54864" marB="54864">
-                    <a:lnL w="12240">
-                      <a:solidFill>
-                        <a:srgbClr val="000000"/>
-                      </a:solidFill>
-                    </a:lnL>
-                    <a:lnR w="12240">
-                      <a:solidFill>
-                        <a:srgbClr val="000000"/>
-                      </a:solidFill>
-                    </a:lnR>
-                    <a:lnT w="12240">
-                      <a:solidFill>
-                        <a:srgbClr val="000000"/>
-                      </a:solidFill>
-                    </a:lnT>
-                    <a:lnB w="12240">
-                      <a:solidFill>
-                        <a:srgbClr val="000000"/>
-                      </a:solidFill>
-                    </a:lnB>
-                    <a:noFill/>
-                  </a:tcPr>
-                </a:tc>
-                <a:tc>
-                  <a:txBody>
-                    <a:bodyPr/>
-                    <a:lstStyle/>
-                    <a:p>
-                      <a:pPr>
-                        <a:lnSpc>
-                          <a:spcPct val="100000"/>
-                        </a:lnSpc>
-                      </a:pPr>
-                      <a:r>
-                        <a:rPr lang="de-DE" sz="1400" b="0" strike="noStrike" spc="-1">
-                          <a:solidFill>
-                            <a:srgbClr val="000000"/>
-                          </a:solidFill>
-                          <a:latin typeface="Arial"/>
-                        </a:rPr>
-                        <a:t>Abläufe aus Aufgaben/Schritten, die in manchen Fällen zusätzlich auszuführen sind</a:t>
-                      </a:r>
-                      <a:endParaRPr lang="de-DE" sz="1400" b="0" strike="noStrike" spc="-1">
-                        <a:latin typeface="Arial"/>
-                      </a:endParaRPr>
-                    </a:p>
-                  </a:txBody>
-                  <a:tcPr marL="52704" marR="52704" marT="54864" marB="54864">
-                    <a:lnL w="12240">
-                      <a:solidFill>
-                        <a:srgbClr val="000000"/>
-                      </a:solidFill>
-                    </a:lnL>
-                    <a:lnR w="12240">
-                      <a:solidFill>
-                        <a:srgbClr val="000000"/>
-                      </a:solidFill>
-                    </a:lnR>
-                    <a:lnT w="12240">
-                      <a:solidFill>
-                        <a:srgbClr val="000000"/>
-                      </a:solidFill>
-                    </a:lnT>
-                    <a:lnB w="12240">
-                      <a:solidFill>
-                        <a:srgbClr val="000000"/>
-                      </a:solidFill>
-                    </a:lnB>
-                    <a:noFill/>
-                  </a:tcPr>
-                </a:tc>
-                <a:extLst>
-                  <a:ext uri="{0D108BD9-81ED-4DB2-BD59-A6C34878D82A}">
-                    <a16:rowId xmlns:a16="http://schemas.microsoft.com/office/drawing/2014/main" val="10010"/>
-                  </a:ext>
-                </a:extLst>
-              </a:tr>
-              <a:tr h="414288">
-                <a:tc>
-                  <a:txBody>
-                    <a:bodyPr/>
-                    <a:lstStyle/>
-                    <a:p>
-                      <a:pPr>
-                        <a:lnSpc>
-                          <a:spcPct val="100000"/>
-                        </a:lnSpc>
-                      </a:pPr>
-                      <a:r>
-                        <a:rPr lang="de-DE" sz="1400" b="1" strike="noStrike" spc="-1" dirty="0">
-                          <a:solidFill>
-                            <a:srgbClr val="000000"/>
-                          </a:solidFill>
-                          <a:latin typeface="Arial"/>
-                        </a:rPr>
-                        <a:t>Alternativen</a:t>
-                      </a:r>
-                      <a:endParaRPr lang="de-DE" sz="1400" b="0" strike="noStrike" spc="-1" dirty="0">
-                        <a:latin typeface="Arial"/>
-                      </a:endParaRPr>
-                    </a:p>
-                  </a:txBody>
-                  <a:tcPr marL="52704" marR="52704" marT="54864" marB="54864">
-                    <a:lnL w="12240">
-                      <a:solidFill>
-                        <a:srgbClr val="000000"/>
-                      </a:solidFill>
-                    </a:lnL>
-                    <a:lnR w="12240">
-                      <a:solidFill>
-                        <a:srgbClr val="000000"/>
-                      </a:solidFill>
-                    </a:lnR>
-                    <a:lnT w="12240">
-                      <a:solidFill>
-                        <a:srgbClr val="000000"/>
-                      </a:solidFill>
-                    </a:lnT>
-                    <a:lnB w="12240">
-                      <a:solidFill>
-                        <a:srgbClr val="000000"/>
-                      </a:solidFill>
-                    </a:lnB>
-                    <a:noFill/>
-                  </a:tcPr>
-                </a:tc>
-                <a:tc>
-                  <a:txBody>
-                    <a:bodyPr/>
-                    <a:lstStyle/>
-                    <a:p>
-                      <a:pPr>
-                        <a:lnSpc>
-                          <a:spcPct val="100000"/>
-                        </a:lnSpc>
-                      </a:pPr>
-                      <a:r>
-                        <a:rPr lang="de-DE" sz="1400" b="0" strike="noStrike" spc="-1" dirty="0">
-                          <a:solidFill>
-                            <a:srgbClr val="000000"/>
-                          </a:solidFill>
-                          <a:latin typeface="Arial"/>
-                        </a:rPr>
-                        <a:t>Abläufe aus Aufgaben/Schritten, die in manchen Fällen stattdessen auszuführen sind</a:t>
-                      </a:r>
-                      <a:endParaRPr lang="de-DE" sz="1400" b="0" strike="noStrike" spc="-1" dirty="0">
-                        <a:latin typeface="Arial"/>
-                      </a:endParaRPr>
-                    </a:p>
-                  </a:txBody>
-                  <a:tcPr marL="52704" marR="52704" marT="54864" marB="54864">
-                    <a:lnL w="12240">
-                      <a:solidFill>
-                        <a:srgbClr val="000000"/>
-                      </a:solidFill>
-                    </a:lnL>
-                    <a:lnR w="12240">
-                      <a:solidFill>
-                        <a:srgbClr val="000000"/>
-                      </a:solidFill>
-                    </a:lnR>
-                    <a:lnT w="12240">
-                      <a:solidFill>
-                        <a:srgbClr val="000000"/>
-                      </a:solidFill>
-                    </a:lnT>
-                    <a:lnB w="12240">
-                      <a:solidFill>
-                        <a:srgbClr val="000000"/>
-                      </a:solidFill>
-                    </a:lnB>
-                    <a:noFill/>
-                  </a:tcPr>
-                </a:tc>
-                <a:extLst>
-                  <a:ext uri="{0D108BD9-81ED-4DB2-BD59-A6C34878D82A}">
-                    <a16:rowId xmlns:a16="http://schemas.microsoft.com/office/drawing/2014/main" val="10011"/>
-                  </a:ext>
-                </a:extLst>
-              </a:tr>
-            </a:tbl>
-          </a:graphicData>
-        </a:graphic>
-      </p:graphicFrame>
-      <p:sp>
-        <p:nvSpPr>
-          <p:cNvPr id="5" name="Textfeld 4">
-            <a:extLst>
-              <a:ext uri="{FF2B5EF4-FFF2-40B4-BE49-F238E27FC236}">
-                <a16:creationId xmlns:a16="http://schemas.microsoft.com/office/drawing/2014/main" id="{42F95E1C-DE9A-4BD2-A0F6-022575F71AF6}"/>
-              </a:ext>
-            </a:extLst>
-          </p:cNvPr>
-          <p:cNvSpPr txBox="1"/>
-          <p:nvPr/>
-        </p:nvSpPr>
-        <p:spPr>
-          <a:xfrm>
-            <a:off x="1008120" y="474785"/>
-            <a:ext cx="894412" cy="369332"/>
-          </a:xfrm>
-          <a:prstGeom prst="rect">
-            <a:avLst/>
-          </a:prstGeom>
-          <a:noFill/>
-        </p:spPr>
-        <p:txBody>
-          <a:bodyPr wrap="none" rtlCol="0">
-            <a:spAutoFit/>
-          </a:bodyPr>
-          <a:lstStyle/>
-          <a:p>
-            <a:r>
-              <a:rPr lang="de-DE" dirty="0"/>
-              <a:t>Vorlage</a:t>
-            </a:r>
-          </a:p>
-        </p:txBody>
-      </p:sp>
-    </p:spTree>
-    <p:extLst>
-      <p:ext uri="{BB962C8B-B14F-4D97-AF65-F5344CB8AC3E}">
-        <p14:creationId xmlns:p14="http://schemas.microsoft.com/office/powerpoint/2010/main" val="798474527"/>
-      </p:ext>
-    </p:extLst>
-  </p:cSld>
-  <p:clrMapOvr>
-    <a:masterClrMapping/>
-  </p:clrMapOvr>
-</p:sld>
-</file>
-
-<file path=ppt/slides/slide4.xml><?xml version="1.0" encoding="utf-8"?>
 <p:sld xmlns:a="http://schemas.openxmlformats.org/drawingml/2006/main" xmlns:r="http://schemas.openxmlformats.org/officeDocument/2006/relationships" xmlns:p="http://schemas.openxmlformats.org/presentationml/2006/main">
   <p:cSld>
     <p:spTree>
@@ -6318,7 +4718,7 @@
         <p:spPr>
           <a:xfrm>
             <a:off x="1008120" y="474785"/>
-            <a:ext cx="1146468" cy="369332"/>
+            <a:ext cx="1199367" cy="369332"/>
           </a:xfrm>
           <a:prstGeom prst="rect">
             <a:avLst/>
@@ -6332,12 +4732,8 @@
           <a:lstStyle/>
           <a:p>
             <a:r>
-              <a:rPr lang="de-DE" dirty="0" err="1"/>
-              <a:t>UseCase</a:t>
-            </a:r>
-            <a:r>
               <a:rPr lang="de-DE" dirty="0"/>
-              <a:t> 1</a:t>
+              <a:t>Use Case 1</a:t>
             </a:r>
           </a:p>
         </p:txBody>
@@ -6355,7 +4751,7 @@
 </p:sld>
 </file>
 
-<file path=ppt/slides/slide5.xml><?xml version="1.0" encoding="utf-8"?>
+<file path=ppt/slides/slide3.xml><?xml version="1.0" encoding="utf-8"?>
 <p:sld xmlns:a="http://schemas.openxmlformats.org/drawingml/2006/main" xmlns:r="http://schemas.openxmlformats.org/officeDocument/2006/relationships" xmlns:p="http://schemas.openxmlformats.org/presentationml/2006/main">
   <p:cSld>
     <p:spTree>
@@ -7643,7 +6039,7 @@
         <p:spPr>
           <a:xfrm>
             <a:off x="1008120" y="474785"/>
-            <a:ext cx="1146468" cy="369332"/>
+            <a:ext cx="1199367" cy="369332"/>
           </a:xfrm>
           <a:prstGeom prst="rect">
             <a:avLst/>
@@ -7657,12 +6053,8 @@
           <a:lstStyle/>
           <a:p>
             <a:r>
-              <a:rPr lang="de-DE" dirty="0" err="1"/>
-              <a:t>UseCase</a:t>
-            </a:r>
-            <a:r>
               <a:rPr lang="de-DE" dirty="0"/>
-              <a:t> 2</a:t>
+              <a:t>Use Case 2</a:t>
             </a:r>
           </a:p>
         </p:txBody>
@@ -7671,6 +6063,2685 @@
     <p:extLst>
       <p:ext uri="{BB962C8B-B14F-4D97-AF65-F5344CB8AC3E}">
         <p14:creationId xmlns:p14="http://schemas.microsoft.com/office/powerpoint/2010/main" val="2636994427"/>
+      </p:ext>
+    </p:extLst>
+  </p:cSld>
+  <p:clrMapOvr>
+    <a:masterClrMapping/>
+  </p:clrMapOvr>
+</p:sld>
+</file>
+
+<file path=ppt/slides/slide4.xml><?xml version="1.0" encoding="utf-8"?>
+<p:sld xmlns:a="http://schemas.openxmlformats.org/drawingml/2006/main" xmlns:r="http://schemas.openxmlformats.org/officeDocument/2006/relationships" xmlns:p="http://schemas.openxmlformats.org/presentationml/2006/main">
+  <p:cSld>
+    <p:spTree>
+      <p:nvGrpSpPr>
+        <p:cNvPr id="1" name=""/>
+        <p:cNvGrpSpPr/>
+        <p:nvPr/>
+      </p:nvGrpSpPr>
+      <p:grpSpPr>
+        <a:xfrm>
+          <a:off x="0" y="0"/>
+          <a:ext cx="0" cy="0"/>
+          <a:chOff x="0" y="0"/>
+          <a:chExt cx="0" cy="0"/>
+        </a:xfrm>
+      </p:grpSpPr>
+      <p:graphicFrame>
+        <p:nvGraphicFramePr>
+          <p:cNvPr id="4" name="Table 4">
+            <a:extLst>
+              <a:ext uri="{FF2B5EF4-FFF2-40B4-BE49-F238E27FC236}">
+                <a16:creationId xmlns:a16="http://schemas.microsoft.com/office/drawing/2014/main" id="{96AC8230-5D82-4D17-9E21-9D961D1109D8}"/>
+              </a:ext>
+            </a:extLst>
+          </p:cNvPr>
+          <p:cNvGraphicFramePr/>
+          <p:nvPr>
+            <p:extLst>
+              <p:ext uri="{D42A27DB-BD31-4B8C-83A1-F6EECF244321}">
+                <p14:modId xmlns:p14="http://schemas.microsoft.com/office/powerpoint/2010/main" val="1437769615"/>
+              </p:ext>
+            </p:extLst>
+          </p:nvPr>
+        </p:nvGraphicFramePr>
+        <p:xfrm>
+          <a:off x="1008120" y="972432"/>
+          <a:ext cx="10175760" cy="5534928"/>
+        </p:xfrm>
+        <a:graphic>
+          <a:graphicData uri="http://schemas.openxmlformats.org/drawingml/2006/table">
+            <a:tbl>
+              <a:tblPr/>
+              <a:tblGrid>
+                <a:gridCol w="2922042">
+                  <a:extLst>
+                    <a:ext uri="{9D8B030D-6E8A-4147-A177-3AD203B41FA5}">
+                      <a16:colId xmlns:a16="http://schemas.microsoft.com/office/drawing/2014/main" val="20000"/>
+                    </a:ext>
+                  </a:extLst>
+                </a:gridCol>
+                <a:gridCol w="7253718">
+                  <a:extLst>
+                    <a:ext uri="{9D8B030D-6E8A-4147-A177-3AD203B41FA5}">
+                      <a16:colId xmlns:a16="http://schemas.microsoft.com/office/drawing/2014/main" val="20001"/>
+                    </a:ext>
+                  </a:extLst>
+                </a:gridCol>
+              </a:tblGrid>
+              <a:tr h="329184">
+                <a:tc>
+                  <a:txBody>
+                    <a:bodyPr/>
+                    <a:lstStyle/>
+                    <a:p>
+                      <a:pPr>
+                        <a:lnSpc>
+                          <a:spcPct val="100000"/>
+                        </a:lnSpc>
+                      </a:pPr>
+                      <a:r>
+                        <a:rPr lang="de-DE" sz="1400" b="1" strike="noStrike" spc="-1">
+                          <a:solidFill>
+                            <a:srgbClr val="000000"/>
+                          </a:solidFill>
+                          <a:latin typeface="Arial"/>
+                        </a:rPr>
+                        <a:t>Geschäftsprozess, Funktion</a:t>
+                      </a:r>
+                      <a:endParaRPr lang="de-DE" sz="1400" b="0" strike="noStrike" spc="-1">
+                        <a:latin typeface="Arial"/>
+                      </a:endParaRPr>
+                    </a:p>
+                  </a:txBody>
+                  <a:tcPr marL="52704" marR="52704" marT="54864" marB="54864">
+                    <a:lnL w="12240">
+                      <a:solidFill>
+                        <a:srgbClr val="000000"/>
+                      </a:solidFill>
+                    </a:lnL>
+                    <a:lnR w="12240">
+                      <a:solidFill>
+                        <a:srgbClr val="000000"/>
+                      </a:solidFill>
+                    </a:lnR>
+                    <a:lnT w="12240">
+                      <a:solidFill>
+                        <a:srgbClr val="000000"/>
+                      </a:solidFill>
+                    </a:lnT>
+                    <a:lnB w="12240">
+                      <a:solidFill>
+                        <a:srgbClr val="000000"/>
+                      </a:solidFill>
+                    </a:lnB>
+                    <a:noFill/>
+                  </a:tcPr>
+                </a:tc>
+                <a:tc>
+                  <a:txBody>
+                    <a:bodyPr/>
+                    <a:lstStyle/>
+                    <a:p>
+                      <a:pPr>
+                        <a:lnSpc>
+                          <a:spcPct val="100000"/>
+                        </a:lnSpc>
+                      </a:pPr>
+                      <a:r>
+                        <a:rPr lang="de-DE" sz="1400" b="0" strike="noStrike" spc="-1" dirty="0">
+                          <a:latin typeface="Arial"/>
+                        </a:rPr>
+                        <a:t>Spieler bewegen</a:t>
+                      </a:r>
+                    </a:p>
+                  </a:txBody>
+                  <a:tcPr marL="52704" marR="52704" marT="54864" marB="54864">
+                    <a:lnL w="12240">
+                      <a:solidFill>
+                        <a:srgbClr val="000000"/>
+                      </a:solidFill>
+                    </a:lnL>
+                    <a:lnR w="12240">
+                      <a:solidFill>
+                        <a:srgbClr val="000000"/>
+                      </a:solidFill>
+                    </a:lnR>
+                    <a:lnT w="12240">
+                      <a:solidFill>
+                        <a:srgbClr val="000000"/>
+                      </a:solidFill>
+                    </a:lnT>
+                    <a:lnB w="12240">
+                      <a:solidFill>
+                        <a:srgbClr val="000000"/>
+                      </a:solidFill>
+                    </a:lnB>
+                    <a:noFill/>
+                  </a:tcPr>
+                </a:tc>
+                <a:extLst>
+                  <a:ext uri="{0D108BD9-81ED-4DB2-BD59-A6C34878D82A}">
+                    <a16:rowId xmlns:a16="http://schemas.microsoft.com/office/drawing/2014/main" val="10000"/>
+                  </a:ext>
+                </a:extLst>
+              </a:tr>
+              <a:tr h="329184">
+                <a:tc>
+                  <a:txBody>
+                    <a:bodyPr/>
+                    <a:lstStyle/>
+                    <a:p>
+                      <a:pPr>
+                        <a:lnSpc>
+                          <a:spcPct val="100000"/>
+                        </a:lnSpc>
+                      </a:pPr>
+                      <a:r>
+                        <a:rPr lang="de-DE" sz="1400" b="1" strike="noStrike" spc="-1" dirty="0">
+                          <a:solidFill>
+                            <a:srgbClr val="000000"/>
+                          </a:solidFill>
+                          <a:latin typeface="Arial"/>
+                        </a:rPr>
+                        <a:t>Ziel, Ergebnisse</a:t>
+                      </a:r>
+                      <a:endParaRPr lang="de-DE" sz="1400" b="0" strike="noStrike" spc="-1" dirty="0">
+                        <a:latin typeface="Arial"/>
+                      </a:endParaRPr>
+                    </a:p>
+                  </a:txBody>
+                  <a:tcPr marL="52704" marR="52704" marT="54864" marB="54864">
+                    <a:lnL w="12240">
+                      <a:solidFill>
+                        <a:srgbClr val="000000"/>
+                      </a:solidFill>
+                    </a:lnL>
+                    <a:lnR w="12240">
+                      <a:solidFill>
+                        <a:srgbClr val="000000"/>
+                      </a:solidFill>
+                    </a:lnR>
+                    <a:lnT w="12240">
+                      <a:solidFill>
+                        <a:srgbClr val="000000"/>
+                      </a:solidFill>
+                    </a:lnT>
+                    <a:lnB w="12240">
+                      <a:solidFill>
+                        <a:srgbClr val="000000"/>
+                      </a:solidFill>
+                    </a:lnB>
+                    <a:noFill/>
+                  </a:tcPr>
+                </a:tc>
+                <a:tc>
+                  <a:txBody>
+                    <a:bodyPr/>
+                    <a:lstStyle/>
+                    <a:p>
+                      <a:pPr>
+                        <a:lnSpc>
+                          <a:spcPct val="100000"/>
+                        </a:lnSpc>
+                      </a:pPr>
+                      <a:r>
+                        <a:rPr lang="de-DE" sz="1400" b="0" strike="noStrike" spc="-1" dirty="0">
+                          <a:latin typeface="Arial"/>
+                        </a:rPr>
+                        <a:t>Spieler wird um Anzahl gewürfelter Augen bewegt</a:t>
+                      </a:r>
+                    </a:p>
+                  </a:txBody>
+                  <a:tcPr marL="52704" marR="52704" marT="54864" marB="54864">
+                    <a:lnL w="12240">
+                      <a:solidFill>
+                        <a:srgbClr val="000000"/>
+                      </a:solidFill>
+                    </a:lnL>
+                    <a:lnR w="12240">
+                      <a:solidFill>
+                        <a:srgbClr val="000000"/>
+                      </a:solidFill>
+                    </a:lnR>
+                    <a:lnT w="12240">
+                      <a:solidFill>
+                        <a:srgbClr val="000000"/>
+                      </a:solidFill>
+                    </a:lnT>
+                    <a:lnB w="12240">
+                      <a:solidFill>
+                        <a:srgbClr val="000000"/>
+                      </a:solidFill>
+                    </a:lnB>
+                    <a:noFill/>
+                  </a:tcPr>
+                </a:tc>
+                <a:extLst>
+                  <a:ext uri="{0D108BD9-81ED-4DB2-BD59-A6C34878D82A}">
+                    <a16:rowId xmlns:a16="http://schemas.microsoft.com/office/drawing/2014/main" val="10001"/>
+                  </a:ext>
+                </a:extLst>
+              </a:tr>
+              <a:tr h="548640">
+                <a:tc>
+                  <a:txBody>
+                    <a:bodyPr/>
+                    <a:lstStyle/>
+                    <a:p>
+                      <a:pPr>
+                        <a:lnSpc>
+                          <a:spcPct val="100000"/>
+                        </a:lnSpc>
+                      </a:pPr>
+                      <a:r>
+                        <a:rPr lang="de-DE" sz="1400" b="1" strike="noStrike" spc="-1" dirty="0">
+                          <a:solidFill>
+                            <a:srgbClr val="000000"/>
+                          </a:solidFill>
+                          <a:latin typeface="Arial"/>
+                        </a:rPr>
+                        <a:t>Akteure</a:t>
+                      </a:r>
+                      <a:endParaRPr lang="de-DE" sz="1400" b="0" strike="noStrike" spc="-1" dirty="0">
+                        <a:latin typeface="Arial"/>
+                      </a:endParaRPr>
+                    </a:p>
+                  </a:txBody>
+                  <a:tcPr marL="52704" marR="52704" marT="54864" marB="54864">
+                    <a:lnL w="12240">
+                      <a:solidFill>
+                        <a:srgbClr val="000000"/>
+                      </a:solidFill>
+                    </a:lnL>
+                    <a:lnR w="12240">
+                      <a:solidFill>
+                        <a:srgbClr val="000000"/>
+                      </a:solidFill>
+                    </a:lnR>
+                    <a:lnT w="12240">
+                      <a:solidFill>
+                        <a:srgbClr val="000000"/>
+                      </a:solidFill>
+                    </a:lnT>
+                    <a:lnB w="12240">
+                      <a:solidFill>
+                        <a:srgbClr val="000000"/>
+                      </a:solidFill>
+                    </a:lnB>
+                    <a:noFill/>
+                  </a:tcPr>
+                </a:tc>
+                <a:tc>
+                  <a:txBody>
+                    <a:bodyPr/>
+                    <a:lstStyle/>
+                    <a:p>
+                      <a:pPr>
+                        <a:lnSpc>
+                          <a:spcPct val="100000"/>
+                        </a:lnSpc>
+                      </a:pPr>
+                      <a:r>
+                        <a:rPr lang="de-DE" sz="1400" b="0" strike="noStrike" spc="-1" dirty="0">
+                          <a:latin typeface="Arial"/>
+                        </a:rPr>
+                        <a:t>1 Spieler</a:t>
+                      </a:r>
+                    </a:p>
+                  </a:txBody>
+                  <a:tcPr marL="52704" marR="52704" marT="54864" marB="54864">
+                    <a:lnL w="12240">
+                      <a:solidFill>
+                        <a:srgbClr val="000000"/>
+                      </a:solidFill>
+                    </a:lnL>
+                    <a:lnR w="12240">
+                      <a:solidFill>
+                        <a:srgbClr val="000000"/>
+                      </a:solidFill>
+                    </a:lnR>
+                    <a:lnT w="12240">
+                      <a:solidFill>
+                        <a:srgbClr val="000000"/>
+                      </a:solidFill>
+                    </a:lnT>
+                    <a:lnB w="12240">
+                      <a:solidFill>
+                        <a:srgbClr val="000000"/>
+                      </a:solidFill>
+                    </a:lnB>
+                    <a:noFill/>
+                  </a:tcPr>
+                </a:tc>
+                <a:extLst>
+                  <a:ext uri="{0D108BD9-81ED-4DB2-BD59-A6C34878D82A}">
+                    <a16:rowId xmlns:a16="http://schemas.microsoft.com/office/drawing/2014/main" val="10002"/>
+                  </a:ext>
+                </a:extLst>
+              </a:tr>
+              <a:tr h="329184">
+                <a:tc>
+                  <a:txBody>
+                    <a:bodyPr/>
+                    <a:lstStyle/>
+                    <a:p>
+                      <a:pPr>
+                        <a:lnSpc>
+                          <a:spcPct val="100000"/>
+                        </a:lnSpc>
+                      </a:pPr>
+                      <a:r>
+                        <a:rPr lang="de-DE" sz="1400" b="1" strike="noStrike" spc="-1" dirty="0">
+                          <a:solidFill>
+                            <a:srgbClr val="000000"/>
+                          </a:solidFill>
+                          <a:latin typeface="Arial"/>
+                        </a:rPr>
+                        <a:t>Vorbedingungen</a:t>
+                      </a:r>
+                      <a:endParaRPr lang="de-DE" sz="1400" b="0" strike="noStrike" spc="-1" dirty="0">
+                        <a:latin typeface="Arial"/>
+                      </a:endParaRPr>
+                    </a:p>
+                  </a:txBody>
+                  <a:tcPr marL="52704" marR="52704" marT="54864" marB="54864">
+                    <a:lnL w="12240">
+                      <a:solidFill>
+                        <a:srgbClr val="000000"/>
+                      </a:solidFill>
+                    </a:lnL>
+                    <a:lnR w="12240">
+                      <a:solidFill>
+                        <a:srgbClr val="000000"/>
+                      </a:solidFill>
+                    </a:lnR>
+                    <a:lnT w="12240">
+                      <a:solidFill>
+                        <a:srgbClr val="000000"/>
+                      </a:solidFill>
+                    </a:lnT>
+                    <a:lnB w="12240">
+                      <a:solidFill>
+                        <a:srgbClr val="000000"/>
+                      </a:solidFill>
+                    </a:lnB>
+                    <a:noFill/>
+                  </a:tcPr>
+                </a:tc>
+                <a:tc>
+                  <a:txBody>
+                    <a:bodyPr/>
+                    <a:lstStyle/>
+                    <a:p>
+                      <a:pPr>
+                        <a:lnSpc>
+                          <a:spcPct val="100000"/>
+                        </a:lnSpc>
+                      </a:pPr>
+                      <a:r>
+                        <a:rPr lang="de-DE" sz="1400" b="0" strike="noStrike" spc="-1" dirty="0">
+                          <a:latin typeface="Arial"/>
+                        </a:rPr>
+                        <a:t>Spieler ist an der Reihe</a:t>
+                      </a:r>
+                    </a:p>
+                  </a:txBody>
+                  <a:tcPr marL="52704" marR="52704" marT="54864" marB="54864">
+                    <a:lnL w="12240">
+                      <a:solidFill>
+                        <a:srgbClr val="000000"/>
+                      </a:solidFill>
+                    </a:lnL>
+                    <a:lnR w="12240">
+                      <a:solidFill>
+                        <a:srgbClr val="000000"/>
+                      </a:solidFill>
+                    </a:lnR>
+                    <a:lnT w="12240">
+                      <a:solidFill>
+                        <a:srgbClr val="000000"/>
+                      </a:solidFill>
+                    </a:lnT>
+                    <a:lnB w="12240">
+                      <a:solidFill>
+                        <a:srgbClr val="000000"/>
+                      </a:solidFill>
+                    </a:lnB>
+                    <a:noFill/>
+                  </a:tcPr>
+                </a:tc>
+                <a:extLst>
+                  <a:ext uri="{0D108BD9-81ED-4DB2-BD59-A6C34878D82A}">
+                    <a16:rowId xmlns:a16="http://schemas.microsoft.com/office/drawing/2014/main" val="10003"/>
+                  </a:ext>
+                </a:extLst>
+              </a:tr>
+              <a:tr h="329184">
+                <a:tc>
+                  <a:txBody>
+                    <a:bodyPr/>
+                    <a:lstStyle/>
+                    <a:p>
+                      <a:pPr>
+                        <a:lnSpc>
+                          <a:spcPct val="100000"/>
+                        </a:lnSpc>
+                      </a:pPr>
+                      <a:r>
+                        <a:rPr lang="de-DE" sz="1400" b="1" strike="noStrike" spc="-1" dirty="0">
+                          <a:solidFill>
+                            <a:srgbClr val="000000"/>
+                          </a:solidFill>
+                          <a:latin typeface="Arial"/>
+                        </a:rPr>
+                        <a:t>Auslösendes Ereignis</a:t>
+                      </a:r>
+                      <a:endParaRPr lang="de-DE" sz="1400" b="0" strike="noStrike" spc="-1" dirty="0">
+                        <a:latin typeface="Arial"/>
+                      </a:endParaRPr>
+                    </a:p>
+                  </a:txBody>
+                  <a:tcPr marL="52704" marR="52704" marT="54864" marB="54864">
+                    <a:lnL w="12240">
+                      <a:solidFill>
+                        <a:srgbClr val="000000"/>
+                      </a:solidFill>
+                    </a:lnL>
+                    <a:lnR w="12240">
+                      <a:solidFill>
+                        <a:srgbClr val="000000"/>
+                      </a:solidFill>
+                    </a:lnR>
+                    <a:lnT w="12240">
+                      <a:solidFill>
+                        <a:srgbClr val="000000"/>
+                      </a:solidFill>
+                    </a:lnT>
+                    <a:lnB w="12240">
+                      <a:solidFill>
+                        <a:srgbClr val="000000"/>
+                      </a:solidFill>
+                    </a:lnB>
+                    <a:noFill/>
+                  </a:tcPr>
+                </a:tc>
+                <a:tc>
+                  <a:txBody>
+                    <a:bodyPr/>
+                    <a:lstStyle/>
+                    <a:p>
+                      <a:pPr marL="0" marR="0" lvl="0" indent="0" algn="l" defTabSz="914400" rtl="0" eaLnBrk="1" fontAlgn="auto" latinLnBrk="0" hangingPunct="1">
+                        <a:lnSpc>
+                          <a:spcPct val="100000"/>
+                        </a:lnSpc>
+                        <a:spcBef>
+                          <a:spcPts val="0"/>
+                        </a:spcBef>
+                        <a:spcAft>
+                          <a:spcPts val="0"/>
+                        </a:spcAft>
+                        <a:buClrTx/>
+                        <a:buSzTx/>
+                        <a:buFontTx/>
+                        <a:buNone/>
+                        <a:tabLst/>
+                        <a:defRPr/>
+                      </a:pPr>
+                      <a:r>
+                        <a:rPr lang="de-DE" sz="1400" b="0" strike="noStrike" spc="-1" dirty="0">
+                          <a:latin typeface="Arial"/>
+                        </a:rPr>
+                        <a:t>Spieler hat gewürfelt</a:t>
+                      </a:r>
+                    </a:p>
+                  </a:txBody>
+                  <a:tcPr marL="52704" marR="52704" marT="54864" marB="54864">
+                    <a:lnL w="12240">
+                      <a:solidFill>
+                        <a:srgbClr val="000000"/>
+                      </a:solidFill>
+                    </a:lnL>
+                    <a:lnR w="12240">
+                      <a:solidFill>
+                        <a:srgbClr val="000000"/>
+                      </a:solidFill>
+                    </a:lnR>
+                    <a:lnT w="12240">
+                      <a:solidFill>
+                        <a:srgbClr val="000000"/>
+                      </a:solidFill>
+                    </a:lnT>
+                    <a:lnB w="12240">
+                      <a:solidFill>
+                        <a:srgbClr val="000000"/>
+                      </a:solidFill>
+                    </a:lnB>
+                    <a:noFill/>
+                  </a:tcPr>
+                </a:tc>
+                <a:extLst>
+                  <a:ext uri="{0D108BD9-81ED-4DB2-BD59-A6C34878D82A}">
+                    <a16:rowId xmlns:a16="http://schemas.microsoft.com/office/drawing/2014/main" val="10004"/>
+                  </a:ext>
+                </a:extLst>
+              </a:tr>
+              <a:tr h="548640">
+                <a:tc>
+                  <a:txBody>
+                    <a:bodyPr/>
+                    <a:lstStyle/>
+                    <a:p>
+                      <a:pPr>
+                        <a:lnSpc>
+                          <a:spcPct val="100000"/>
+                        </a:lnSpc>
+                      </a:pPr>
+                      <a:r>
+                        <a:rPr lang="de-DE" sz="1400" b="1" strike="noStrike" spc="-1" dirty="0">
+                          <a:solidFill>
+                            <a:srgbClr val="000000"/>
+                          </a:solidFill>
+                          <a:latin typeface="Arial"/>
+                        </a:rPr>
+                        <a:t>Nachbedingung bei Erfolg</a:t>
+                      </a:r>
+                      <a:endParaRPr lang="de-DE" sz="1400" b="0" strike="noStrike" spc="-1" dirty="0">
+                        <a:latin typeface="Arial"/>
+                      </a:endParaRPr>
+                    </a:p>
+                  </a:txBody>
+                  <a:tcPr marL="52704" marR="52704" marT="54864" marB="54864">
+                    <a:lnL w="12240">
+                      <a:solidFill>
+                        <a:srgbClr val="000000"/>
+                      </a:solidFill>
+                    </a:lnL>
+                    <a:lnR w="12240">
+                      <a:solidFill>
+                        <a:srgbClr val="000000"/>
+                      </a:solidFill>
+                    </a:lnR>
+                    <a:lnT w="12240">
+                      <a:solidFill>
+                        <a:srgbClr val="000000"/>
+                      </a:solidFill>
+                    </a:lnT>
+                    <a:lnB w="12240">
+                      <a:solidFill>
+                        <a:srgbClr val="000000"/>
+                      </a:solidFill>
+                    </a:lnB>
+                    <a:noFill/>
+                  </a:tcPr>
+                </a:tc>
+                <a:tc>
+                  <a:txBody>
+                    <a:bodyPr/>
+                    <a:lstStyle/>
+                    <a:p>
+                      <a:pPr>
+                        <a:lnSpc>
+                          <a:spcPct val="100000"/>
+                        </a:lnSpc>
+                      </a:pPr>
+                      <a:r>
+                        <a:rPr lang="de-DE" sz="1400" b="0" strike="noStrike" spc="-1" dirty="0">
+                          <a:latin typeface="Arial"/>
+                        </a:rPr>
+                        <a:t>Nächster Spieler ist an der Reihe</a:t>
+                      </a:r>
+                    </a:p>
+                  </a:txBody>
+                  <a:tcPr marL="52704" marR="52704" marT="54864" marB="54864">
+                    <a:lnL w="12240">
+                      <a:solidFill>
+                        <a:srgbClr val="000000"/>
+                      </a:solidFill>
+                    </a:lnL>
+                    <a:lnR w="12240">
+                      <a:solidFill>
+                        <a:srgbClr val="000000"/>
+                      </a:solidFill>
+                    </a:lnR>
+                    <a:lnT w="12240">
+                      <a:solidFill>
+                        <a:srgbClr val="000000"/>
+                      </a:solidFill>
+                    </a:lnT>
+                    <a:lnB w="12240">
+                      <a:solidFill>
+                        <a:srgbClr val="000000"/>
+                      </a:solidFill>
+                    </a:lnB>
+                    <a:noFill/>
+                  </a:tcPr>
+                </a:tc>
+                <a:extLst>
+                  <a:ext uri="{0D108BD9-81ED-4DB2-BD59-A6C34878D82A}">
+                    <a16:rowId xmlns:a16="http://schemas.microsoft.com/office/drawing/2014/main" val="10005"/>
+                  </a:ext>
+                </a:extLst>
+              </a:tr>
+              <a:tr h="329184">
+                <a:tc>
+                  <a:txBody>
+                    <a:bodyPr/>
+                    <a:lstStyle/>
+                    <a:p>
+                      <a:pPr>
+                        <a:lnSpc>
+                          <a:spcPct val="100000"/>
+                        </a:lnSpc>
+                      </a:pPr>
+                      <a:r>
+                        <a:rPr lang="de-DE" sz="1400" b="1" strike="noStrike" spc="-1" dirty="0">
+                          <a:solidFill>
+                            <a:srgbClr val="000000"/>
+                          </a:solidFill>
+                          <a:latin typeface="Arial"/>
+                        </a:rPr>
+                        <a:t>Nachbedingung bei Fehlschlag</a:t>
+                      </a:r>
+                      <a:endParaRPr lang="de-DE" sz="1400" b="0" strike="noStrike" spc="-1" dirty="0">
+                        <a:latin typeface="Arial"/>
+                      </a:endParaRPr>
+                    </a:p>
+                  </a:txBody>
+                  <a:tcPr marL="52704" marR="52704" marT="54864" marB="54864">
+                    <a:lnL w="12240">
+                      <a:solidFill>
+                        <a:srgbClr val="000000"/>
+                      </a:solidFill>
+                    </a:lnL>
+                    <a:lnR w="12240">
+                      <a:solidFill>
+                        <a:srgbClr val="000000"/>
+                      </a:solidFill>
+                    </a:lnR>
+                    <a:lnT w="12240">
+                      <a:solidFill>
+                        <a:srgbClr val="000000"/>
+                      </a:solidFill>
+                    </a:lnT>
+                    <a:lnB w="12240">
+                      <a:solidFill>
+                        <a:srgbClr val="000000"/>
+                      </a:solidFill>
+                    </a:lnB>
+                    <a:noFill/>
+                  </a:tcPr>
+                </a:tc>
+                <a:tc>
+                  <a:txBody>
+                    <a:bodyPr/>
+                    <a:lstStyle/>
+                    <a:p>
+                      <a:pPr>
+                        <a:lnSpc>
+                          <a:spcPct val="100000"/>
+                        </a:lnSpc>
+                      </a:pPr>
+                      <a:r>
+                        <a:rPr lang="de-DE" sz="1400" b="0" strike="noStrike" spc="-1" dirty="0">
+                          <a:latin typeface="Arial"/>
+                        </a:rPr>
+                        <a:t>Spieler ist noch an der Reihe</a:t>
+                      </a:r>
+                    </a:p>
+                  </a:txBody>
+                  <a:tcPr marL="52704" marR="52704" marT="54864" marB="54864">
+                    <a:lnL w="12240">
+                      <a:solidFill>
+                        <a:srgbClr val="000000"/>
+                      </a:solidFill>
+                    </a:lnL>
+                    <a:lnR w="12240">
+                      <a:solidFill>
+                        <a:srgbClr val="000000"/>
+                      </a:solidFill>
+                    </a:lnR>
+                    <a:lnT w="12240">
+                      <a:solidFill>
+                        <a:srgbClr val="000000"/>
+                      </a:solidFill>
+                    </a:lnT>
+                    <a:lnB w="12240">
+                      <a:solidFill>
+                        <a:srgbClr val="000000"/>
+                      </a:solidFill>
+                    </a:lnB>
+                    <a:noFill/>
+                  </a:tcPr>
+                </a:tc>
+                <a:extLst>
+                  <a:ext uri="{0D108BD9-81ED-4DB2-BD59-A6C34878D82A}">
+                    <a16:rowId xmlns:a16="http://schemas.microsoft.com/office/drawing/2014/main" val="10006"/>
+                  </a:ext>
+                </a:extLst>
+              </a:tr>
+              <a:tr h="329184">
+                <a:tc>
+                  <a:txBody>
+                    <a:bodyPr/>
+                    <a:lstStyle/>
+                    <a:p>
+                      <a:pPr>
+                        <a:lnSpc>
+                          <a:spcPct val="100000"/>
+                        </a:lnSpc>
+                      </a:pPr>
+                      <a:r>
+                        <a:rPr lang="de-DE" sz="1400" b="1" strike="noStrike" spc="-1" dirty="0">
+                          <a:solidFill>
+                            <a:srgbClr val="000000"/>
+                          </a:solidFill>
+                          <a:latin typeface="Arial"/>
+                        </a:rPr>
+                        <a:t>Eingehende Daten</a:t>
+                      </a:r>
+                      <a:endParaRPr lang="de-DE" sz="1400" b="0" strike="noStrike" spc="-1" dirty="0">
+                        <a:latin typeface="Arial"/>
+                      </a:endParaRPr>
+                    </a:p>
+                  </a:txBody>
+                  <a:tcPr marL="52704" marR="52704" marT="54864" marB="54864">
+                    <a:lnL w="12240">
+                      <a:solidFill>
+                        <a:srgbClr val="000000"/>
+                      </a:solidFill>
+                    </a:lnL>
+                    <a:lnR w="12240">
+                      <a:solidFill>
+                        <a:srgbClr val="000000"/>
+                      </a:solidFill>
+                    </a:lnR>
+                    <a:lnT w="12240">
+                      <a:solidFill>
+                        <a:srgbClr val="000000"/>
+                      </a:solidFill>
+                    </a:lnT>
+                    <a:lnB w="12240">
+                      <a:solidFill>
+                        <a:srgbClr val="000000"/>
+                      </a:solidFill>
+                    </a:lnB>
+                    <a:noFill/>
+                  </a:tcPr>
+                </a:tc>
+                <a:tc>
+                  <a:txBody>
+                    <a:bodyPr/>
+                    <a:lstStyle/>
+                    <a:p>
+                      <a:pPr>
+                        <a:lnSpc>
+                          <a:spcPct val="100000"/>
+                        </a:lnSpc>
+                      </a:pPr>
+                      <a:r>
+                        <a:rPr lang="de-DE" sz="1400" b="0" strike="noStrike" spc="-1" dirty="0">
+                          <a:latin typeface="Arial"/>
+                        </a:rPr>
+                        <a:t>Übermittelte Summe Augenzahl, Positionen der Spielfiguren vor Zug</a:t>
+                      </a:r>
+                    </a:p>
+                  </a:txBody>
+                  <a:tcPr marL="52704" marR="52704" marT="54864" marB="54864">
+                    <a:lnL w="12240">
+                      <a:solidFill>
+                        <a:srgbClr val="000000"/>
+                      </a:solidFill>
+                    </a:lnL>
+                    <a:lnR w="12240">
+                      <a:solidFill>
+                        <a:srgbClr val="000000"/>
+                      </a:solidFill>
+                    </a:lnR>
+                    <a:lnT w="12240">
+                      <a:solidFill>
+                        <a:srgbClr val="000000"/>
+                      </a:solidFill>
+                    </a:lnT>
+                    <a:lnB w="12240">
+                      <a:solidFill>
+                        <a:srgbClr val="000000"/>
+                      </a:solidFill>
+                    </a:lnB>
+                    <a:noFill/>
+                  </a:tcPr>
+                </a:tc>
+                <a:extLst>
+                  <a:ext uri="{0D108BD9-81ED-4DB2-BD59-A6C34878D82A}">
+                    <a16:rowId xmlns:a16="http://schemas.microsoft.com/office/drawing/2014/main" val="10007"/>
+                  </a:ext>
+                </a:extLst>
+              </a:tr>
+              <a:tr h="548640">
+                <a:tc>
+                  <a:txBody>
+                    <a:bodyPr/>
+                    <a:lstStyle/>
+                    <a:p>
+                      <a:pPr>
+                        <a:lnSpc>
+                          <a:spcPct val="100000"/>
+                        </a:lnSpc>
+                      </a:pPr>
+                      <a:r>
+                        <a:rPr lang="de-DE" sz="1400" b="1" strike="noStrike" spc="-1" dirty="0">
+                          <a:solidFill>
+                            <a:srgbClr val="000000"/>
+                          </a:solidFill>
+                          <a:latin typeface="Arial"/>
+                        </a:rPr>
+                        <a:t>Ausgehende Daten</a:t>
+                      </a:r>
+                      <a:endParaRPr lang="de-DE" sz="1400" b="0" strike="noStrike" spc="-1" dirty="0">
+                        <a:latin typeface="Arial"/>
+                      </a:endParaRPr>
+                    </a:p>
+                  </a:txBody>
+                  <a:tcPr marL="52704" marR="52704" marT="54864" marB="54864">
+                    <a:lnL w="12240">
+                      <a:solidFill>
+                        <a:srgbClr val="000000"/>
+                      </a:solidFill>
+                    </a:lnL>
+                    <a:lnR w="12240">
+                      <a:solidFill>
+                        <a:srgbClr val="000000"/>
+                      </a:solidFill>
+                    </a:lnR>
+                    <a:lnT w="12240">
+                      <a:solidFill>
+                        <a:srgbClr val="000000"/>
+                      </a:solidFill>
+                    </a:lnT>
+                    <a:lnB w="12240">
+                      <a:solidFill>
+                        <a:srgbClr val="000000"/>
+                      </a:solidFill>
+                    </a:lnB>
+                    <a:noFill/>
+                  </a:tcPr>
+                </a:tc>
+                <a:tc>
+                  <a:txBody>
+                    <a:bodyPr/>
+                    <a:lstStyle/>
+                    <a:p>
+                      <a:pPr>
+                        <a:lnSpc>
+                          <a:spcPct val="100000"/>
+                        </a:lnSpc>
+                      </a:pPr>
+                      <a:r>
+                        <a:rPr lang="de-DE" sz="1400" b="0" strike="noStrike" spc="-1" dirty="0">
+                          <a:latin typeface="Arial"/>
+                        </a:rPr>
+                        <a:t>Positionen der Spielfigur nach Zug</a:t>
+                      </a:r>
+                    </a:p>
+                  </a:txBody>
+                  <a:tcPr marL="52704" marR="52704" marT="54864" marB="54864">
+                    <a:lnL w="12240">
+                      <a:solidFill>
+                        <a:srgbClr val="000000"/>
+                      </a:solidFill>
+                    </a:lnL>
+                    <a:lnR w="12240">
+                      <a:solidFill>
+                        <a:srgbClr val="000000"/>
+                      </a:solidFill>
+                    </a:lnR>
+                    <a:lnT w="12240">
+                      <a:solidFill>
+                        <a:srgbClr val="000000"/>
+                      </a:solidFill>
+                    </a:lnT>
+                    <a:lnB w="12240">
+                      <a:solidFill>
+                        <a:srgbClr val="000000"/>
+                      </a:solidFill>
+                    </a:lnB>
+                    <a:noFill/>
+                  </a:tcPr>
+                </a:tc>
+                <a:extLst>
+                  <a:ext uri="{0D108BD9-81ED-4DB2-BD59-A6C34878D82A}">
+                    <a16:rowId xmlns:a16="http://schemas.microsoft.com/office/drawing/2014/main" val="10008"/>
+                  </a:ext>
+                </a:extLst>
+              </a:tr>
+              <a:tr h="548640">
+                <a:tc>
+                  <a:txBody>
+                    <a:bodyPr/>
+                    <a:lstStyle/>
+                    <a:p>
+                      <a:pPr>
+                        <a:lnSpc>
+                          <a:spcPct val="100000"/>
+                        </a:lnSpc>
+                      </a:pPr>
+                      <a:r>
+                        <a:rPr lang="de-DE" sz="1400" b="1" strike="noStrike" spc="-1" dirty="0">
+                          <a:solidFill>
+                            <a:srgbClr val="000000"/>
+                          </a:solidFill>
+                          <a:latin typeface="Arial"/>
+                        </a:rPr>
+                        <a:t>Ablauf</a:t>
+                      </a:r>
+                      <a:endParaRPr lang="de-DE" sz="1400" b="0" strike="noStrike" spc="-1" dirty="0">
+                        <a:latin typeface="Arial"/>
+                      </a:endParaRPr>
+                    </a:p>
+                  </a:txBody>
+                  <a:tcPr marL="52704" marR="52704" marT="54864" marB="54864">
+                    <a:lnL w="12240">
+                      <a:solidFill>
+                        <a:srgbClr val="000000"/>
+                      </a:solidFill>
+                    </a:lnL>
+                    <a:lnR w="12240">
+                      <a:solidFill>
+                        <a:srgbClr val="000000"/>
+                      </a:solidFill>
+                    </a:lnR>
+                    <a:lnT w="12240">
+                      <a:solidFill>
+                        <a:srgbClr val="000000"/>
+                      </a:solidFill>
+                    </a:lnT>
+                    <a:lnB w="12240">
+                      <a:solidFill>
+                        <a:srgbClr val="000000"/>
+                      </a:solidFill>
+                    </a:lnB>
+                    <a:noFill/>
+                  </a:tcPr>
+                </a:tc>
+                <a:tc>
+                  <a:txBody>
+                    <a:bodyPr/>
+                    <a:lstStyle/>
+                    <a:p>
+                      <a:pPr marL="342900" indent="-342900">
+                        <a:lnSpc>
+                          <a:spcPct val="100000"/>
+                        </a:lnSpc>
+                        <a:buAutoNum type="arabicPeriod"/>
+                      </a:pPr>
+                      <a:r>
+                        <a:rPr lang="de-DE" sz="1400" b="0" strike="noStrike" spc="-1" dirty="0">
+                          <a:latin typeface="Arial"/>
+                        </a:rPr>
+                        <a:t>Überprüfung, ob ein Zug vorgenommen werden darf (steht min. 1 Spielfigur im Feld oder wurde mind. 6 gewürfelt?)</a:t>
+                      </a:r>
+                    </a:p>
+                    <a:p>
+                      <a:pPr marL="342900" indent="-342900">
+                        <a:lnSpc>
+                          <a:spcPct val="100000"/>
+                        </a:lnSpc>
+                        <a:buAutoNum type="arabicPeriod"/>
+                      </a:pPr>
+                      <a:r>
+                        <a:rPr lang="de-DE" sz="1400" b="0" strike="noStrike" spc="-1" dirty="0">
+                          <a:latin typeface="Arial"/>
+                        </a:rPr>
+                        <a:t>Nutzer wählt Figur aus, die bewegt werden soll</a:t>
+                      </a:r>
+                    </a:p>
+                    <a:p>
+                      <a:pPr marL="342900" indent="-342900">
+                        <a:lnSpc>
+                          <a:spcPct val="100000"/>
+                        </a:lnSpc>
+                        <a:buAutoNum type="arabicPeriod"/>
+                      </a:pPr>
+                      <a:r>
+                        <a:rPr lang="de-DE" sz="1400" b="0" strike="noStrike" spc="-1" dirty="0">
+                          <a:latin typeface="Arial"/>
+                        </a:rPr>
+                        <a:t>Bewegen der </a:t>
+                      </a:r>
+                      <a:r>
+                        <a:rPr lang="de-DE" sz="1400" b="0" strike="noStrike" spc="-1" dirty="0" err="1">
+                          <a:latin typeface="Arial"/>
+                        </a:rPr>
+                        <a:t>Figurposition</a:t>
+                      </a:r>
+                      <a:r>
+                        <a:rPr lang="de-DE" sz="1400" b="0" strike="noStrike" spc="-1" dirty="0">
+                          <a:latin typeface="Arial"/>
+                        </a:rPr>
+                        <a:t> um Summe Augenzahl im Uhrzeigersinn</a:t>
+                      </a:r>
+                    </a:p>
+                  </a:txBody>
+                  <a:tcPr marL="52704" marR="52704" marT="54864" marB="54864">
+                    <a:lnL w="12240">
+                      <a:solidFill>
+                        <a:srgbClr val="000000"/>
+                      </a:solidFill>
+                    </a:lnL>
+                    <a:lnR w="12240">
+                      <a:solidFill>
+                        <a:srgbClr val="000000"/>
+                      </a:solidFill>
+                    </a:lnR>
+                    <a:lnT w="12240">
+                      <a:solidFill>
+                        <a:srgbClr val="000000"/>
+                      </a:solidFill>
+                    </a:lnT>
+                    <a:lnB w="12240">
+                      <a:solidFill>
+                        <a:srgbClr val="000000"/>
+                      </a:solidFill>
+                    </a:lnB>
+                    <a:noFill/>
+                  </a:tcPr>
+                </a:tc>
+                <a:extLst>
+                  <a:ext uri="{0D108BD9-81ED-4DB2-BD59-A6C34878D82A}">
+                    <a16:rowId xmlns:a16="http://schemas.microsoft.com/office/drawing/2014/main" val="10009"/>
+                  </a:ext>
+                </a:extLst>
+              </a:tr>
+              <a:tr h="329184">
+                <a:tc>
+                  <a:txBody>
+                    <a:bodyPr/>
+                    <a:lstStyle/>
+                    <a:p>
+                      <a:pPr>
+                        <a:lnSpc>
+                          <a:spcPct val="100000"/>
+                        </a:lnSpc>
+                      </a:pPr>
+                      <a:r>
+                        <a:rPr lang="de-DE" sz="1400" b="1" strike="noStrike" spc="-1" dirty="0">
+                          <a:solidFill>
+                            <a:srgbClr val="000000"/>
+                          </a:solidFill>
+                          <a:latin typeface="Arial"/>
+                        </a:rPr>
+                        <a:t>Erweiterungen</a:t>
+                      </a:r>
+                      <a:endParaRPr lang="de-DE" sz="1400" b="0" strike="noStrike" spc="-1" dirty="0">
+                        <a:latin typeface="Arial"/>
+                      </a:endParaRPr>
+                    </a:p>
+                  </a:txBody>
+                  <a:tcPr marL="52704" marR="52704" marT="54864" marB="54864">
+                    <a:lnL w="12240">
+                      <a:solidFill>
+                        <a:srgbClr val="000000"/>
+                      </a:solidFill>
+                    </a:lnL>
+                    <a:lnR w="12240">
+                      <a:solidFill>
+                        <a:srgbClr val="000000"/>
+                      </a:solidFill>
+                    </a:lnR>
+                    <a:lnT w="12240">
+                      <a:solidFill>
+                        <a:srgbClr val="000000"/>
+                      </a:solidFill>
+                    </a:lnT>
+                    <a:lnB w="12240">
+                      <a:solidFill>
+                        <a:srgbClr val="000000"/>
+                      </a:solidFill>
+                    </a:lnB>
+                    <a:noFill/>
+                  </a:tcPr>
+                </a:tc>
+                <a:tc>
+                  <a:txBody>
+                    <a:bodyPr/>
+                    <a:lstStyle/>
+                    <a:p>
+                      <a:pPr>
+                        <a:lnSpc>
+                          <a:spcPct val="100000"/>
+                        </a:lnSpc>
+                      </a:pPr>
+                      <a:r>
+                        <a:rPr lang="de-DE" sz="1400" b="0" strike="noStrike" spc="-1" dirty="0">
+                          <a:latin typeface="Arial"/>
+                        </a:rPr>
+                        <a:t>3a. Es wird ein anderer Spieler gekickt: Aufruf Use Case „Spielfigur kicken“</a:t>
+                      </a:r>
+                    </a:p>
+                    <a:p>
+                      <a:pPr>
+                        <a:lnSpc>
+                          <a:spcPct val="100000"/>
+                        </a:lnSpc>
+                      </a:pPr>
+                      <a:r>
+                        <a:rPr lang="de-DE" sz="1400" b="0" strike="noStrike" spc="-1" dirty="0">
+                          <a:latin typeface="Arial"/>
+                        </a:rPr>
+                        <a:t>3b. Figur wird im Ziel hinterlassen: Aufruf Use Case „Spielende feststellen“</a:t>
+                      </a:r>
+                    </a:p>
+                  </a:txBody>
+                  <a:tcPr marL="52704" marR="52704" marT="54864" marB="54864">
+                    <a:lnL w="12240">
+                      <a:solidFill>
+                        <a:srgbClr val="000000"/>
+                      </a:solidFill>
+                    </a:lnL>
+                    <a:lnR w="12240">
+                      <a:solidFill>
+                        <a:srgbClr val="000000"/>
+                      </a:solidFill>
+                    </a:lnR>
+                    <a:lnT w="12240">
+                      <a:solidFill>
+                        <a:srgbClr val="000000"/>
+                      </a:solidFill>
+                    </a:lnT>
+                    <a:lnB w="12240">
+                      <a:solidFill>
+                        <a:srgbClr val="000000"/>
+                      </a:solidFill>
+                    </a:lnB>
+                    <a:noFill/>
+                  </a:tcPr>
+                </a:tc>
+                <a:extLst>
+                  <a:ext uri="{0D108BD9-81ED-4DB2-BD59-A6C34878D82A}">
+                    <a16:rowId xmlns:a16="http://schemas.microsoft.com/office/drawing/2014/main" val="10010"/>
+                  </a:ext>
+                </a:extLst>
+              </a:tr>
+              <a:tr h="414288">
+                <a:tc>
+                  <a:txBody>
+                    <a:bodyPr/>
+                    <a:lstStyle/>
+                    <a:p>
+                      <a:pPr>
+                        <a:lnSpc>
+                          <a:spcPct val="100000"/>
+                        </a:lnSpc>
+                      </a:pPr>
+                      <a:r>
+                        <a:rPr lang="de-DE" sz="1400" b="1" strike="noStrike" spc="-1" dirty="0">
+                          <a:solidFill>
+                            <a:srgbClr val="000000"/>
+                          </a:solidFill>
+                          <a:latin typeface="Arial"/>
+                        </a:rPr>
+                        <a:t>Alternativen</a:t>
+                      </a:r>
+                      <a:endParaRPr lang="de-DE" sz="1400" b="0" strike="noStrike" spc="-1" dirty="0">
+                        <a:latin typeface="Arial"/>
+                      </a:endParaRPr>
+                    </a:p>
+                  </a:txBody>
+                  <a:tcPr marL="52704" marR="52704" marT="54864" marB="54864">
+                    <a:lnL w="12240">
+                      <a:solidFill>
+                        <a:srgbClr val="000000"/>
+                      </a:solidFill>
+                    </a:lnL>
+                    <a:lnR w="12240">
+                      <a:solidFill>
+                        <a:srgbClr val="000000"/>
+                      </a:solidFill>
+                    </a:lnR>
+                    <a:lnT w="12240">
+                      <a:solidFill>
+                        <a:srgbClr val="000000"/>
+                      </a:solidFill>
+                    </a:lnT>
+                    <a:lnB w="12240">
+                      <a:solidFill>
+                        <a:srgbClr val="000000"/>
+                      </a:solidFill>
+                    </a:lnB>
+                    <a:noFill/>
+                  </a:tcPr>
+                </a:tc>
+                <a:tc>
+                  <a:txBody>
+                    <a:bodyPr/>
+                    <a:lstStyle/>
+                    <a:p>
+                      <a:pPr>
+                        <a:lnSpc>
+                          <a:spcPct val="100000"/>
+                        </a:lnSpc>
+                      </a:pPr>
+                      <a:r>
+                        <a:rPr lang="de-DE" sz="1400" b="0" strike="noStrike" spc="-1" dirty="0">
+                          <a:latin typeface="Arial"/>
+                        </a:rPr>
+                        <a:t>1a. Es darf kein Zug vorgenommen werden - Nächster Spieler ist an der Reihe.</a:t>
+                      </a:r>
+                    </a:p>
+                  </a:txBody>
+                  <a:tcPr marL="52704" marR="52704" marT="54864" marB="54864">
+                    <a:lnL w="12240">
+                      <a:solidFill>
+                        <a:srgbClr val="000000"/>
+                      </a:solidFill>
+                    </a:lnL>
+                    <a:lnR w="12240">
+                      <a:solidFill>
+                        <a:srgbClr val="000000"/>
+                      </a:solidFill>
+                    </a:lnR>
+                    <a:lnT w="12240">
+                      <a:solidFill>
+                        <a:srgbClr val="000000"/>
+                      </a:solidFill>
+                    </a:lnT>
+                    <a:lnB w="12240">
+                      <a:solidFill>
+                        <a:srgbClr val="000000"/>
+                      </a:solidFill>
+                    </a:lnB>
+                    <a:noFill/>
+                  </a:tcPr>
+                </a:tc>
+                <a:extLst>
+                  <a:ext uri="{0D108BD9-81ED-4DB2-BD59-A6C34878D82A}">
+                    <a16:rowId xmlns:a16="http://schemas.microsoft.com/office/drawing/2014/main" val="10011"/>
+                  </a:ext>
+                </a:extLst>
+              </a:tr>
+            </a:tbl>
+          </a:graphicData>
+        </a:graphic>
+      </p:graphicFrame>
+      <p:sp>
+        <p:nvSpPr>
+          <p:cNvPr id="5" name="Textfeld 4">
+            <a:extLst>
+              <a:ext uri="{FF2B5EF4-FFF2-40B4-BE49-F238E27FC236}">
+                <a16:creationId xmlns:a16="http://schemas.microsoft.com/office/drawing/2014/main" id="{42F95E1C-DE9A-4BD2-A0F6-022575F71AF6}"/>
+              </a:ext>
+            </a:extLst>
+          </p:cNvPr>
+          <p:cNvSpPr txBox="1"/>
+          <p:nvPr/>
+        </p:nvSpPr>
+        <p:spPr>
+          <a:xfrm>
+            <a:off x="1008120" y="474785"/>
+            <a:ext cx="1199367" cy="369332"/>
+          </a:xfrm>
+          <a:prstGeom prst="rect">
+            <a:avLst/>
+          </a:prstGeom>
+          <a:noFill/>
+        </p:spPr>
+        <p:txBody>
+          <a:bodyPr wrap="none" rtlCol="0">
+            <a:spAutoFit/>
+          </a:bodyPr>
+          <a:lstStyle/>
+          <a:p>
+            <a:r>
+              <a:rPr lang="de-DE" dirty="0"/>
+              <a:t>Use Case 3</a:t>
+            </a:r>
+          </a:p>
+        </p:txBody>
+      </p:sp>
+    </p:spTree>
+    <p:extLst>
+      <p:ext uri="{BB962C8B-B14F-4D97-AF65-F5344CB8AC3E}">
+        <p14:creationId xmlns:p14="http://schemas.microsoft.com/office/powerpoint/2010/main" val="2736073977"/>
+      </p:ext>
+    </p:extLst>
+  </p:cSld>
+  <p:clrMapOvr>
+    <a:masterClrMapping/>
+  </p:clrMapOvr>
+</p:sld>
+</file>
+
+<file path=ppt/slides/slide5.xml><?xml version="1.0" encoding="utf-8"?>
+<p:sld xmlns:a="http://schemas.openxmlformats.org/drawingml/2006/main" xmlns:r="http://schemas.openxmlformats.org/officeDocument/2006/relationships" xmlns:p="http://schemas.openxmlformats.org/presentationml/2006/main">
+  <p:cSld>
+    <p:spTree>
+      <p:nvGrpSpPr>
+        <p:cNvPr id="1" name=""/>
+        <p:cNvGrpSpPr/>
+        <p:nvPr/>
+      </p:nvGrpSpPr>
+      <p:grpSpPr>
+        <a:xfrm>
+          <a:off x="0" y="0"/>
+          <a:ext cx="0" cy="0"/>
+          <a:chOff x="0" y="0"/>
+          <a:chExt cx="0" cy="0"/>
+        </a:xfrm>
+      </p:grpSpPr>
+      <p:graphicFrame>
+        <p:nvGraphicFramePr>
+          <p:cNvPr id="4" name="Table 4">
+            <a:extLst>
+              <a:ext uri="{FF2B5EF4-FFF2-40B4-BE49-F238E27FC236}">
+                <a16:creationId xmlns:a16="http://schemas.microsoft.com/office/drawing/2014/main" id="{96AC8230-5D82-4D17-9E21-9D961D1109D8}"/>
+              </a:ext>
+            </a:extLst>
+          </p:cNvPr>
+          <p:cNvGraphicFramePr/>
+          <p:nvPr>
+            <p:extLst>
+              <p:ext uri="{D42A27DB-BD31-4B8C-83A1-F6EECF244321}">
+                <p14:modId xmlns:p14="http://schemas.microsoft.com/office/powerpoint/2010/main" val="1120977425"/>
+              </p:ext>
+            </p:extLst>
+          </p:nvPr>
+        </p:nvGraphicFramePr>
+        <p:xfrm>
+          <a:off x="1008120" y="972432"/>
+          <a:ext cx="10175760" cy="5321568"/>
+        </p:xfrm>
+        <a:graphic>
+          <a:graphicData uri="http://schemas.openxmlformats.org/drawingml/2006/table">
+            <a:tbl>
+              <a:tblPr/>
+              <a:tblGrid>
+                <a:gridCol w="2922042">
+                  <a:extLst>
+                    <a:ext uri="{9D8B030D-6E8A-4147-A177-3AD203B41FA5}">
+                      <a16:colId xmlns:a16="http://schemas.microsoft.com/office/drawing/2014/main" val="20000"/>
+                    </a:ext>
+                  </a:extLst>
+                </a:gridCol>
+                <a:gridCol w="7253718">
+                  <a:extLst>
+                    <a:ext uri="{9D8B030D-6E8A-4147-A177-3AD203B41FA5}">
+                      <a16:colId xmlns:a16="http://schemas.microsoft.com/office/drawing/2014/main" val="20001"/>
+                    </a:ext>
+                  </a:extLst>
+                </a:gridCol>
+              </a:tblGrid>
+              <a:tr h="329184">
+                <a:tc>
+                  <a:txBody>
+                    <a:bodyPr/>
+                    <a:lstStyle/>
+                    <a:p>
+                      <a:pPr>
+                        <a:lnSpc>
+                          <a:spcPct val="100000"/>
+                        </a:lnSpc>
+                      </a:pPr>
+                      <a:r>
+                        <a:rPr lang="de-DE" sz="1400" b="1" strike="noStrike" spc="-1">
+                          <a:solidFill>
+                            <a:srgbClr val="000000"/>
+                          </a:solidFill>
+                          <a:latin typeface="Arial"/>
+                        </a:rPr>
+                        <a:t>Geschäftsprozess, Funktion</a:t>
+                      </a:r>
+                      <a:endParaRPr lang="de-DE" sz="1400" b="0" strike="noStrike" spc="-1">
+                        <a:latin typeface="Arial"/>
+                      </a:endParaRPr>
+                    </a:p>
+                  </a:txBody>
+                  <a:tcPr marL="52704" marR="52704" marT="54864" marB="54864">
+                    <a:lnL w="12240">
+                      <a:solidFill>
+                        <a:srgbClr val="000000"/>
+                      </a:solidFill>
+                    </a:lnL>
+                    <a:lnR w="12240">
+                      <a:solidFill>
+                        <a:srgbClr val="000000"/>
+                      </a:solidFill>
+                    </a:lnR>
+                    <a:lnT w="12240">
+                      <a:solidFill>
+                        <a:srgbClr val="000000"/>
+                      </a:solidFill>
+                    </a:lnT>
+                    <a:lnB w="12240">
+                      <a:solidFill>
+                        <a:srgbClr val="000000"/>
+                      </a:solidFill>
+                    </a:lnB>
+                    <a:noFill/>
+                  </a:tcPr>
+                </a:tc>
+                <a:tc>
+                  <a:txBody>
+                    <a:bodyPr/>
+                    <a:lstStyle/>
+                    <a:p>
+                      <a:pPr>
+                        <a:lnSpc>
+                          <a:spcPct val="100000"/>
+                        </a:lnSpc>
+                      </a:pPr>
+                      <a:r>
+                        <a:rPr lang="de-DE" sz="1400" b="0" strike="noStrike" spc="-1" dirty="0">
+                          <a:latin typeface="Arial"/>
+                        </a:rPr>
+                        <a:t>Spieler kicken</a:t>
+                      </a:r>
+                    </a:p>
+                  </a:txBody>
+                  <a:tcPr marL="52704" marR="52704" marT="54864" marB="54864">
+                    <a:lnL w="12240">
+                      <a:solidFill>
+                        <a:srgbClr val="000000"/>
+                      </a:solidFill>
+                    </a:lnL>
+                    <a:lnR w="12240">
+                      <a:solidFill>
+                        <a:srgbClr val="000000"/>
+                      </a:solidFill>
+                    </a:lnR>
+                    <a:lnT w="12240">
+                      <a:solidFill>
+                        <a:srgbClr val="000000"/>
+                      </a:solidFill>
+                    </a:lnT>
+                    <a:lnB w="12240">
+                      <a:solidFill>
+                        <a:srgbClr val="000000"/>
+                      </a:solidFill>
+                    </a:lnB>
+                    <a:noFill/>
+                  </a:tcPr>
+                </a:tc>
+                <a:extLst>
+                  <a:ext uri="{0D108BD9-81ED-4DB2-BD59-A6C34878D82A}">
+                    <a16:rowId xmlns:a16="http://schemas.microsoft.com/office/drawing/2014/main" val="10000"/>
+                  </a:ext>
+                </a:extLst>
+              </a:tr>
+              <a:tr h="329184">
+                <a:tc>
+                  <a:txBody>
+                    <a:bodyPr/>
+                    <a:lstStyle/>
+                    <a:p>
+                      <a:pPr>
+                        <a:lnSpc>
+                          <a:spcPct val="100000"/>
+                        </a:lnSpc>
+                      </a:pPr>
+                      <a:r>
+                        <a:rPr lang="de-DE" sz="1400" b="1" strike="noStrike" spc="-1" dirty="0">
+                          <a:solidFill>
+                            <a:srgbClr val="000000"/>
+                          </a:solidFill>
+                          <a:latin typeface="Arial"/>
+                        </a:rPr>
+                        <a:t>Ziel, Ergebnisse</a:t>
+                      </a:r>
+                      <a:endParaRPr lang="de-DE" sz="1400" b="0" strike="noStrike" spc="-1" dirty="0">
+                        <a:latin typeface="Arial"/>
+                      </a:endParaRPr>
+                    </a:p>
+                  </a:txBody>
+                  <a:tcPr marL="52704" marR="52704" marT="54864" marB="54864">
+                    <a:lnL w="12240">
+                      <a:solidFill>
+                        <a:srgbClr val="000000"/>
+                      </a:solidFill>
+                    </a:lnL>
+                    <a:lnR w="12240">
+                      <a:solidFill>
+                        <a:srgbClr val="000000"/>
+                      </a:solidFill>
+                    </a:lnR>
+                    <a:lnT w="12240">
+                      <a:solidFill>
+                        <a:srgbClr val="000000"/>
+                      </a:solidFill>
+                    </a:lnT>
+                    <a:lnB w="12240">
+                      <a:solidFill>
+                        <a:srgbClr val="000000"/>
+                      </a:solidFill>
+                    </a:lnB>
+                    <a:noFill/>
+                  </a:tcPr>
+                </a:tc>
+                <a:tc>
+                  <a:txBody>
+                    <a:bodyPr/>
+                    <a:lstStyle/>
+                    <a:p>
+                      <a:pPr>
+                        <a:lnSpc>
+                          <a:spcPct val="100000"/>
+                        </a:lnSpc>
+                      </a:pPr>
+                      <a:r>
+                        <a:rPr lang="de-DE" sz="1400" b="0" strike="noStrike" spc="-1" dirty="0">
+                          <a:latin typeface="Arial"/>
+                        </a:rPr>
+                        <a:t>Gegnerische Figur auf ihr Startfeld zurücksetzen</a:t>
+                      </a:r>
+                    </a:p>
+                  </a:txBody>
+                  <a:tcPr marL="52704" marR="52704" marT="54864" marB="54864">
+                    <a:lnL w="12240">
+                      <a:solidFill>
+                        <a:srgbClr val="000000"/>
+                      </a:solidFill>
+                    </a:lnL>
+                    <a:lnR w="12240">
+                      <a:solidFill>
+                        <a:srgbClr val="000000"/>
+                      </a:solidFill>
+                    </a:lnR>
+                    <a:lnT w="12240">
+                      <a:solidFill>
+                        <a:srgbClr val="000000"/>
+                      </a:solidFill>
+                    </a:lnT>
+                    <a:lnB w="12240">
+                      <a:solidFill>
+                        <a:srgbClr val="000000"/>
+                      </a:solidFill>
+                    </a:lnB>
+                    <a:noFill/>
+                  </a:tcPr>
+                </a:tc>
+                <a:extLst>
+                  <a:ext uri="{0D108BD9-81ED-4DB2-BD59-A6C34878D82A}">
+                    <a16:rowId xmlns:a16="http://schemas.microsoft.com/office/drawing/2014/main" val="10001"/>
+                  </a:ext>
+                </a:extLst>
+              </a:tr>
+              <a:tr h="548640">
+                <a:tc>
+                  <a:txBody>
+                    <a:bodyPr/>
+                    <a:lstStyle/>
+                    <a:p>
+                      <a:pPr>
+                        <a:lnSpc>
+                          <a:spcPct val="100000"/>
+                        </a:lnSpc>
+                      </a:pPr>
+                      <a:r>
+                        <a:rPr lang="de-DE" sz="1400" b="1" strike="noStrike" spc="-1" dirty="0">
+                          <a:solidFill>
+                            <a:srgbClr val="000000"/>
+                          </a:solidFill>
+                          <a:latin typeface="Arial"/>
+                        </a:rPr>
+                        <a:t>Akteure</a:t>
+                      </a:r>
+                      <a:endParaRPr lang="de-DE" sz="1400" b="0" strike="noStrike" spc="-1" dirty="0">
+                        <a:latin typeface="Arial"/>
+                      </a:endParaRPr>
+                    </a:p>
+                  </a:txBody>
+                  <a:tcPr marL="52704" marR="52704" marT="54864" marB="54864">
+                    <a:lnL w="12240">
+                      <a:solidFill>
+                        <a:srgbClr val="000000"/>
+                      </a:solidFill>
+                    </a:lnL>
+                    <a:lnR w="12240">
+                      <a:solidFill>
+                        <a:srgbClr val="000000"/>
+                      </a:solidFill>
+                    </a:lnR>
+                    <a:lnT w="12240">
+                      <a:solidFill>
+                        <a:srgbClr val="000000"/>
+                      </a:solidFill>
+                    </a:lnT>
+                    <a:lnB w="12240">
+                      <a:solidFill>
+                        <a:srgbClr val="000000"/>
+                      </a:solidFill>
+                    </a:lnB>
+                    <a:noFill/>
+                  </a:tcPr>
+                </a:tc>
+                <a:tc>
+                  <a:txBody>
+                    <a:bodyPr/>
+                    <a:lstStyle/>
+                    <a:p>
+                      <a:pPr>
+                        <a:lnSpc>
+                          <a:spcPct val="100000"/>
+                        </a:lnSpc>
+                      </a:pPr>
+                      <a:r>
+                        <a:rPr lang="de-DE" sz="1400" b="0" strike="noStrike" spc="-1" dirty="0">
+                          <a:latin typeface="Arial"/>
+                        </a:rPr>
+                        <a:t>System</a:t>
+                      </a:r>
+                    </a:p>
+                  </a:txBody>
+                  <a:tcPr marL="52704" marR="52704" marT="54864" marB="54864">
+                    <a:lnL w="12240">
+                      <a:solidFill>
+                        <a:srgbClr val="000000"/>
+                      </a:solidFill>
+                    </a:lnL>
+                    <a:lnR w="12240">
+                      <a:solidFill>
+                        <a:srgbClr val="000000"/>
+                      </a:solidFill>
+                    </a:lnR>
+                    <a:lnT w="12240">
+                      <a:solidFill>
+                        <a:srgbClr val="000000"/>
+                      </a:solidFill>
+                    </a:lnT>
+                    <a:lnB w="12240">
+                      <a:solidFill>
+                        <a:srgbClr val="000000"/>
+                      </a:solidFill>
+                    </a:lnB>
+                    <a:noFill/>
+                  </a:tcPr>
+                </a:tc>
+                <a:extLst>
+                  <a:ext uri="{0D108BD9-81ED-4DB2-BD59-A6C34878D82A}">
+                    <a16:rowId xmlns:a16="http://schemas.microsoft.com/office/drawing/2014/main" val="10002"/>
+                  </a:ext>
+                </a:extLst>
+              </a:tr>
+              <a:tr h="329184">
+                <a:tc>
+                  <a:txBody>
+                    <a:bodyPr/>
+                    <a:lstStyle/>
+                    <a:p>
+                      <a:pPr>
+                        <a:lnSpc>
+                          <a:spcPct val="100000"/>
+                        </a:lnSpc>
+                      </a:pPr>
+                      <a:r>
+                        <a:rPr lang="de-DE" sz="1400" b="1" strike="noStrike" spc="-1" dirty="0">
+                          <a:solidFill>
+                            <a:srgbClr val="000000"/>
+                          </a:solidFill>
+                          <a:latin typeface="Arial"/>
+                        </a:rPr>
+                        <a:t>Vorbedingungen</a:t>
+                      </a:r>
+                      <a:endParaRPr lang="de-DE" sz="1400" b="0" strike="noStrike" spc="-1" dirty="0">
+                        <a:latin typeface="Arial"/>
+                      </a:endParaRPr>
+                    </a:p>
+                  </a:txBody>
+                  <a:tcPr marL="52704" marR="52704" marT="54864" marB="54864">
+                    <a:lnL w="12240">
+                      <a:solidFill>
+                        <a:srgbClr val="000000"/>
+                      </a:solidFill>
+                    </a:lnL>
+                    <a:lnR w="12240">
+                      <a:solidFill>
+                        <a:srgbClr val="000000"/>
+                      </a:solidFill>
+                    </a:lnR>
+                    <a:lnT w="12240">
+                      <a:solidFill>
+                        <a:srgbClr val="000000"/>
+                      </a:solidFill>
+                    </a:lnT>
+                    <a:lnB w="12240">
+                      <a:solidFill>
+                        <a:srgbClr val="000000"/>
+                      </a:solidFill>
+                    </a:lnB>
+                    <a:noFill/>
+                  </a:tcPr>
+                </a:tc>
+                <a:tc>
+                  <a:txBody>
+                    <a:bodyPr/>
+                    <a:lstStyle/>
+                    <a:p>
+                      <a:pPr>
+                        <a:lnSpc>
+                          <a:spcPct val="100000"/>
+                        </a:lnSpc>
+                      </a:pPr>
+                      <a:r>
+                        <a:rPr lang="de-DE" sz="1400" b="0" strike="noStrike" spc="-1" dirty="0">
+                          <a:latin typeface="Arial"/>
+                        </a:rPr>
+                        <a:t>Spiel läuft noch</a:t>
+                      </a:r>
+                    </a:p>
+                    <a:p>
+                      <a:pPr>
+                        <a:lnSpc>
+                          <a:spcPct val="100000"/>
+                        </a:lnSpc>
+                      </a:pPr>
+                      <a:r>
+                        <a:rPr lang="de-DE" sz="1400" b="0" strike="noStrike" spc="-1" dirty="0">
+                          <a:latin typeface="Arial"/>
+                        </a:rPr>
+                        <a:t>Spielfigur endet auf einem Feld, das bereits mit gegnerischer Figur besetzt ist</a:t>
+                      </a:r>
+                    </a:p>
+                  </a:txBody>
+                  <a:tcPr marL="52704" marR="52704" marT="54864" marB="54864">
+                    <a:lnL w="12240">
+                      <a:solidFill>
+                        <a:srgbClr val="000000"/>
+                      </a:solidFill>
+                    </a:lnL>
+                    <a:lnR w="12240">
+                      <a:solidFill>
+                        <a:srgbClr val="000000"/>
+                      </a:solidFill>
+                    </a:lnR>
+                    <a:lnT w="12240">
+                      <a:solidFill>
+                        <a:srgbClr val="000000"/>
+                      </a:solidFill>
+                    </a:lnT>
+                    <a:lnB w="12240">
+                      <a:solidFill>
+                        <a:srgbClr val="000000"/>
+                      </a:solidFill>
+                    </a:lnB>
+                    <a:noFill/>
+                  </a:tcPr>
+                </a:tc>
+                <a:extLst>
+                  <a:ext uri="{0D108BD9-81ED-4DB2-BD59-A6C34878D82A}">
+                    <a16:rowId xmlns:a16="http://schemas.microsoft.com/office/drawing/2014/main" val="10003"/>
+                  </a:ext>
+                </a:extLst>
+              </a:tr>
+              <a:tr h="329184">
+                <a:tc>
+                  <a:txBody>
+                    <a:bodyPr/>
+                    <a:lstStyle/>
+                    <a:p>
+                      <a:pPr>
+                        <a:lnSpc>
+                          <a:spcPct val="100000"/>
+                        </a:lnSpc>
+                      </a:pPr>
+                      <a:r>
+                        <a:rPr lang="de-DE" sz="1400" b="1" strike="noStrike" spc="-1" dirty="0">
+                          <a:solidFill>
+                            <a:srgbClr val="000000"/>
+                          </a:solidFill>
+                          <a:latin typeface="Arial"/>
+                        </a:rPr>
+                        <a:t>Auslösendes Ereignis</a:t>
+                      </a:r>
+                      <a:endParaRPr lang="de-DE" sz="1400" b="0" strike="noStrike" spc="-1" dirty="0">
+                        <a:latin typeface="Arial"/>
+                      </a:endParaRPr>
+                    </a:p>
+                  </a:txBody>
+                  <a:tcPr marL="52704" marR="52704" marT="54864" marB="54864">
+                    <a:lnL w="12240">
+                      <a:solidFill>
+                        <a:srgbClr val="000000"/>
+                      </a:solidFill>
+                    </a:lnL>
+                    <a:lnR w="12240">
+                      <a:solidFill>
+                        <a:srgbClr val="000000"/>
+                      </a:solidFill>
+                    </a:lnR>
+                    <a:lnT w="12240">
+                      <a:solidFill>
+                        <a:srgbClr val="000000"/>
+                      </a:solidFill>
+                    </a:lnT>
+                    <a:lnB w="12240">
+                      <a:solidFill>
+                        <a:srgbClr val="000000"/>
+                      </a:solidFill>
+                    </a:lnB>
+                    <a:noFill/>
+                  </a:tcPr>
+                </a:tc>
+                <a:tc>
+                  <a:txBody>
+                    <a:bodyPr/>
+                    <a:lstStyle/>
+                    <a:p>
+                      <a:pPr marL="0" marR="0" lvl="0" indent="0" algn="l" defTabSz="914400" rtl="0" eaLnBrk="1" fontAlgn="auto" latinLnBrk="0" hangingPunct="1">
+                        <a:lnSpc>
+                          <a:spcPct val="100000"/>
+                        </a:lnSpc>
+                        <a:spcBef>
+                          <a:spcPts val="0"/>
+                        </a:spcBef>
+                        <a:spcAft>
+                          <a:spcPts val="0"/>
+                        </a:spcAft>
+                        <a:buClrTx/>
+                        <a:buSzTx/>
+                        <a:buFontTx/>
+                        <a:buNone/>
+                        <a:tabLst/>
+                        <a:defRPr/>
+                      </a:pPr>
+                      <a:r>
+                        <a:rPr lang="de-DE" sz="1400" b="0" strike="noStrike" spc="-1" dirty="0">
+                          <a:latin typeface="Arial"/>
+                        </a:rPr>
+                        <a:t>Erweiterung des Use </a:t>
+                      </a:r>
+                      <a:r>
+                        <a:rPr lang="de-DE" sz="1400" b="0" strike="noStrike" spc="-1" dirty="0" err="1">
+                          <a:latin typeface="Arial"/>
+                        </a:rPr>
+                        <a:t>Cases</a:t>
+                      </a:r>
+                      <a:r>
+                        <a:rPr lang="de-DE" sz="1400" b="0" strike="noStrike" spc="-1" dirty="0">
+                          <a:latin typeface="Arial"/>
+                        </a:rPr>
+                        <a:t> „Spieler bewegen“</a:t>
+                      </a:r>
+                    </a:p>
+                  </a:txBody>
+                  <a:tcPr marL="52704" marR="52704" marT="54864" marB="54864">
+                    <a:lnL w="12240">
+                      <a:solidFill>
+                        <a:srgbClr val="000000"/>
+                      </a:solidFill>
+                    </a:lnL>
+                    <a:lnR w="12240">
+                      <a:solidFill>
+                        <a:srgbClr val="000000"/>
+                      </a:solidFill>
+                    </a:lnR>
+                    <a:lnT w="12240">
+                      <a:solidFill>
+                        <a:srgbClr val="000000"/>
+                      </a:solidFill>
+                    </a:lnT>
+                    <a:lnB w="12240">
+                      <a:solidFill>
+                        <a:srgbClr val="000000"/>
+                      </a:solidFill>
+                    </a:lnB>
+                    <a:noFill/>
+                  </a:tcPr>
+                </a:tc>
+                <a:extLst>
+                  <a:ext uri="{0D108BD9-81ED-4DB2-BD59-A6C34878D82A}">
+                    <a16:rowId xmlns:a16="http://schemas.microsoft.com/office/drawing/2014/main" val="10004"/>
+                  </a:ext>
+                </a:extLst>
+              </a:tr>
+              <a:tr h="548640">
+                <a:tc>
+                  <a:txBody>
+                    <a:bodyPr/>
+                    <a:lstStyle/>
+                    <a:p>
+                      <a:pPr>
+                        <a:lnSpc>
+                          <a:spcPct val="100000"/>
+                        </a:lnSpc>
+                      </a:pPr>
+                      <a:r>
+                        <a:rPr lang="de-DE" sz="1400" b="1" strike="noStrike" spc="-1" dirty="0">
+                          <a:solidFill>
+                            <a:srgbClr val="000000"/>
+                          </a:solidFill>
+                          <a:latin typeface="Arial"/>
+                        </a:rPr>
+                        <a:t>Nachbedingung bei Erfolg</a:t>
+                      </a:r>
+                      <a:endParaRPr lang="de-DE" sz="1400" b="0" strike="noStrike" spc="-1" dirty="0">
+                        <a:latin typeface="Arial"/>
+                      </a:endParaRPr>
+                    </a:p>
+                  </a:txBody>
+                  <a:tcPr marL="52704" marR="52704" marT="54864" marB="54864">
+                    <a:lnL w="12240">
+                      <a:solidFill>
+                        <a:srgbClr val="000000"/>
+                      </a:solidFill>
+                    </a:lnL>
+                    <a:lnR w="12240">
+                      <a:solidFill>
+                        <a:srgbClr val="000000"/>
+                      </a:solidFill>
+                    </a:lnR>
+                    <a:lnT w="12240">
+                      <a:solidFill>
+                        <a:srgbClr val="000000"/>
+                      </a:solidFill>
+                    </a:lnT>
+                    <a:lnB w="12240">
+                      <a:solidFill>
+                        <a:srgbClr val="000000"/>
+                      </a:solidFill>
+                    </a:lnB>
+                    <a:noFill/>
+                  </a:tcPr>
+                </a:tc>
+                <a:tc>
+                  <a:txBody>
+                    <a:bodyPr/>
+                    <a:lstStyle/>
+                    <a:p>
+                      <a:pPr>
+                        <a:lnSpc>
+                          <a:spcPct val="100000"/>
+                        </a:lnSpc>
+                      </a:pPr>
+                      <a:r>
+                        <a:rPr lang="de-DE" sz="1400" b="0" strike="noStrike" spc="-1" dirty="0">
+                          <a:latin typeface="Arial"/>
+                        </a:rPr>
+                        <a:t>Gegnerische Figur wird geschlagen und auf ihr Startfeld gesetzt, nächste Runde wird gestartet</a:t>
+                      </a:r>
+                    </a:p>
+                  </a:txBody>
+                  <a:tcPr marL="52704" marR="52704" marT="54864" marB="54864">
+                    <a:lnL w="12240">
+                      <a:solidFill>
+                        <a:srgbClr val="000000"/>
+                      </a:solidFill>
+                    </a:lnL>
+                    <a:lnR w="12240">
+                      <a:solidFill>
+                        <a:srgbClr val="000000"/>
+                      </a:solidFill>
+                    </a:lnR>
+                    <a:lnT w="12240">
+                      <a:solidFill>
+                        <a:srgbClr val="000000"/>
+                      </a:solidFill>
+                    </a:lnT>
+                    <a:lnB w="12240">
+                      <a:solidFill>
+                        <a:srgbClr val="000000"/>
+                      </a:solidFill>
+                    </a:lnB>
+                    <a:noFill/>
+                  </a:tcPr>
+                </a:tc>
+                <a:extLst>
+                  <a:ext uri="{0D108BD9-81ED-4DB2-BD59-A6C34878D82A}">
+                    <a16:rowId xmlns:a16="http://schemas.microsoft.com/office/drawing/2014/main" val="10005"/>
+                  </a:ext>
+                </a:extLst>
+              </a:tr>
+              <a:tr h="329184">
+                <a:tc>
+                  <a:txBody>
+                    <a:bodyPr/>
+                    <a:lstStyle/>
+                    <a:p>
+                      <a:pPr>
+                        <a:lnSpc>
+                          <a:spcPct val="100000"/>
+                        </a:lnSpc>
+                      </a:pPr>
+                      <a:r>
+                        <a:rPr lang="de-DE" sz="1400" b="1" strike="noStrike" spc="-1" dirty="0">
+                          <a:solidFill>
+                            <a:srgbClr val="000000"/>
+                          </a:solidFill>
+                          <a:latin typeface="Arial"/>
+                        </a:rPr>
+                        <a:t>Nachbedingung bei Fehlschlag</a:t>
+                      </a:r>
+                      <a:endParaRPr lang="de-DE" sz="1400" b="0" strike="noStrike" spc="-1" dirty="0">
+                        <a:latin typeface="Arial"/>
+                      </a:endParaRPr>
+                    </a:p>
+                  </a:txBody>
+                  <a:tcPr marL="52704" marR="52704" marT="54864" marB="54864">
+                    <a:lnL w="12240">
+                      <a:solidFill>
+                        <a:srgbClr val="000000"/>
+                      </a:solidFill>
+                    </a:lnL>
+                    <a:lnR w="12240">
+                      <a:solidFill>
+                        <a:srgbClr val="000000"/>
+                      </a:solidFill>
+                    </a:lnR>
+                    <a:lnT w="12240">
+                      <a:solidFill>
+                        <a:srgbClr val="000000"/>
+                      </a:solidFill>
+                    </a:lnT>
+                    <a:lnB w="12240">
+                      <a:solidFill>
+                        <a:srgbClr val="000000"/>
+                      </a:solidFill>
+                    </a:lnB>
+                    <a:noFill/>
+                  </a:tcPr>
+                </a:tc>
+                <a:tc>
+                  <a:txBody>
+                    <a:bodyPr/>
+                    <a:lstStyle/>
+                    <a:p>
+                      <a:pPr>
+                        <a:lnSpc>
+                          <a:spcPct val="100000"/>
+                        </a:lnSpc>
+                      </a:pPr>
+                      <a:r>
+                        <a:rPr lang="de-DE" sz="1400" b="0" strike="noStrike" spc="-1" dirty="0">
+                          <a:latin typeface="Arial"/>
+                        </a:rPr>
+                        <a:t>Keine gegnerische Figur auf dem Zielfeld, Zug endet normal, nächste Runde wird gestartet</a:t>
+                      </a:r>
+                    </a:p>
+                  </a:txBody>
+                  <a:tcPr marL="52704" marR="52704" marT="54864" marB="54864">
+                    <a:lnL w="12240">
+                      <a:solidFill>
+                        <a:srgbClr val="000000"/>
+                      </a:solidFill>
+                    </a:lnL>
+                    <a:lnR w="12240">
+                      <a:solidFill>
+                        <a:srgbClr val="000000"/>
+                      </a:solidFill>
+                    </a:lnR>
+                    <a:lnT w="12240">
+                      <a:solidFill>
+                        <a:srgbClr val="000000"/>
+                      </a:solidFill>
+                    </a:lnT>
+                    <a:lnB w="12240">
+                      <a:solidFill>
+                        <a:srgbClr val="000000"/>
+                      </a:solidFill>
+                    </a:lnB>
+                    <a:noFill/>
+                  </a:tcPr>
+                </a:tc>
+                <a:extLst>
+                  <a:ext uri="{0D108BD9-81ED-4DB2-BD59-A6C34878D82A}">
+                    <a16:rowId xmlns:a16="http://schemas.microsoft.com/office/drawing/2014/main" val="10006"/>
+                  </a:ext>
+                </a:extLst>
+              </a:tr>
+              <a:tr h="329184">
+                <a:tc>
+                  <a:txBody>
+                    <a:bodyPr/>
+                    <a:lstStyle/>
+                    <a:p>
+                      <a:pPr>
+                        <a:lnSpc>
+                          <a:spcPct val="100000"/>
+                        </a:lnSpc>
+                      </a:pPr>
+                      <a:r>
+                        <a:rPr lang="de-DE" sz="1400" b="1" strike="noStrike" spc="-1" dirty="0">
+                          <a:solidFill>
+                            <a:srgbClr val="000000"/>
+                          </a:solidFill>
+                          <a:latin typeface="Arial"/>
+                        </a:rPr>
+                        <a:t>Eingehende Daten</a:t>
+                      </a:r>
+                      <a:endParaRPr lang="de-DE" sz="1400" b="0" strike="noStrike" spc="-1" dirty="0">
+                        <a:latin typeface="Arial"/>
+                      </a:endParaRPr>
+                    </a:p>
+                  </a:txBody>
+                  <a:tcPr marL="52704" marR="52704" marT="54864" marB="54864">
+                    <a:lnL w="12240">
+                      <a:solidFill>
+                        <a:srgbClr val="000000"/>
+                      </a:solidFill>
+                    </a:lnL>
+                    <a:lnR w="12240">
+                      <a:solidFill>
+                        <a:srgbClr val="000000"/>
+                      </a:solidFill>
+                    </a:lnR>
+                    <a:lnT w="12240">
+                      <a:solidFill>
+                        <a:srgbClr val="000000"/>
+                      </a:solidFill>
+                    </a:lnT>
+                    <a:lnB w="12240">
+                      <a:solidFill>
+                        <a:srgbClr val="000000"/>
+                      </a:solidFill>
+                    </a:lnB>
+                    <a:noFill/>
+                  </a:tcPr>
+                </a:tc>
+                <a:tc>
+                  <a:txBody>
+                    <a:bodyPr/>
+                    <a:lstStyle/>
+                    <a:p>
+                      <a:pPr>
+                        <a:lnSpc>
+                          <a:spcPct val="100000"/>
+                        </a:lnSpc>
+                      </a:pPr>
+                      <a:r>
+                        <a:rPr lang="de-DE" sz="1400" b="0" strike="noStrike" spc="-1" dirty="0">
+                          <a:latin typeface="Arial"/>
+                        </a:rPr>
+                        <a:t>Position der eigenen und gegnerischen Figuren, Positionen aller Figuren</a:t>
+                      </a:r>
+                    </a:p>
+                  </a:txBody>
+                  <a:tcPr marL="52704" marR="52704" marT="54864" marB="54864">
+                    <a:lnL w="12240">
+                      <a:solidFill>
+                        <a:srgbClr val="000000"/>
+                      </a:solidFill>
+                    </a:lnL>
+                    <a:lnR w="12240">
+                      <a:solidFill>
+                        <a:srgbClr val="000000"/>
+                      </a:solidFill>
+                    </a:lnR>
+                    <a:lnT w="12240">
+                      <a:solidFill>
+                        <a:srgbClr val="000000"/>
+                      </a:solidFill>
+                    </a:lnT>
+                    <a:lnB w="12240">
+                      <a:solidFill>
+                        <a:srgbClr val="000000"/>
+                      </a:solidFill>
+                    </a:lnB>
+                    <a:noFill/>
+                  </a:tcPr>
+                </a:tc>
+                <a:extLst>
+                  <a:ext uri="{0D108BD9-81ED-4DB2-BD59-A6C34878D82A}">
+                    <a16:rowId xmlns:a16="http://schemas.microsoft.com/office/drawing/2014/main" val="10007"/>
+                  </a:ext>
+                </a:extLst>
+              </a:tr>
+              <a:tr h="548640">
+                <a:tc>
+                  <a:txBody>
+                    <a:bodyPr/>
+                    <a:lstStyle/>
+                    <a:p>
+                      <a:pPr>
+                        <a:lnSpc>
+                          <a:spcPct val="100000"/>
+                        </a:lnSpc>
+                      </a:pPr>
+                      <a:r>
+                        <a:rPr lang="de-DE" sz="1400" b="1" strike="noStrike" spc="-1" dirty="0">
+                          <a:solidFill>
+                            <a:srgbClr val="000000"/>
+                          </a:solidFill>
+                          <a:latin typeface="Arial"/>
+                        </a:rPr>
+                        <a:t>Ausgehende Daten</a:t>
+                      </a:r>
+                      <a:endParaRPr lang="de-DE" sz="1400" b="0" strike="noStrike" spc="-1" dirty="0">
+                        <a:latin typeface="Arial"/>
+                      </a:endParaRPr>
+                    </a:p>
+                  </a:txBody>
+                  <a:tcPr marL="52704" marR="52704" marT="54864" marB="54864">
+                    <a:lnL w="12240">
+                      <a:solidFill>
+                        <a:srgbClr val="000000"/>
+                      </a:solidFill>
+                    </a:lnL>
+                    <a:lnR w="12240">
+                      <a:solidFill>
+                        <a:srgbClr val="000000"/>
+                      </a:solidFill>
+                    </a:lnR>
+                    <a:lnT w="12240">
+                      <a:solidFill>
+                        <a:srgbClr val="000000"/>
+                      </a:solidFill>
+                    </a:lnT>
+                    <a:lnB w="12240">
+                      <a:solidFill>
+                        <a:srgbClr val="000000"/>
+                      </a:solidFill>
+                    </a:lnB>
+                    <a:noFill/>
+                  </a:tcPr>
+                </a:tc>
+                <a:tc>
+                  <a:txBody>
+                    <a:bodyPr/>
+                    <a:lstStyle/>
+                    <a:p>
+                      <a:pPr>
+                        <a:lnSpc>
+                          <a:spcPct val="100000"/>
+                        </a:lnSpc>
+                      </a:pPr>
+                      <a:r>
+                        <a:rPr lang="de-DE" sz="1400" b="0" strike="noStrike" spc="-1" dirty="0">
+                          <a:latin typeface="Arial"/>
+                        </a:rPr>
+                        <a:t>Neue Position der geschlagenen Figur</a:t>
+                      </a:r>
+                    </a:p>
+                  </a:txBody>
+                  <a:tcPr marL="52704" marR="52704" marT="54864" marB="54864">
+                    <a:lnL w="12240">
+                      <a:solidFill>
+                        <a:srgbClr val="000000"/>
+                      </a:solidFill>
+                    </a:lnL>
+                    <a:lnR w="12240">
+                      <a:solidFill>
+                        <a:srgbClr val="000000"/>
+                      </a:solidFill>
+                    </a:lnR>
+                    <a:lnT w="12240">
+                      <a:solidFill>
+                        <a:srgbClr val="000000"/>
+                      </a:solidFill>
+                    </a:lnT>
+                    <a:lnB w="12240">
+                      <a:solidFill>
+                        <a:srgbClr val="000000"/>
+                      </a:solidFill>
+                    </a:lnB>
+                    <a:noFill/>
+                  </a:tcPr>
+                </a:tc>
+                <a:extLst>
+                  <a:ext uri="{0D108BD9-81ED-4DB2-BD59-A6C34878D82A}">
+                    <a16:rowId xmlns:a16="http://schemas.microsoft.com/office/drawing/2014/main" val="10008"/>
+                  </a:ext>
+                </a:extLst>
+              </a:tr>
+              <a:tr h="548640">
+                <a:tc>
+                  <a:txBody>
+                    <a:bodyPr/>
+                    <a:lstStyle/>
+                    <a:p>
+                      <a:pPr>
+                        <a:lnSpc>
+                          <a:spcPct val="100000"/>
+                        </a:lnSpc>
+                      </a:pPr>
+                      <a:r>
+                        <a:rPr lang="de-DE" sz="1400" b="1" strike="noStrike" spc="-1" dirty="0">
+                          <a:solidFill>
+                            <a:srgbClr val="000000"/>
+                          </a:solidFill>
+                          <a:latin typeface="Arial"/>
+                        </a:rPr>
+                        <a:t>Ablauf</a:t>
+                      </a:r>
+                      <a:endParaRPr lang="de-DE" sz="1400" b="0" strike="noStrike" spc="-1" dirty="0">
+                        <a:latin typeface="Arial"/>
+                      </a:endParaRPr>
+                    </a:p>
+                  </a:txBody>
+                  <a:tcPr marL="52704" marR="52704" marT="54864" marB="54864">
+                    <a:lnL w="12240">
+                      <a:solidFill>
+                        <a:srgbClr val="000000"/>
+                      </a:solidFill>
+                    </a:lnL>
+                    <a:lnR w="12240">
+                      <a:solidFill>
+                        <a:srgbClr val="000000"/>
+                      </a:solidFill>
+                    </a:lnR>
+                    <a:lnT w="12240">
+                      <a:solidFill>
+                        <a:srgbClr val="000000"/>
+                      </a:solidFill>
+                    </a:lnT>
+                    <a:lnB w="12240">
+                      <a:solidFill>
+                        <a:srgbClr val="000000"/>
+                      </a:solidFill>
+                    </a:lnB>
+                    <a:noFill/>
+                  </a:tcPr>
+                </a:tc>
+                <a:tc>
+                  <a:txBody>
+                    <a:bodyPr/>
+                    <a:lstStyle/>
+                    <a:p>
+                      <a:pPr marL="342900" indent="-342900">
+                        <a:lnSpc>
+                          <a:spcPct val="100000"/>
+                        </a:lnSpc>
+                        <a:buAutoNum type="arabicPeriod"/>
+                      </a:pPr>
+                      <a:r>
+                        <a:rPr lang="de-DE" sz="1400" b="0" strike="noStrike" spc="-1" dirty="0">
+                          <a:latin typeface="Arial"/>
+                        </a:rPr>
+                        <a:t>Prüfe Positionen auf Übereinstimmung</a:t>
+                      </a:r>
+                    </a:p>
+                    <a:p>
+                      <a:pPr marL="342900" indent="-342900">
+                        <a:lnSpc>
+                          <a:spcPct val="100000"/>
+                        </a:lnSpc>
+                        <a:buAutoNum type="arabicPeriod"/>
+                      </a:pPr>
+                      <a:r>
+                        <a:rPr lang="de-DE" sz="1400" b="0" strike="noStrike" spc="-1" dirty="0">
+                          <a:latin typeface="Arial"/>
+                        </a:rPr>
+                        <a:t>Lokalisiere freie Position im Startfeld des Gegners</a:t>
+                      </a:r>
+                    </a:p>
+                    <a:p>
+                      <a:pPr marL="342900" indent="-342900">
+                        <a:lnSpc>
+                          <a:spcPct val="100000"/>
+                        </a:lnSpc>
+                        <a:buAutoNum type="arabicPeriod"/>
+                      </a:pPr>
+                      <a:r>
+                        <a:rPr lang="de-DE" sz="1400" b="0" strike="noStrike" spc="-1" dirty="0">
+                          <a:latin typeface="Arial"/>
+                        </a:rPr>
+                        <a:t>Setze Figur des Gegners auf freies Position im Startfeld</a:t>
+                      </a:r>
+                    </a:p>
+                  </a:txBody>
+                  <a:tcPr marL="52704" marR="52704" marT="54864" marB="54864">
+                    <a:lnL w="12240">
+                      <a:solidFill>
+                        <a:srgbClr val="000000"/>
+                      </a:solidFill>
+                    </a:lnL>
+                    <a:lnR w="12240">
+                      <a:solidFill>
+                        <a:srgbClr val="000000"/>
+                      </a:solidFill>
+                    </a:lnR>
+                    <a:lnT w="12240">
+                      <a:solidFill>
+                        <a:srgbClr val="000000"/>
+                      </a:solidFill>
+                    </a:lnT>
+                    <a:lnB w="12240">
+                      <a:solidFill>
+                        <a:srgbClr val="000000"/>
+                      </a:solidFill>
+                    </a:lnB>
+                    <a:noFill/>
+                  </a:tcPr>
+                </a:tc>
+                <a:extLst>
+                  <a:ext uri="{0D108BD9-81ED-4DB2-BD59-A6C34878D82A}">
+                    <a16:rowId xmlns:a16="http://schemas.microsoft.com/office/drawing/2014/main" val="10009"/>
+                  </a:ext>
+                </a:extLst>
+              </a:tr>
+              <a:tr h="329184">
+                <a:tc>
+                  <a:txBody>
+                    <a:bodyPr/>
+                    <a:lstStyle/>
+                    <a:p>
+                      <a:pPr>
+                        <a:lnSpc>
+                          <a:spcPct val="100000"/>
+                        </a:lnSpc>
+                      </a:pPr>
+                      <a:r>
+                        <a:rPr lang="de-DE" sz="1400" b="1" strike="noStrike" spc="-1" dirty="0">
+                          <a:solidFill>
+                            <a:srgbClr val="000000"/>
+                          </a:solidFill>
+                          <a:latin typeface="Arial"/>
+                        </a:rPr>
+                        <a:t>Erweiterungen</a:t>
+                      </a:r>
+                      <a:endParaRPr lang="de-DE" sz="1400" b="0" strike="noStrike" spc="-1" dirty="0">
+                        <a:latin typeface="Arial"/>
+                      </a:endParaRPr>
+                    </a:p>
+                  </a:txBody>
+                  <a:tcPr marL="52704" marR="52704" marT="54864" marB="54864">
+                    <a:lnL w="12240">
+                      <a:solidFill>
+                        <a:srgbClr val="000000"/>
+                      </a:solidFill>
+                    </a:lnL>
+                    <a:lnR w="12240">
+                      <a:solidFill>
+                        <a:srgbClr val="000000"/>
+                      </a:solidFill>
+                    </a:lnR>
+                    <a:lnT w="12240">
+                      <a:solidFill>
+                        <a:srgbClr val="000000"/>
+                      </a:solidFill>
+                    </a:lnT>
+                    <a:lnB w="12240">
+                      <a:solidFill>
+                        <a:srgbClr val="000000"/>
+                      </a:solidFill>
+                    </a:lnB>
+                    <a:noFill/>
+                  </a:tcPr>
+                </a:tc>
+                <a:tc>
+                  <a:txBody>
+                    <a:bodyPr/>
+                    <a:lstStyle/>
+                    <a:p>
+                      <a:pPr>
+                        <a:lnSpc>
+                          <a:spcPct val="100000"/>
+                        </a:lnSpc>
+                      </a:pPr>
+                      <a:endParaRPr lang="de-DE" sz="1400" b="0" strike="noStrike" spc="-1" dirty="0">
+                        <a:latin typeface="Arial"/>
+                      </a:endParaRPr>
+                    </a:p>
+                  </a:txBody>
+                  <a:tcPr marL="52704" marR="52704" marT="54864" marB="54864">
+                    <a:lnL w="12240">
+                      <a:solidFill>
+                        <a:srgbClr val="000000"/>
+                      </a:solidFill>
+                    </a:lnL>
+                    <a:lnR w="12240">
+                      <a:solidFill>
+                        <a:srgbClr val="000000"/>
+                      </a:solidFill>
+                    </a:lnR>
+                    <a:lnT w="12240">
+                      <a:solidFill>
+                        <a:srgbClr val="000000"/>
+                      </a:solidFill>
+                    </a:lnT>
+                    <a:lnB w="12240">
+                      <a:solidFill>
+                        <a:srgbClr val="000000"/>
+                      </a:solidFill>
+                    </a:lnB>
+                    <a:noFill/>
+                  </a:tcPr>
+                </a:tc>
+                <a:extLst>
+                  <a:ext uri="{0D108BD9-81ED-4DB2-BD59-A6C34878D82A}">
+                    <a16:rowId xmlns:a16="http://schemas.microsoft.com/office/drawing/2014/main" val="10010"/>
+                  </a:ext>
+                </a:extLst>
+              </a:tr>
+              <a:tr h="414288">
+                <a:tc>
+                  <a:txBody>
+                    <a:bodyPr/>
+                    <a:lstStyle/>
+                    <a:p>
+                      <a:pPr>
+                        <a:lnSpc>
+                          <a:spcPct val="100000"/>
+                        </a:lnSpc>
+                      </a:pPr>
+                      <a:r>
+                        <a:rPr lang="de-DE" sz="1400" b="1" strike="noStrike" spc="-1" dirty="0">
+                          <a:solidFill>
+                            <a:srgbClr val="000000"/>
+                          </a:solidFill>
+                          <a:latin typeface="Arial"/>
+                        </a:rPr>
+                        <a:t>Alternativen</a:t>
+                      </a:r>
+                      <a:endParaRPr lang="de-DE" sz="1400" b="0" strike="noStrike" spc="-1" dirty="0">
+                        <a:latin typeface="Arial"/>
+                      </a:endParaRPr>
+                    </a:p>
+                  </a:txBody>
+                  <a:tcPr marL="52704" marR="52704" marT="54864" marB="54864">
+                    <a:lnL w="12240">
+                      <a:solidFill>
+                        <a:srgbClr val="000000"/>
+                      </a:solidFill>
+                    </a:lnL>
+                    <a:lnR w="12240">
+                      <a:solidFill>
+                        <a:srgbClr val="000000"/>
+                      </a:solidFill>
+                    </a:lnR>
+                    <a:lnT w="12240">
+                      <a:solidFill>
+                        <a:srgbClr val="000000"/>
+                      </a:solidFill>
+                    </a:lnT>
+                    <a:lnB w="12240">
+                      <a:solidFill>
+                        <a:srgbClr val="000000"/>
+                      </a:solidFill>
+                    </a:lnB>
+                    <a:noFill/>
+                  </a:tcPr>
+                </a:tc>
+                <a:tc>
+                  <a:txBody>
+                    <a:bodyPr/>
+                    <a:lstStyle/>
+                    <a:p>
+                      <a:pPr>
+                        <a:lnSpc>
+                          <a:spcPct val="100000"/>
+                        </a:lnSpc>
+                      </a:pPr>
+                      <a:r>
+                        <a:rPr lang="de-DE" sz="1400" b="0" strike="noStrike" spc="-1" dirty="0">
+                          <a:latin typeface="Arial"/>
+                        </a:rPr>
+                        <a:t>1a. Positionen stimmen nicht überein: Abbruch – Nachbedingung bei Fehlschlag. </a:t>
+                      </a:r>
+                    </a:p>
+                  </a:txBody>
+                  <a:tcPr marL="52704" marR="52704" marT="54864" marB="54864">
+                    <a:lnL w="12240">
+                      <a:solidFill>
+                        <a:srgbClr val="000000"/>
+                      </a:solidFill>
+                    </a:lnL>
+                    <a:lnR w="12240">
+                      <a:solidFill>
+                        <a:srgbClr val="000000"/>
+                      </a:solidFill>
+                    </a:lnR>
+                    <a:lnT w="12240">
+                      <a:solidFill>
+                        <a:srgbClr val="000000"/>
+                      </a:solidFill>
+                    </a:lnT>
+                    <a:lnB w="12240">
+                      <a:solidFill>
+                        <a:srgbClr val="000000"/>
+                      </a:solidFill>
+                    </a:lnB>
+                    <a:noFill/>
+                  </a:tcPr>
+                </a:tc>
+                <a:extLst>
+                  <a:ext uri="{0D108BD9-81ED-4DB2-BD59-A6C34878D82A}">
+                    <a16:rowId xmlns:a16="http://schemas.microsoft.com/office/drawing/2014/main" val="10011"/>
+                  </a:ext>
+                </a:extLst>
+              </a:tr>
+            </a:tbl>
+          </a:graphicData>
+        </a:graphic>
+      </p:graphicFrame>
+      <p:sp>
+        <p:nvSpPr>
+          <p:cNvPr id="5" name="Textfeld 4">
+            <a:extLst>
+              <a:ext uri="{FF2B5EF4-FFF2-40B4-BE49-F238E27FC236}">
+                <a16:creationId xmlns:a16="http://schemas.microsoft.com/office/drawing/2014/main" id="{42F95E1C-DE9A-4BD2-A0F6-022575F71AF6}"/>
+              </a:ext>
+            </a:extLst>
+          </p:cNvPr>
+          <p:cNvSpPr txBox="1"/>
+          <p:nvPr/>
+        </p:nvSpPr>
+        <p:spPr>
+          <a:xfrm>
+            <a:off x="1008120" y="474785"/>
+            <a:ext cx="1199367" cy="369332"/>
+          </a:xfrm>
+          <a:prstGeom prst="rect">
+            <a:avLst/>
+          </a:prstGeom>
+          <a:noFill/>
+        </p:spPr>
+        <p:txBody>
+          <a:bodyPr wrap="none" rtlCol="0">
+            <a:spAutoFit/>
+          </a:bodyPr>
+          <a:lstStyle/>
+          <a:p>
+            <a:r>
+              <a:rPr lang="de-DE" dirty="0"/>
+              <a:t>Use Case 4</a:t>
+            </a:r>
+          </a:p>
+        </p:txBody>
+      </p:sp>
+    </p:spTree>
+    <p:extLst>
+      <p:ext uri="{BB962C8B-B14F-4D97-AF65-F5344CB8AC3E}">
+        <p14:creationId xmlns:p14="http://schemas.microsoft.com/office/powerpoint/2010/main" val="2607295900"/>
       </p:ext>
     </p:extLst>
   </p:cSld>
@@ -7710,2718 +8781,7 @@
           <p:nvPr>
             <p:extLst>
               <p:ext uri="{D42A27DB-BD31-4B8C-83A1-F6EECF244321}">
-                <p14:modId xmlns:p14="http://schemas.microsoft.com/office/powerpoint/2010/main" val="2750727754"/>
-              </p:ext>
-            </p:extLst>
-          </p:nvPr>
-        </p:nvGraphicFramePr>
-        <p:xfrm>
-          <a:off x="1008120" y="972432"/>
-          <a:ext cx="10175760" cy="5534928"/>
-        </p:xfrm>
-        <a:graphic>
-          <a:graphicData uri="http://schemas.openxmlformats.org/drawingml/2006/table">
-            <a:tbl>
-              <a:tblPr/>
-              <a:tblGrid>
-                <a:gridCol w="2922042">
-                  <a:extLst>
-                    <a:ext uri="{9D8B030D-6E8A-4147-A177-3AD203B41FA5}">
-                      <a16:colId xmlns:a16="http://schemas.microsoft.com/office/drawing/2014/main" val="20000"/>
-                    </a:ext>
-                  </a:extLst>
-                </a:gridCol>
-                <a:gridCol w="7253718">
-                  <a:extLst>
-                    <a:ext uri="{9D8B030D-6E8A-4147-A177-3AD203B41FA5}">
-                      <a16:colId xmlns:a16="http://schemas.microsoft.com/office/drawing/2014/main" val="20001"/>
-                    </a:ext>
-                  </a:extLst>
-                </a:gridCol>
-              </a:tblGrid>
-              <a:tr h="329184">
-                <a:tc>
-                  <a:txBody>
-                    <a:bodyPr/>
-                    <a:lstStyle/>
-                    <a:p>
-                      <a:pPr>
-                        <a:lnSpc>
-                          <a:spcPct val="100000"/>
-                        </a:lnSpc>
-                      </a:pPr>
-                      <a:r>
-                        <a:rPr lang="de-DE" sz="1400" b="1" strike="noStrike" spc="-1">
-                          <a:solidFill>
-                            <a:srgbClr val="000000"/>
-                          </a:solidFill>
-                          <a:latin typeface="Arial"/>
-                        </a:rPr>
-                        <a:t>Geschäftsprozess, Funktion</a:t>
-                      </a:r>
-                      <a:endParaRPr lang="de-DE" sz="1400" b="0" strike="noStrike" spc="-1">
-                        <a:latin typeface="Arial"/>
-                      </a:endParaRPr>
-                    </a:p>
-                  </a:txBody>
-                  <a:tcPr marL="52704" marR="52704" marT="54864" marB="54864">
-                    <a:lnL w="12240">
-                      <a:solidFill>
-                        <a:srgbClr val="000000"/>
-                      </a:solidFill>
-                    </a:lnL>
-                    <a:lnR w="12240">
-                      <a:solidFill>
-                        <a:srgbClr val="000000"/>
-                      </a:solidFill>
-                    </a:lnR>
-                    <a:lnT w="12240">
-                      <a:solidFill>
-                        <a:srgbClr val="000000"/>
-                      </a:solidFill>
-                    </a:lnT>
-                    <a:lnB w="12240">
-                      <a:solidFill>
-                        <a:srgbClr val="000000"/>
-                      </a:solidFill>
-                    </a:lnB>
-                    <a:noFill/>
-                  </a:tcPr>
-                </a:tc>
-                <a:tc>
-                  <a:txBody>
-                    <a:bodyPr/>
-                    <a:lstStyle/>
-                    <a:p>
-                      <a:pPr>
-                        <a:lnSpc>
-                          <a:spcPct val="100000"/>
-                        </a:lnSpc>
-                      </a:pPr>
-                      <a:r>
-                        <a:rPr lang="de-DE" sz="1400" b="0" strike="noStrike" spc="-1" dirty="0">
-                          <a:latin typeface="Arial"/>
-                        </a:rPr>
-                        <a:t>Spieler bewegen</a:t>
-                      </a:r>
-                    </a:p>
-                  </a:txBody>
-                  <a:tcPr marL="52704" marR="52704" marT="54864" marB="54864">
-                    <a:lnL w="12240">
-                      <a:solidFill>
-                        <a:srgbClr val="000000"/>
-                      </a:solidFill>
-                    </a:lnL>
-                    <a:lnR w="12240">
-                      <a:solidFill>
-                        <a:srgbClr val="000000"/>
-                      </a:solidFill>
-                    </a:lnR>
-                    <a:lnT w="12240">
-                      <a:solidFill>
-                        <a:srgbClr val="000000"/>
-                      </a:solidFill>
-                    </a:lnT>
-                    <a:lnB w="12240">
-                      <a:solidFill>
-                        <a:srgbClr val="000000"/>
-                      </a:solidFill>
-                    </a:lnB>
-                    <a:noFill/>
-                  </a:tcPr>
-                </a:tc>
-                <a:extLst>
-                  <a:ext uri="{0D108BD9-81ED-4DB2-BD59-A6C34878D82A}">
-                    <a16:rowId xmlns:a16="http://schemas.microsoft.com/office/drawing/2014/main" val="10000"/>
-                  </a:ext>
-                </a:extLst>
-              </a:tr>
-              <a:tr h="329184">
-                <a:tc>
-                  <a:txBody>
-                    <a:bodyPr/>
-                    <a:lstStyle/>
-                    <a:p>
-                      <a:pPr>
-                        <a:lnSpc>
-                          <a:spcPct val="100000"/>
-                        </a:lnSpc>
-                      </a:pPr>
-                      <a:r>
-                        <a:rPr lang="de-DE" sz="1400" b="1" strike="noStrike" spc="-1" dirty="0">
-                          <a:solidFill>
-                            <a:srgbClr val="000000"/>
-                          </a:solidFill>
-                          <a:latin typeface="Arial"/>
-                        </a:rPr>
-                        <a:t>Ziel, Ergebnisse</a:t>
-                      </a:r>
-                      <a:endParaRPr lang="de-DE" sz="1400" b="0" strike="noStrike" spc="-1" dirty="0">
-                        <a:latin typeface="Arial"/>
-                      </a:endParaRPr>
-                    </a:p>
-                  </a:txBody>
-                  <a:tcPr marL="52704" marR="52704" marT="54864" marB="54864">
-                    <a:lnL w="12240">
-                      <a:solidFill>
-                        <a:srgbClr val="000000"/>
-                      </a:solidFill>
-                    </a:lnL>
-                    <a:lnR w="12240">
-                      <a:solidFill>
-                        <a:srgbClr val="000000"/>
-                      </a:solidFill>
-                    </a:lnR>
-                    <a:lnT w="12240">
-                      <a:solidFill>
-                        <a:srgbClr val="000000"/>
-                      </a:solidFill>
-                    </a:lnT>
-                    <a:lnB w="12240">
-                      <a:solidFill>
-                        <a:srgbClr val="000000"/>
-                      </a:solidFill>
-                    </a:lnB>
-                    <a:noFill/>
-                  </a:tcPr>
-                </a:tc>
-                <a:tc>
-                  <a:txBody>
-                    <a:bodyPr/>
-                    <a:lstStyle/>
-                    <a:p>
-                      <a:pPr>
-                        <a:lnSpc>
-                          <a:spcPct val="100000"/>
-                        </a:lnSpc>
-                      </a:pPr>
-                      <a:r>
-                        <a:rPr lang="de-DE" sz="1400" b="0" strike="noStrike" spc="-1" dirty="0">
-                          <a:latin typeface="Arial"/>
-                        </a:rPr>
-                        <a:t>Spieler wird um Anzahl gewürfelter Augen bewegt</a:t>
-                      </a:r>
-                    </a:p>
-                  </a:txBody>
-                  <a:tcPr marL="52704" marR="52704" marT="54864" marB="54864">
-                    <a:lnL w="12240">
-                      <a:solidFill>
-                        <a:srgbClr val="000000"/>
-                      </a:solidFill>
-                    </a:lnL>
-                    <a:lnR w="12240">
-                      <a:solidFill>
-                        <a:srgbClr val="000000"/>
-                      </a:solidFill>
-                    </a:lnR>
-                    <a:lnT w="12240">
-                      <a:solidFill>
-                        <a:srgbClr val="000000"/>
-                      </a:solidFill>
-                    </a:lnT>
-                    <a:lnB w="12240">
-                      <a:solidFill>
-                        <a:srgbClr val="000000"/>
-                      </a:solidFill>
-                    </a:lnB>
-                    <a:noFill/>
-                  </a:tcPr>
-                </a:tc>
-                <a:extLst>
-                  <a:ext uri="{0D108BD9-81ED-4DB2-BD59-A6C34878D82A}">
-                    <a16:rowId xmlns:a16="http://schemas.microsoft.com/office/drawing/2014/main" val="10001"/>
-                  </a:ext>
-                </a:extLst>
-              </a:tr>
-              <a:tr h="548640">
-                <a:tc>
-                  <a:txBody>
-                    <a:bodyPr/>
-                    <a:lstStyle/>
-                    <a:p>
-                      <a:pPr>
-                        <a:lnSpc>
-                          <a:spcPct val="100000"/>
-                        </a:lnSpc>
-                      </a:pPr>
-                      <a:r>
-                        <a:rPr lang="de-DE" sz="1400" b="1" strike="noStrike" spc="-1" dirty="0">
-                          <a:solidFill>
-                            <a:srgbClr val="000000"/>
-                          </a:solidFill>
-                          <a:latin typeface="Arial"/>
-                        </a:rPr>
-                        <a:t>Akteure</a:t>
-                      </a:r>
-                      <a:endParaRPr lang="de-DE" sz="1400" b="0" strike="noStrike" spc="-1" dirty="0">
-                        <a:latin typeface="Arial"/>
-                      </a:endParaRPr>
-                    </a:p>
-                  </a:txBody>
-                  <a:tcPr marL="52704" marR="52704" marT="54864" marB="54864">
-                    <a:lnL w="12240">
-                      <a:solidFill>
-                        <a:srgbClr val="000000"/>
-                      </a:solidFill>
-                    </a:lnL>
-                    <a:lnR w="12240">
-                      <a:solidFill>
-                        <a:srgbClr val="000000"/>
-                      </a:solidFill>
-                    </a:lnR>
-                    <a:lnT w="12240">
-                      <a:solidFill>
-                        <a:srgbClr val="000000"/>
-                      </a:solidFill>
-                    </a:lnT>
-                    <a:lnB w="12240">
-                      <a:solidFill>
-                        <a:srgbClr val="000000"/>
-                      </a:solidFill>
-                    </a:lnB>
-                    <a:noFill/>
-                  </a:tcPr>
-                </a:tc>
-                <a:tc>
-                  <a:txBody>
-                    <a:bodyPr/>
-                    <a:lstStyle/>
-                    <a:p>
-                      <a:pPr>
-                        <a:lnSpc>
-                          <a:spcPct val="100000"/>
-                        </a:lnSpc>
-                      </a:pPr>
-                      <a:r>
-                        <a:rPr lang="de-DE" sz="1400" b="0" strike="noStrike" spc="-1" dirty="0">
-                          <a:latin typeface="Arial"/>
-                        </a:rPr>
-                        <a:t>1 Spieler</a:t>
-                      </a:r>
-                    </a:p>
-                  </a:txBody>
-                  <a:tcPr marL="52704" marR="52704" marT="54864" marB="54864">
-                    <a:lnL w="12240">
-                      <a:solidFill>
-                        <a:srgbClr val="000000"/>
-                      </a:solidFill>
-                    </a:lnL>
-                    <a:lnR w="12240">
-                      <a:solidFill>
-                        <a:srgbClr val="000000"/>
-                      </a:solidFill>
-                    </a:lnR>
-                    <a:lnT w="12240">
-                      <a:solidFill>
-                        <a:srgbClr val="000000"/>
-                      </a:solidFill>
-                    </a:lnT>
-                    <a:lnB w="12240">
-                      <a:solidFill>
-                        <a:srgbClr val="000000"/>
-                      </a:solidFill>
-                    </a:lnB>
-                    <a:noFill/>
-                  </a:tcPr>
-                </a:tc>
-                <a:extLst>
-                  <a:ext uri="{0D108BD9-81ED-4DB2-BD59-A6C34878D82A}">
-                    <a16:rowId xmlns:a16="http://schemas.microsoft.com/office/drawing/2014/main" val="10002"/>
-                  </a:ext>
-                </a:extLst>
-              </a:tr>
-              <a:tr h="329184">
-                <a:tc>
-                  <a:txBody>
-                    <a:bodyPr/>
-                    <a:lstStyle/>
-                    <a:p>
-                      <a:pPr>
-                        <a:lnSpc>
-                          <a:spcPct val="100000"/>
-                        </a:lnSpc>
-                      </a:pPr>
-                      <a:r>
-                        <a:rPr lang="de-DE" sz="1400" b="1" strike="noStrike" spc="-1" dirty="0">
-                          <a:solidFill>
-                            <a:srgbClr val="000000"/>
-                          </a:solidFill>
-                          <a:latin typeface="Arial"/>
-                        </a:rPr>
-                        <a:t>Vorbedingungen</a:t>
-                      </a:r>
-                      <a:endParaRPr lang="de-DE" sz="1400" b="0" strike="noStrike" spc="-1" dirty="0">
-                        <a:latin typeface="Arial"/>
-                      </a:endParaRPr>
-                    </a:p>
-                  </a:txBody>
-                  <a:tcPr marL="52704" marR="52704" marT="54864" marB="54864">
-                    <a:lnL w="12240">
-                      <a:solidFill>
-                        <a:srgbClr val="000000"/>
-                      </a:solidFill>
-                    </a:lnL>
-                    <a:lnR w="12240">
-                      <a:solidFill>
-                        <a:srgbClr val="000000"/>
-                      </a:solidFill>
-                    </a:lnR>
-                    <a:lnT w="12240">
-                      <a:solidFill>
-                        <a:srgbClr val="000000"/>
-                      </a:solidFill>
-                    </a:lnT>
-                    <a:lnB w="12240">
-                      <a:solidFill>
-                        <a:srgbClr val="000000"/>
-                      </a:solidFill>
-                    </a:lnB>
-                    <a:noFill/>
-                  </a:tcPr>
-                </a:tc>
-                <a:tc>
-                  <a:txBody>
-                    <a:bodyPr/>
-                    <a:lstStyle/>
-                    <a:p>
-                      <a:pPr>
-                        <a:lnSpc>
-                          <a:spcPct val="100000"/>
-                        </a:lnSpc>
-                      </a:pPr>
-                      <a:r>
-                        <a:rPr lang="de-DE" sz="1400" b="0" strike="noStrike" spc="-1" dirty="0">
-                          <a:latin typeface="Arial"/>
-                        </a:rPr>
-                        <a:t>Spieler ist an der Reihe</a:t>
-                      </a:r>
-                    </a:p>
-                  </a:txBody>
-                  <a:tcPr marL="52704" marR="52704" marT="54864" marB="54864">
-                    <a:lnL w="12240">
-                      <a:solidFill>
-                        <a:srgbClr val="000000"/>
-                      </a:solidFill>
-                    </a:lnL>
-                    <a:lnR w="12240">
-                      <a:solidFill>
-                        <a:srgbClr val="000000"/>
-                      </a:solidFill>
-                    </a:lnR>
-                    <a:lnT w="12240">
-                      <a:solidFill>
-                        <a:srgbClr val="000000"/>
-                      </a:solidFill>
-                    </a:lnT>
-                    <a:lnB w="12240">
-                      <a:solidFill>
-                        <a:srgbClr val="000000"/>
-                      </a:solidFill>
-                    </a:lnB>
-                    <a:noFill/>
-                  </a:tcPr>
-                </a:tc>
-                <a:extLst>
-                  <a:ext uri="{0D108BD9-81ED-4DB2-BD59-A6C34878D82A}">
-                    <a16:rowId xmlns:a16="http://schemas.microsoft.com/office/drawing/2014/main" val="10003"/>
-                  </a:ext>
-                </a:extLst>
-              </a:tr>
-              <a:tr h="329184">
-                <a:tc>
-                  <a:txBody>
-                    <a:bodyPr/>
-                    <a:lstStyle/>
-                    <a:p>
-                      <a:pPr>
-                        <a:lnSpc>
-                          <a:spcPct val="100000"/>
-                        </a:lnSpc>
-                      </a:pPr>
-                      <a:r>
-                        <a:rPr lang="de-DE" sz="1400" b="1" strike="noStrike" spc="-1" dirty="0">
-                          <a:solidFill>
-                            <a:srgbClr val="000000"/>
-                          </a:solidFill>
-                          <a:latin typeface="Arial"/>
-                        </a:rPr>
-                        <a:t>Auslösendes Ereignis</a:t>
-                      </a:r>
-                      <a:endParaRPr lang="de-DE" sz="1400" b="0" strike="noStrike" spc="-1" dirty="0">
-                        <a:latin typeface="Arial"/>
-                      </a:endParaRPr>
-                    </a:p>
-                  </a:txBody>
-                  <a:tcPr marL="52704" marR="52704" marT="54864" marB="54864">
-                    <a:lnL w="12240">
-                      <a:solidFill>
-                        <a:srgbClr val="000000"/>
-                      </a:solidFill>
-                    </a:lnL>
-                    <a:lnR w="12240">
-                      <a:solidFill>
-                        <a:srgbClr val="000000"/>
-                      </a:solidFill>
-                    </a:lnR>
-                    <a:lnT w="12240">
-                      <a:solidFill>
-                        <a:srgbClr val="000000"/>
-                      </a:solidFill>
-                    </a:lnT>
-                    <a:lnB w="12240">
-                      <a:solidFill>
-                        <a:srgbClr val="000000"/>
-                      </a:solidFill>
-                    </a:lnB>
-                    <a:noFill/>
-                  </a:tcPr>
-                </a:tc>
-                <a:tc>
-                  <a:txBody>
-                    <a:bodyPr/>
-                    <a:lstStyle/>
-                    <a:p>
-                      <a:pPr marL="0" marR="0" lvl="0" indent="0" algn="l" defTabSz="914400" rtl="0" eaLnBrk="1" fontAlgn="auto" latinLnBrk="0" hangingPunct="1">
-                        <a:lnSpc>
-                          <a:spcPct val="100000"/>
-                        </a:lnSpc>
-                        <a:spcBef>
-                          <a:spcPts val="0"/>
-                        </a:spcBef>
-                        <a:spcAft>
-                          <a:spcPts val="0"/>
-                        </a:spcAft>
-                        <a:buClrTx/>
-                        <a:buSzTx/>
-                        <a:buFontTx/>
-                        <a:buNone/>
-                        <a:tabLst/>
-                        <a:defRPr/>
-                      </a:pPr>
-                      <a:r>
-                        <a:rPr lang="de-DE" sz="1400" b="0" strike="noStrike" spc="-1" dirty="0">
-                          <a:latin typeface="Arial"/>
-                        </a:rPr>
-                        <a:t>Spieler hat gewürfelt</a:t>
-                      </a:r>
-                    </a:p>
-                  </a:txBody>
-                  <a:tcPr marL="52704" marR="52704" marT="54864" marB="54864">
-                    <a:lnL w="12240">
-                      <a:solidFill>
-                        <a:srgbClr val="000000"/>
-                      </a:solidFill>
-                    </a:lnL>
-                    <a:lnR w="12240">
-                      <a:solidFill>
-                        <a:srgbClr val="000000"/>
-                      </a:solidFill>
-                    </a:lnR>
-                    <a:lnT w="12240">
-                      <a:solidFill>
-                        <a:srgbClr val="000000"/>
-                      </a:solidFill>
-                    </a:lnT>
-                    <a:lnB w="12240">
-                      <a:solidFill>
-                        <a:srgbClr val="000000"/>
-                      </a:solidFill>
-                    </a:lnB>
-                    <a:noFill/>
-                  </a:tcPr>
-                </a:tc>
-                <a:extLst>
-                  <a:ext uri="{0D108BD9-81ED-4DB2-BD59-A6C34878D82A}">
-                    <a16:rowId xmlns:a16="http://schemas.microsoft.com/office/drawing/2014/main" val="10004"/>
-                  </a:ext>
-                </a:extLst>
-              </a:tr>
-              <a:tr h="548640">
-                <a:tc>
-                  <a:txBody>
-                    <a:bodyPr/>
-                    <a:lstStyle/>
-                    <a:p>
-                      <a:pPr>
-                        <a:lnSpc>
-                          <a:spcPct val="100000"/>
-                        </a:lnSpc>
-                      </a:pPr>
-                      <a:r>
-                        <a:rPr lang="de-DE" sz="1400" b="1" strike="noStrike" spc="-1" dirty="0">
-                          <a:solidFill>
-                            <a:srgbClr val="000000"/>
-                          </a:solidFill>
-                          <a:latin typeface="Arial"/>
-                        </a:rPr>
-                        <a:t>Nachbedingung bei Erfolg</a:t>
-                      </a:r>
-                      <a:endParaRPr lang="de-DE" sz="1400" b="0" strike="noStrike" spc="-1" dirty="0">
-                        <a:latin typeface="Arial"/>
-                      </a:endParaRPr>
-                    </a:p>
-                  </a:txBody>
-                  <a:tcPr marL="52704" marR="52704" marT="54864" marB="54864">
-                    <a:lnL w="12240">
-                      <a:solidFill>
-                        <a:srgbClr val="000000"/>
-                      </a:solidFill>
-                    </a:lnL>
-                    <a:lnR w="12240">
-                      <a:solidFill>
-                        <a:srgbClr val="000000"/>
-                      </a:solidFill>
-                    </a:lnR>
-                    <a:lnT w="12240">
-                      <a:solidFill>
-                        <a:srgbClr val="000000"/>
-                      </a:solidFill>
-                    </a:lnT>
-                    <a:lnB w="12240">
-                      <a:solidFill>
-                        <a:srgbClr val="000000"/>
-                      </a:solidFill>
-                    </a:lnB>
-                    <a:noFill/>
-                  </a:tcPr>
-                </a:tc>
-                <a:tc>
-                  <a:txBody>
-                    <a:bodyPr/>
-                    <a:lstStyle/>
-                    <a:p>
-                      <a:pPr>
-                        <a:lnSpc>
-                          <a:spcPct val="100000"/>
-                        </a:lnSpc>
-                      </a:pPr>
-                      <a:r>
-                        <a:rPr lang="de-DE" sz="1400" b="0" strike="noStrike" spc="-1" dirty="0">
-                          <a:latin typeface="Arial"/>
-                        </a:rPr>
-                        <a:t>Nächster Spieler ist an der Reihe</a:t>
-                      </a:r>
-                    </a:p>
-                  </a:txBody>
-                  <a:tcPr marL="52704" marR="52704" marT="54864" marB="54864">
-                    <a:lnL w="12240">
-                      <a:solidFill>
-                        <a:srgbClr val="000000"/>
-                      </a:solidFill>
-                    </a:lnL>
-                    <a:lnR w="12240">
-                      <a:solidFill>
-                        <a:srgbClr val="000000"/>
-                      </a:solidFill>
-                    </a:lnR>
-                    <a:lnT w="12240">
-                      <a:solidFill>
-                        <a:srgbClr val="000000"/>
-                      </a:solidFill>
-                    </a:lnT>
-                    <a:lnB w="12240">
-                      <a:solidFill>
-                        <a:srgbClr val="000000"/>
-                      </a:solidFill>
-                    </a:lnB>
-                    <a:noFill/>
-                  </a:tcPr>
-                </a:tc>
-                <a:extLst>
-                  <a:ext uri="{0D108BD9-81ED-4DB2-BD59-A6C34878D82A}">
-                    <a16:rowId xmlns:a16="http://schemas.microsoft.com/office/drawing/2014/main" val="10005"/>
-                  </a:ext>
-                </a:extLst>
-              </a:tr>
-              <a:tr h="329184">
-                <a:tc>
-                  <a:txBody>
-                    <a:bodyPr/>
-                    <a:lstStyle/>
-                    <a:p>
-                      <a:pPr>
-                        <a:lnSpc>
-                          <a:spcPct val="100000"/>
-                        </a:lnSpc>
-                      </a:pPr>
-                      <a:r>
-                        <a:rPr lang="de-DE" sz="1400" b="1" strike="noStrike" spc="-1" dirty="0">
-                          <a:solidFill>
-                            <a:srgbClr val="000000"/>
-                          </a:solidFill>
-                          <a:latin typeface="Arial"/>
-                        </a:rPr>
-                        <a:t>Nachbedingung bei Fehlschlag</a:t>
-                      </a:r>
-                      <a:endParaRPr lang="de-DE" sz="1400" b="0" strike="noStrike" spc="-1" dirty="0">
-                        <a:latin typeface="Arial"/>
-                      </a:endParaRPr>
-                    </a:p>
-                  </a:txBody>
-                  <a:tcPr marL="52704" marR="52704" marT="54864" marB="54864">
-                    <a:lnL w="12240">
-                      <a:solidFill>
-                        <a:srgbClr val="000000"/>
-                      </a:solidFill>
-                    </a:lnL>
-                    <a:lnR w="12240">
-                      <a:solidFill>
-                        <a:srgbClr val="000000"/>
-                      </a:solidFill>
-                    </a:lnR>
-                    <a:lnT w="12240">
-                      <a:solidFill>
-                        <a:srgbClr val="000000"/>
-                      </a:solidFill>
-                    </a:lnT>
-                    <a:lnB w="12240">
-                      <a:solidFill>
-                        <a:srgbClr val="000000"/>
-                      </a:solidFill>
-                    </a:lnB>
-                    <a:noFill/>
-                  </a:tcPr>
-                </a:tc>
-                <a:tc>
-                  <a:txBody>
-                    <a:bodyPr/>
-                    <a:lstStyle/>
-                    <a:p>
-                      <a:pPr>
-                        <a:lnSpc>
-                          <a:spcPct val="100000"/>
-                        </a:lnSpc>
-                      </a:pPr>
-                      <a:r>
-                        <a:rPr lang="de-DE" sz="1400" b="0" strike="noStrike" spc="-1" dirty="0">
-                          <a:latin typeface="Arial"/>
-                        </a:rPr>
-                        <a:t>Spieler ist noch an der Reihe</a:t>
-                      </a:r>
-                    </a:p>
-                  </a:txBody>
-                  <a:tcPr marL="52704" marR="52704" marT="54864" marB="54864">
-                    <a:lnL w="12240">
-                      <a:solidFill>
-                        <a:srgbClr val="000000"/>
-                      </a:solidFill>
-                    </a:lnL>
-                    <a:lnR w="12240">
-                      <a:solidFill>
-                        <a:srgbClr val="000000"/>
-                      </a:solidFill>
-                    </a:lnR>
-                    <a:lnT w="12240">
-                      <a:solidFill>
-                        <a:srgbClr val="000000"/>
-                      </a:solidFill>
-                    </a:lnT>
-                    <a:lnB w="12240">
-                      <a:solidFill>
-                        <a:srgbClr val="000000"/>
-                      </a:solidFill>
-                    </a:lnB>
-                    <a:noFill/>
-                  </a:tcPr>
-                </a:tc>
-                <a:extLst>
-                  <a:ext uri="{0D108BD9-81ED-4DB2-BD59-A6C34878D82A}">
-                    <a16:rowId xmlns:a16="http://schemas.microsoft.com/office/drawing/2014/main" val="10006"/>
-                  </a:ext>
-                </a:extLst>
-              </a:tr>
-              <a:tr h="329184">
-                <a:tc>
-                  <a:txBody>
-                    <a:bodyPr/>
-                    <a:lstStyle/>
-                    <a:p>
-                      <a:pPr>
-                        <a:lnSpc>
-                          <a:spcPct val="100000"/>
-                        </a:lnSpc>
-                      </a:pPr>
-                      <a:r>
-                        <a:rPr lang="de-DE" sz="1400" b="1" strike="noStrike" spc="-1" dirty="0">
-                          <a:solidFill>
-                            <a:srgbClr val="000000"/>
-                          </a:solidFill>
-                          <a:latin typeface="Arial"/>
-                        </a:rPr>
-                        <a:t>Eingehende Daten</a:t>
-                      </a:r>
-                      <a:endParaRPr lang="de-DE" sz="1400" b="0" strike="noStrike" spc="-1" dirty="0">
-                        <a:latin typeface="Arial"/>
-                      </a:endParaRPr>
-                    </a:p>
-                  </a:txBody>
-                  <a:tcPr marL="52704" marR="52704" marT="54864" marB="54864">
-                    <a:lnL w="12240">
-                      <a:solidFill>
-                        <a:srgbClr val="000000"/>
-                      </a:solidFill>
-                    </a:lnL>
-                    <a:lnR w="12240">
-                      <a:solidFill>
-                        <a:srgbClr val="000000"/>
-                      </a:solidFill>
-                    </a:lnR>
-                    <a:lnT w="12240">
-                      <a:solidFill>
-                        <a:srgbClr val="000000"/>
-                      </a:solidFill>
-                    </a:lnT>
-                    <a:lnB w="12240">
-                      <a:solidFill>
-                        <a:srgbClr val="000000"/>
-                      </a:solidFill>
-                    </a:lnB>
-                    <a:noFill/>
-                  </a:tcPr>
-                </a:tc>
-                <a:tc>
-                  <a:txBody>
-                    <a:bodyPr/>
-                    <a:lstStyle/>
-                    <a:p>
-                      <a:pPr>
-                        <a:lnSpc>
-                          <a:spcPct val="100000"/>
-                        </a:lnSpc>
-                      </a:pPr>
-                      <a:r>
-                        <a:rPr lang="de-DE" sz="1400" b="0" strike="noStrike" spc="-1" dirty="0">
-                          <a:latin typeface="Arial"/>
-                        </a:rPr>
-                        <a:t>Übermittelte Summe Augenzahl, Positionen der Spielfiguren vor Zug</a:t>
-                      </a:r>
-                    </a:p>
-                  </a:txBody>
-                  <a:tcPr marL="52704" marR="52704" marT="54864" marB="54864">
-                    <a:lnL w="12240">
-                      <a:solidFill>
-                        <a:srgbClr val="000000"/>
-                      </a:solidFill>
-                    </a:lnL>
-                    <a:lnR w="12240">
-                      <a:solidFill>
-                        <a:srgbClr val="000000"/>
-                      </a:solidFill>
-                    </a:lnR>
-                    <a:lnT w="12240">
-                      <a:solidFill>
-                        <a:srgbClr val="000000"/>
-                      </a:solidFill>
-                    </a:lnT>
-                    <a:lnB w="12240">
-                      <a:solidFill>
-                        <a:srgbClr val="000000"/>
-                      </a:solidFill>
-                    </a:lnB>
-                    <a:noFill/>
-                  </a:tcPr>
-                </a:tc>
-                <a:extLst>
-                  <a:ext uri="{0D108BD9-81ED-4DB2-BD59-A6C34878D82A}">
-                    <a16:rowId xmlns:a16="http://schemas.microsoft.com/office/drawing/2014/main" val="10007"/>
-                  </a:ext>
-                </a:extLst>
-              </a:tr>
-              <a:tr h="548640">
-                <a:tc>
-                  <a:txBody>
-                    <a:bodyPr/>
-                    <a:lstStyle/>
-                    <a:p>
-                      <a:pPr>
-                        <a:lnSpc>
-                          <a:spcPct val="100000"/>
-                        </a:lnSpc>
-                      </a:pPr>
-                      <a:r>
-                        <a:rPr lang="de-DE" sz="1400" b="1" strike="noStrike" spc="-1" dirty="0">
-                          <a:solidFill>
-                            <a:srgbClr val="000000"/>
-                          </a:solidFill>
-                          <a:latin typeface="Arial"/>
-                        </a:rPr>
-                        <a:t>Ausgehende Daten</a:t>
-                      </a:r>
-                      <a:endParaRPr lang="de-DE" sz="1400" b="0" strike="noStrike" spc="-1" dirty="0">
-                        <a:latin typeface="Arial"/>
-                      </a:endParaRPr>
-                    </a:p>
-                  </a:txBody>
-                  <a:tcPr marL="52704" marR="52704" marT="54864" marB="54864">
-                    <a:lnL w="12240">
-                      <a:solidFill>
-                        <a:srgbClr val="000000"/>
-                      </a:solidFill>
-                    </a:lnL>
-                    <a:lnR w="12240">
-                      <a:solidFill>
-                        <a:srgbClr val="000000"/>
-                      </a:solidFill>
-                    </a:lnR>
-                    <a:lnT w="12240">
-                      <a:solidFill>
-                        <a:srgbClr val="000000"/>
-                      </a:solidFill>
-                    </a:lnT>
-                    <a:lnB w="12240">
-                      <a:solidFill>
-                        <a:srgbClr val="000000"/>
-                      </a:solidFill>
-                    </a:lnB>
-                    <a:noFill/>
-                  </a:tcPr>
-                </a:tc>
-                <a:tc>
-                  <a:txBody>
-                    <a:bodyPr/>
-                    <a:lstStyle/>
-                    <a:p>
-                      <a:pPr>
-                        <a:lnSpc>
-                          <a:spcPct val="100000"/>
-                        </a:lnSpc>
-                      </a:pPr>
-                      <a:r>
-                        <a:rPr lang="de-DE" sz="1400" b="0" strike="noStrike" spc="-1" dirty="0">
-                          <a:latin typeface="Arial"/>
-                        </a:rPr>
-                        <a:t>Positionen der Spielfigur nach Zug</a:t>
-                      </a:r>
-                    </a:p>
-                  </a:txBody>
-                  <a:tcPr marL="52704" marR="52704" marT="54864" marB="54864">
-                    <a:lnL w="12240">
-                      <a:solidFill>
-                        <a:srgbClr val="000000"/>
-                      </a:solidFill>
-                    </a:lnL>
-                    <a:lnR w="12240">
-                      <a:solidFill>
-                        <a:srgbClr val="000000"/>
-                      </a:solidFill>
-                    </a:lnR>
-                    <a:lnT w="12240">
-                      <a:solidFill>
-                        <a:srgbClr val="000000"/>
-                      </a:solidFill>
-                    </a:lnT>
-                    <a:lnB w="12240">
-                      <a:solidFill>
-                        <a:srgbClr val="000000"/>
-                      </a:solidFill>
-                    </a:lnB>
-                    <a:noFill/>
-                  </a:tcPr>
-                </a:tc>
-                <a:extLst>
-                  <a:ext uri="{0D108BD9-81ED-4DB2-BD59-A6C34878D82A}">
-                    <a16:rowId xmlns:a16="http://schemas.microsoft.com/office/drawing/2014/main" val="10008"/>
-                  </a:ext>
-                </a:extLst>
-              </a:tr>
-              <a:tr h="548640">
-                <a:tc>
-                  <a:txBody>
-                    <a:bodyPr/>
-                    <a:lstStyle/>
-                    <a:p>
-                      <a:pPr>
-                        <a:lnSpc>
-                          <a:spcPct val="100000"/>
-                        </a:lnSpc>
-                      </a:pPr>
-                      <a:r>
-                        <a:rPr lang="de-DE" sz="1400" b="1" strike="noStrike" spc="-1" dirty="0">
-                          <a:solidFill>
-                            <a:srgbClr val="000000"/>
-                          </a:solidFill>
-                          <a:latin typeface="Arial"/>
-                        </a:rPr>
-                        <a:t>Ablauf</a:t>
-                      </a:r>
-                      <a:endParaRPr lang="de-DE" sz="1400" b="0" strike="noStrike" spc="-1" dirty="0">
-                        <a:latin typeface="Arial"/>
-                      </a:endParaRPr>
-                    </a:p>
-                  </a:txBody>
-                  <a:tcPr marL="52704" marR="52704" marT="54864" marB="54864">
-                    <a:lnL w="12240">
-                      <a:solidFill>
-                        <a:srgbClr val="000000"/>
-                      </a:solidFill>
-                    </a:lnL>
-                    <a:lnR w="12240">
-                      <a:solidFill>
-                        <a:srgbClr val="000000"/>
-                      </a:solidFill>
-                    </a:lnR>
-                    <a:lnT w="12240">
-                      <a:solidFill>
-                        <a:srgbClr val="000000"/>
-                      </a:solidFill>
-                    </a:lnT>
-                    <a:lnB w="12240">
-                      <a:solidFill>
-                        <a:srgbClr val="000000"/>
-                      </a:solidFill>
-                    </a:lnB>
-                    <a:noFill/>
-                  </a:tcPr>
-                </a:tc>
-                <a:tc>
-                  <a:txBody>
-                    <a:bodyPr/>
-                    <a:lstStyle/>
-                    <a:p>
-                      <a:pPr marL="342900" indent="-342900">
-                        <a:lnSpc>
-                          <a:spcPct val="100000"/>
-                        </a:lnSpc>
-                        <a:buAutoNum type="arabicPeriod"/>
-                      </a:pPr>
-                      <a:r>
-                        <a:rPr lang="de-DE" sz="1400" b="0" strike="noStrike" spc="-1" dirty="0">
-                          <a:latin typeface="Arial"/>
-                        </a:rPr>
-                        <a:t>Überprüfung, ob ein Zug vorgenommen werden darf (steht min. 1 Spielfigur im Feld oder wurde mind. 6 gewürfelt?)</a:t>
-                      </a:r>
-                    </a:p>
-                    <a:p>
-                      <a:pPr marL="342900" indent="-342900">
-                        <a:lnSpc>
-                          <a:spcPct val="100000"/>
-                        </a:lnSpc>
-                        <a:buAutoNum type="arabicPeriod"/>
-                      </a:pPr>
-                      <a:r>
-                        <a:rPr lang="de-DE" sz="1400" b="0" strike="noStrike" spc="-1" dirty="0">
-                          <a:latin typeface="Arial"/>
-                        </a:rPr>
-                        <a:t>Nutzer wählt Figur aus, die bewegt werden soll</a:t>
-                      </a:r>
-                    </a:p>
-                    <a:p>
-                      <a:pPr marL="342900" indent="-342900">
-                        <a:lnSpc>
-                          <a:spcPct val="100000"/>
-                        </a:lnSpc>
-                        <a:buAutoNum type="arabicPeriod"/>
-                      </a:pPr>
-                      <a:r>
-                        <a:rPr lang="de-DE" sz="1400" b="0" strike="noStrike" spc="-1" dirty="0">
-                          <a:latin typeface="Arial"/>
-                        </a:rPr>
-                        <a:t>Bewegen der </a:t>
-                      </a:r>
-                      <a:r>
-                        <a:rPr lang="de-DE" sz="1400" b="0" strike="noStrike" spc="-1" dirty="0" err="1">
-                          <a:latin typeface="Arial"/>
-                        </a:rPr>
-                        <a:t>Figurposition</a:t>
-                      </a:r>
-                      <a:r>
-                        <a:rPr lang="de-DE" sz="1400" b="0" strike="noStrike" spc="-1" dirty="0">
-                          <a:latin typeface="Arial"/>
-                        </a:rPr>
-                        <a:t> um Summe Augenzahl im Uhrzeigersinn</a:t>
-                      </a:r>
-                    </a:p>
-                  </a:txBody>
-                  <a:tcPr marL="52704" marR="52704" marT="54864" marB="54864">
-                    <a:lnL w="12240">
-                      <a:solidFill>
-                        <a:srgbClr val="000000"/>
-                      </a:solidFill>
-                    </a:lnL>
-                    <a:lnR w="12240">
-                      <a:solidFill>
-                        <a:srgbClr val="000000"/>
-                      </a:solidFill>
-                    </a:lnR>
-                    <a:lnT w="12240">
-                      <a:solidFill>
-                        <a:srgbClr val="000000"/>
-                      </a:solidFill>
-                    </a:lnT>
-                    <a:lnB w="12240">
-                      <a:solidFill>
-                        <a:srgbClr val="000000"/>
-                      </a:solidFill>
-                    </a:lnB>
-                    <a:noFill/>
-                  </a:tcPr>
-                </a:tc>
-                <a:extLst>
-                  <a:ext uri="{0D108BD9-81ED-4DB2-BD59-A6C34878D82A}">
-                    <a16:rowId xmlns:a16="http://schemas.microsoft.com/office/drawing/2014/main" val="10009"/>
-                  </a:ext>
-                </a:extLst>
-              </a:tr>
-              <a:tr h="329184">
-                <a:tc>
-                  <a:txBody>
-                    <a:bodyPr/>
-                    <a:lstStyle/>
-                    <a:p>
-                      <a:pPr>
-                        <a:lnSpc>
-                          <a:spcPct val="100000"/>
-                        </a:lnSpc>
-                      </a:pPr>
-                      <a:r>
-                        <a:rPr lang="de-DE" sz="1400" b="1" strike="noStrike" spc="-1" dirty="0">
-                          <a:solidFill>
-                            <a:srgbClr val="000000"/>
-                          </a:solidFill>
-                          <a:latin typeface="Arial"/>
-                        </a:rPr>
-                        <a:t>Erweiterungen</a:t>
-                      </a:r>
-                      <a:endParaRPr lang="de-DE" sz="1400" b="0" strike="noStrike" spc="-1" dirty="0">
-                        <a:latin typeface="Arial"/>
-                      </a:endParaRPr>
-                    </a:p>
-                  </a:txBody>
-                  <a:tcPr marL="52704" marR="52704" marT="54864" marB="54864">
-                    <a:lnL w="12240">
-                      <a:solidFill>
-                        <a:srgbClr val="000000"/>
-                      </a:solidFill>
-                    </a:lnL>
-                    <a:lnR w="12240">
-                      <a:solidFill>
-                        <a:srgbClr val="000000"/>
-                      </a:solidFill>
-                    </a:lnR>
-                    <a:lnT w="12240">
-                      <a:solidFill>
-                        <a:srgbClr val="000000"/>
-                      </a:solidFill>
-                    </a:lnT>
-                    <a:lnB w="12240">
-                      <a:solidFill>
-                        <a:srgbClr val="000000"/>
-                      </a:solidFill>
-                    </a:lnB>
-                    <a:noFill/>
-                  </a:tcPr>
-                </a:tc>
-                <a:tc>
-                  <a:txBody>
-                    <a:bodyPr/>
-                    <a:lstStyle/>
-                    <a:p>
-                      <a:pPr>
-                        <a:lnSpc>
-                          <a:spcPct val="100000"/>
-                        </a:lnSpc>
-                      </a:pPr>
-                      <a:r>
-                        <a:rPr lang="de-DE" sz="1400" b="0" strike="noStrike" spc="-1" dirty="0">
-                          <a:latin typeface="Arial"/>
-                        </a:rPr>
-                        <a:t>3a. Es wird ein anderer Spieler gekickt: Aufruf </a:t>
-                      </a:r>
-                      <a:r>
-                        <a:rPr lang="de-DE" sz="1400" b="0" strike="noStrike" spc="-1" dirty="0" err="1">
-                          <a:latin typeface="Arial"/>
-                        </a:rPr>
-                        <a:t>Usecase</a:t>
-                      </a:r>
-                      <a:r>
-                        <a:rPr lang="de-DE" sz="1400" b="0" strike="noStrike" spc="-1" dirty="0">
-                          <a:latin typeface="Arial"/>
-                        </a:rPr>
-                        <a:t> „Spielfigur kicken“</a:t>
-                      </a:r>
-                    </a:p>
-                    <a:p>
-                      <a:pPr>
-                        <a:lnSpc>
-                          <a:spcPct val="100000"/>
-                        </a:lnSpc>
-                      </a:pPr>
-                      <a:r>
-                        <a:rPr lang="de-DE" sz="1400" b="0" strike="noStrike" spc="-1" dirty="0">
-                          <a:latin typeface="Arial"/>
-                        </a:rPr>
-                        <a:t>3b. Figur wird im Ziel hinterlassen: Aufruf </a:t>
-                      </a:r>
-                      <a:r>
-                        <a:rPr lang="de-DE" sz="1400" b="0" strike="noStrike" spc="-1" dirty="0" err="1">
-                          <a:latin typeface="Arial"/>
-                        </a:rPr>
-                        <a:t>Usecase</a:t>
-                      </a:r>
-                      <a:r>
-                        <a:rPr lang="de-DE" sz="1400" b="0" strike="noStrike" spc="-1" dirty="0">
-                          <a:latin typeface="Arial"/>
-                        </a:rPr>
-                        <a:t> „Spielende feststellen“</a:t>
-                      </a:r>
-                    </a:p>
-                  </a:txBody>
-                  <a:tcPr marL="52704" marR="52704" marT="54864" marB="54864">
-                    <a:lnL w="12240">
-                      <a:solidFill>
-                        <a:srgbClr val="000000"/>
-                      </a:solidFill>
-                    </a:lnL>
-                    <a:lnR w="12240">
-                      <a:solidFill>
-                        <a:srgbClr val="000000"/>
-                      </a:solidFill>
-                    </a:lnR>
-                    <a:lnT w="12240">
-                      <a:solidFill>
-                        <a:srgbClr val="000000"/>
-                      </a:solidFill>
-                    </a:lnT>
-                    <a:lnB w="12240">
-                      <a:solidFill>
-                        <a:srgbClr val="000000"/>
-                      </a:solidFill>
-                    </a:lnB>
-                    <a:noFill/>
-                  </a:tcPr>
-                </a:tc>
-                <a:extLst>
-                  <a:ext uri="{0D108BD9-81ED-4DB2-BD59-A6C34878D82A}">
-                    <a16:rowId xmlns:a16="http://schemas.microsoft.com/office/drawing/2014/main" val="10010"/>
-                  </a:ext>
-                </a:extLst>
-              </a:tr>
-              <a:tr h="414288">
-                <a:tc>
-                  <a:txBody>
-                    <a:bodyPr/>
-                    <a:lstStyle/>
-                    <a:p>
-                      <a:pPr>
-                        <a:lnSpc>
-                          <a:spcPct val="100000"/>
-                        </a:lnSpc>
-                      </a:pPr>
-                      <a:r>
-                        <a:rPr lang="de-DE" sz="1400" b="1" strike="noStrike" spc="-1" dirty="0">
-                          <a:solidFill>
-                            <a:srgbClr val="000000"/>
-                          </a:solidFill>
-                          <a:latin typeface="Arial"/>
-                        </a:rPr>
-                        <a:t>Alternativen</a:t>
-                      </a:r>
-                      <a:endParaRPr lang="de-DE" sz="1400" b="0" strike="noStrike" spc="-1" dirty="0">
-                        <a:latin typeface="Arial"/>
-                      </a:endParaRPr>
-                    </a:p>
-                  </a:txBody>
-                  <a:tcPr marL="52704" marR="52704" marT="54864" marB="54864">
-                    <a:lnL w="12240">
-                      <a:solidFill>
-                        <a:srgbClr val="000000"/>
-                      </a:solidFill>
-                    </a:lnL>
-                    <a:lnR w="12240">
-                      <a:solidFill>
-                        <a:srgbClr val="000000"/>
-                      </a:solidFill>
-                    </a:lnR>
-                    <a:lnT w="12240">
-                      <a:solidFill>
-                        <a:srgbClr val="000000"/>
-                      </a:solidFill>
-                    </a:lnT>
-                    <a:lnB w="12240">
-                      <a:solidFill>
-                        <a:srgbClr val="000000"/>
-                      </a:solidFill>
-                    </a:lnB>
-                    <a:noFill/>
-                  </a:tcPr>
-                </a:tc>
-                <a:tc>
-                  <a:txBody>
-                    <a:bodyPr/>
-                    <a:lstStyle/>
-                    <a:p>
-                      <a:pPr>
-                        <a:lnSpc>
-                          <a:spcPct val="100000"/>
-                        </a:lnSpc>
-                      </a:pPr>
-                      <a:r>
-                        <a:rPr lang="de-DE" sz="1400" b="0" strike="noStrike" spc="-1" dirty="0">
-                          <a:latin typeface="Arial"/>
-                        </a:rPr>
-                        <a:t>1a. Es darf kein Zug vorgenommen werden - Nächster Spieler ist an der Reihe.</a:t>
-                      </a:r>
-                    </a:p>
-                  </a:txBody>
-                  <a:tcPr marL="52704" marR="52704" marT="54864" marB="54864">
-                    <a:lnL w="12240">
-                      <a:solidFill>
-                        <a:srgbClr val="000000"/>
-                      </a:solidFill>
-                    </a:lnL>
-                    <a:lnR w="12240">
-                      <a:solidFill>
-                        <a:srgbClr val="000000"/>
-                      </a:solidFill>
-                    </a:lnR>
-                    <a:lnT w="12240">
-                      <a:solidFill>
-                        <a:srgbClr val="000000"/>
-                      </a:solidFill>
-                    </a:lnT>
-                    <a:lnB w="12240">
-                      <a:solidFill>
-                        <a:srgbClr val="000000"/>
-                      </a:solidFill>
-                    </a:lnB>
-                    <a:noFill/>
-                  </a:tcPr>
-                </a:tc>
-                <a:extLst>
-                  <a:ext uri="{0D108BD9-81ED-4DB2-BD59-A6C34878D82A}">
-                    <a16:rowId xmlns:a16="http://schemas.microsoft.com/office/drawing/2014/main" val="10011"/>
-                  </a:ext>
-                </a:extLst>
-              </a:tr>
-            </a:tbl>
-          </a:graphicData>
-        </a:graphic>
-      </p:graphicFrame>
-      <p:sp>
-        <p:nvSpPr>
-          <p:cNvPr id="5" name="Textfeld 4">
-            <a:extLst>
-              <a:ext uri="{FF2B5EF4-FFF2-40B4-BE49-F238E27FC236}">
-                <a16:creationId xmlns:a16="http://schemas.microsoft.com/office/drawing/2014/main" id="{42F95E1C-DE9A-4BD2-A0F6-022575F71AF6}"/>
-              </a:ext>
-            </a:extLst>
-          </p:cNvPr>
-          <p:cNvSpPr txBox="1"/>
-          <p:nvPr/>
-        </p:nvSpPr>
-        <p:spPr>
-          <a:xfrm>
-            <a:off x="1008120" y="474785"/>
-            <a:ext cx="1146468" cy="369332"/>
-          </a:xfrm>
-          <a:prstGeom prst="rect">
-            <a:avLst/>
-          </a:prstGeom>
-          <a:noFill/>
-        </p:spPr>
-        <p:txBody>
-          <a:bodyPr wrap="none" rtlCol="0">
-            <a:spAutoFit/>
-          </a:bodyPr>
-          <a:lstStyle/>
-          <a:p>
-            <a:r>
-              <a:rPr lang="de-DE" dirty="0" err="1"/>
-              <a:t>UseCase</a:t>
-            </a:r>
-            <a:r>
-              <a:rPr lang="de-DE" dirty="0"/>
-              <a:t> 3</a:t>
-            </a:r>
-          </a:p>
-        </p:txBody>
-      </p:sp>
-    </p:spTree>
-    <p:extLst>
-      <p:ext uri="{BB962C8B-B14F-4D97-AF65-F5344CB8AC3E}">
-        <p14:creationId xmlns:p14="http://schemas.microsoft.com/office/powerpoint/2010/main" val="2736073977"/>
-      </p:ext>
-    </p:extLst>
-  </p:cSld>
-  <p:clrMapOvr>
-    <a:masterClrMapping/>
-  </p:clrMapOvr>
-</p:sld>
-</file>
-
-<file path=ppt/slides/slide7.xml><?xml version="1.0" encoding="utf-8"?>
-<p:sld xmlns:a="http://schemas.openxmlformats.org/drawingml/2006/main" xmlns:r="http://schemas.openxmlformats.org/officeDocument/2006/relationships" xmlns:p="http://schemas.openxmlformats.org/presentationml/2006/main">
-  <p:cSld>
-    <p:spTree>
-      <p:nvGrpSpPr>
-        <p:cNvPr id="1" name=""/>
-        <p:cNvGrpSpPr/>
-        <p:nvPr/>
-      </p:nvGrpSpPr>
-      <p:grpSpPr>
-        <a:xfrm>
-          <a:off x="0" y="0"/>
-          <a:ext cx="0" cy="0"/>
-          <a:chOff x="0" y="0"/>
-          <a:chExt cx="0" cy="0"/>
-        </a:xfrm>
-      </p:grpSpPr>
-      <p:graphicFrame>
-        <p:nvGraphicFramePr>
-          <p:cNvPr id="4" name="Table 4">
-            <a:extLst>
-              <a:ext uri="{FF2B5EF4-FFF2-40B4-BE49-F238E27FC236}">
-                <a16:creationId xmlns:a16="http://schemas.microsoft.com/office/drawing/2014/main" id="{96AC8230-5D82-4D17-9E21-9D961D1109D8}"/>
-              </a:ext>
-            </a:extLst>
-          </p:cNvPr>
-          <p:cNvGraphicFramePr/>
-          <p:nvPr>
-            <p:extLst>
-              <p:ext uri="{D42A27DB-BD31-4B8C-83A1-F6EECF244321}">
-                <p14:modId xmlns:p14="http://schemas.microsoft.com/office/powerpoint/2010/main" val="1771562675"/>
-              </p:ext>
-            </p:extLst>
-          </p:nvPr>
-        </p:nvGraphicFramePr>
-        <p:xfrm>
-          <a:off x="1008120" y="972432"/>
-          <a:ext cx="10175760" cy="5321568"/>
-        </p:xfrm>
-        <a:graphic>
-          <a:graphicData uri="http://schemas.openxmlformats.org/drawingml/2006/table">
-            <a:tbl>
-              <a:tblPr/>
-              <a:tblGrid>
-                <a:gridCol w="2922042">
-                  <a:extLst>
-                    <a:ext uri="{9D8B030D-6E8A-4147-A177-3AD203B41FA5}">
-                      <a16:colId xmlns:a16="http://schemas.microsoft.com/office/drawing/2014/main" val="20000"/>
-                    </a:ext>
-                  </a:extLst>
-                </a:gridCol>
-                <a:gridCol w="7253718">
-                  <a:extLst>
-                    <a:ext uri="{9D8B030D-6E8A-4147-A177-3AD203B41FA5}">
-                      <a16:colId xmlns:a16="http://schemas.microsoft.com/office/drawing/2014/main" val="20001"/>
-                    </a:ext>
-                  </a:extLst>
-                </a:gridCol>
-              </a:tblGrid>
-              <a:tr h="329184">
-                <a:tc>
-                  <a:txBody>
-                    <a:bodyPr/>
-                    <a:lstStyle/>
-                    <a:p>
-                      <a:pPr>
-                        <a:lnSpc>
-                          <a:spcPct val="100000"/>
-                        </a:lnSpc>
-                      </a:pPr>
-                      <a:r>
-                        <a:rPr lang="de-DE" sz="1400" b="1" strike="noStrike" spc="-1">
-                          <a:solidFill>
-                            <a:srgbClr val="000000"/>
-                          </a:solidFill>
-                          <a:latin typeface="Arial"/>
-                        </a:rPr>
-                        <a:t>Geschäftsprozess, Funktion</a:t>
-                      </a:r>
-                      <a:endParaRPr lang="de-DE" sz="1400" b="0" strike="noStrike" spc="-1">
-                        <a:latin typeface="Arial"/>
-                      </a:endParaRPr>
-                    </a:p>
-                  </a:txBody>
-                  <a:tcPr marL="52704" marR="52704" marT="54864" marB="54864">
-                    <a:lnL w="12240">
-                      <a:solidFill>
-                        <a:srgbClr val="000000"/>
-                      </a:solidFill>
-                    </a:lnL>
-                    <a:lnR w="12240">
-                      <a:solidFill>
-                        <a:srgbClr val="000000"/>
-                      </a:solidFill>
-                    </a:lnR>
-                    <a:lnT w="12240">
-                      <a:solidFill>
-                        <a:srgbClr val="000000"/>
-                      </a:solidFill>
-                    </a:lnT>
-                    <a:lnB w="12240">
-                      <a:solidFill>
-                        <a:srgbClr val="000000"/>
-                      </a:solidFill>
-                    </a:lnB>
-                    <a:noFill/>
-                  </a:tcPr>
-                </a:tc>
-                <a:tc>
-                  <a:txBody>
-                    <a:bodyPr/>
-                    <a:lstStyle/>
-                    <a:p>
-                      <a:pPr>
-                        <a:lnSpc>
-                          <a:spcPct val="100000"/>
-                        </a:lnSpc>
-                      </a:pPr>
-                      <a:r>
-                        <a:rPr lang="de-DE" sz="1400" b="0" strike="noStrike" spc="-1" dirty="0">
-                          <a:latin typeface="Arial"/>
-                        </a:rPr>
-                        <a:t>Spieler kicken</a:t>
-                      </a:r>
-                    </a:p>
-                  </a:txBody>
-                  <a:tcPr marL="52704" marR="52704" marT="54864" marB="54864">
-                    <a:lnL w="12240">
-                      <a:solidFill>
-                        <a:srgbClr val="000000"/>
-                      </a:solidFill>
-                    </a:lnL>
-                    <a:lnR w="12240">
-                      <a:solidFill>
-                        <a:srgbClr val="000000"/>
-                      </a:solidFill>
-                    </a:lnR>
-                    <a:lnT w="12240">
-                      <a:solidFill>
-                        <a:srgbClr val="000000"/>
-                      </a:solidFill>
-                    </a:lnT>
-                    <a:lnB w="12240">
-                      <a:solidFill>
-                        <a:srgbClr val="000000"/>
-                      </a:solidFill>
-                    </a:lnB>
-                    <a:noFill/>
-                  </a:tcPr>
-                </a:tc>
-                <a:extLst>
-                  <a:ext uri="{0D108BD9-81ED-4DB2-BD59-A6C34878D82A}">
-                    <a16:rowId xmlns:a16="http://schemas.microsoft.com/office/drawing/2014/main" val="10000"/>
-                  </a:ext>
-                </a:extLst>
-              </a:tr>
-              <a:tr h="329184">
-                <a:tc>
-                  <a:txBody>
-                    <a:bodyPr/>
-                    <a:lstStyle/>
-                    <a:p>
-                      <a:pPr>
-                        <a:lnSpc>
-                          <a:spcPct val="100000"/>
-                        </a:lnSpc>
-                      </a:pPr>
-                      <a:r>
-                        <a:rPr lang="de-DE" sz="1400" b="1" strike="noStrike" spc="-1" dirty="0">
-                          <a:solidFill>
-                            <a:srgbClr val="000000"/>
-                          </a:solidFill>
-                          <a:latin typeface="Arial"/>
-                        </a:rPr>
-                        <a:t>Ziel, Ergebnisse</a:t>
-                      </a:r>
-                      <a:endParaRPr lang="de-DE" sz="1400" b="0" strike="noStrike" spc="-1" dirty="0">
-                        <a:latin typeface="Arial"/>
-                      </a:endParaRPr>
-                    </a:p>
-                  </a:txBody>
-                  <a:tcPr marL="52704" marR="52704" marT="54864" marB="54864">
-                    <a:lnL w="12240">
-                      <a:solidFill>
-                        <a:srgbClr val="000000"/>
-                      </a:solidFill>
-                    </a:lnL>
-                    <a:lnR w="12240">
-                      <a:solidFill>
-                        <a:srgbClr val="000000"/>
-                      </a:solidFill>
-                    </a:lnR>
-                    <a:lnT w="12240">
-                      <a:solidFill>
-                        <a:srgbClr val="000000"/>
-                      </a:solidFill>
-                    </a:lnT>
-                    <a:lnB w="12240">
-                      <a:solidFill>
-                        <a:srgbClr val="000000"/>
-                      </a:solidFill>
-                    </a:lnB>
-                    <a:noFill/>
-                  </a:tcPr>
-                </a:tc>
-                <a:tc>
-                  <a:txBody>
-                    <a:bodyPr/>
-                    <a:lstStyle/>
-                    <a:p>
-                      <a:pPr>
-                        <a:lnSpc>
-                          <a:spcPct val="100000"/>
-                        </a:lnSpc>
-                      </a:pPr>
-                      <a:r>
-                        <a:rPr lang="de-DE" sz="1400" b="0" strike="noStrike" spc="-1" dirty="0">
-                          <a:latin typeface="Arial"/>
-                        </a:rPr>
-                        <a:t>Gegnerische Figur auf ihr Startfeld zurücksetzen</a:t>
-                      </a:r>
-                    </a:p>
-                  </a:txBody>
-                  <a:tcPr marL="52704" marR="52704" marT="54864" marB="54864">
-                    <a:lnL w="12240">
-                      <a:solidFill>
-                        <a:srgbClr val="000000"/>
-                      </a:solidFill>
-                    </a:lnL>
-                    <a:lnR w="12240">
-                      <a:solidFill>
-                        <a:srgbClr val="000000"/>
-                      </a:solidFill>
-                    </a:lnR>
-                    <a:lnT w="12240">
-                      <a:solidFill>
-                        <a:srgbClr val="000000"/>
-                      </a:solidFill>
-                    </a:lnT>
-                    <a:lnB w="12240">
-                      <a:solidFill>
-                        <a:srgbClr val="000000"/>
-                      </a:solidFill>
-                    </a:lnB>
-                    <a:noFill/>
-                  </a:tcPr>
-                </a:tc>
-                <a:extLst>
-                  <a:ext uri="{0D108BD9-81ED-4DB2-BD59-A6C34878D82A}">
-                    <a16:rowId xmlns:a16="http://schemas.microsoft.com/office/drawing/2014/main" val="10001"/>
-                  </a:ext>
-                </a:extLst>
-              </a:tr>
-              <a:tr h="548640">
-                <a:tc>
-                  <a:txBody>
-                    <a:bodyPr/>
-                    <a:lstStyle/>
-                    <a:p>
-                      <a:pPr>
-                        <a:lnSpc>
-                          <a:spcPct val="100000"/>
-                        </a:lnSpc>
-                      </a:pPr>
-                      <a:r>
-                        <a:rPr lang="de-DE" sz="1400" b="1" strike="noStrike" spc="-1" dirty="0">
-                          <a:solidFill>
-                            <a:srgbClr val="000000"/>
-                          </a:solidFill>
-                          <a:latin typeface="Arial"/>
-                        </a:rPr>
-                        <a:t>Akteure</a:t>
-                      </a:r>
-                      <a:endParaRPr lang="de-DE" sz="1400" b="0" strike="noStrike" spc="-1" dirty="0">
-                        <a:latin typeface="Arial"/>
-                      </a:endParaRPr>
-                    </a:p>
-                  </a:txBody>
-                  <a:tcPr marL="52704" marR="52704" marT="54864" marB="54864">
-                    <a:lnL w="12240">
-                      <a:solidFill>
-                        <a:srgbClr val="000000"/>
-                      </a:solidFill>
-                    </a:lnL>
-                    <a:lnR w="12240">
-                      <a:solidFill>
-                        <a:srgbClr val="000000"/>
-                      </a:solidFill>
-                    </a:lnR>
-                    <a:lnT w="12240">
-                      <a:solidFill>
-                        <a:srgbClr val="000000"/>
-                      </a:solidFill>
-                    </a:lnT>
-                    <a:lnB w="12240">
-                      <a:solidFill>
-                        <a:srgbClr val="000000"/>
-                      </a:solidFill>
-                    </a:lnB>
-                    <a:noFill/>
-                  </a:tcPr>
-                </a:tc>
-                <a:tc>
-                  <a:txBody>
-                    <a:bodyPr/>
-                    <a:lstStyle/>
-                    <a:p>
-                      <a:pPr>
-                        <a:lnSpc>
-                          <a:spcPct val="100000"/>
-                        </a:lnSpc>
-                      </a:pPr>
-                      <a:r>
-                        <a:rPr lang="de-DE" sz="1400" b="0" strike="noStrike" spc="-1" dirty="0">
-                          <a:latin typeface="Arial"/>
-                        </a:rPr>
-                        <a:t>System</a:t>
-                      </a:r>
-                    </a:p>
-                  </a:txBody>
-                  <a:tcPr marL="52704" marR="52704" marT="54864" marB="54864">
-                    <a:lnL w="12240">
-                      <a:solidFill>
-                        <a:srgbClr val="000000"/>
-                      </a:solidFill>
-                    </a:lnL>
-                    <a:lnR w="12240">
-                      <a:solidFill>
-                        <a:srgbClr val="000000"/>
-                      </a:solidFill>
-                    </a:lnR>
-                    <a:lnT w="12240">
-                      <a:solidFill>
-                        <a:srgbClr val="000000"/>
-                      </a:solidFill>
-                    </a:lnT>
-                    <a:lnB w="12240">
-                      <a:solidFill>
-                        <a:srgbClr val="000000"/>
-                      </a:solidFill>
-                    </a:lnB>
-                    <a:noFill/>
-                  </a:tcPr>
-                </a:tc>
-                <a:extLst>
-                  <a:ext uri="{0D108BD9-81ED-4DB2-BD59-A6C34878D82A}">
-                    <a16:rowId xmlns:a16="http://schemas.microsoft.com/office/drawing/2014/main" val="10002"/>
-                  </a:ext>
-                </a:extLst>
-              </a:tr>
-              <a:tr h="329184">
-                <a:tc>
-                  <a:txBody>
-                    <a:bodyPr/>
-                    <a:lstStyle/>
-                    <a:p>
-                      <a:pPr>
-                        <a:lnSpc>
-                          <a:spcPct val="100000"/>
-                        </a:lnSpc>
-                      </a:pPr>
-                      <a:r>
-                        <a:rPr lang="de-DE" sz="1400" b="1" strike="noStrike" spc="-1" dirty="0">
-                          <a:solidFill>
-                            <a:srgbClr val="000000"/>
-                          </a:solidFill>
-                          <a:latin typeface="Arial"/>
-                        </a:rPr>
-                        <a:t>Vorbedingungen</a:t>
-                      </a:r>
-                      <a:endParaRPr lang="de-DE" sz="1400" b="0" strike="noStrike" spc="-1" dirty="0">
-                        <a:latin typeface="Arial"/>
-                      </a:endParaRPr>
-                    </a:p>
-                  </a:txBody>
-                  <a:tcPr marL="52704" marR="52704" marT="54864" marB="54864">
-                    <a:lnL w="12240">
-                      <a:solidFill>
-                        <a:srgbClr val="000000"/>
-                      </a:solidFill>
-                    </a:lnL>
-                    <a:lnR w="12240">
-                      <a:solidFill>
-                        <a:srgbClr val="000000"/>
-                      </a:solidFill>
-                    </a:lnR>
-                    <a:lnT w="12240">
-                      <a:solidFill>
-                        <a:srgbClr val="000000"/>
-                      </a:solidFill>
-                    </a:lnT>
-                    <a:lnB w="12240">
-                      <a:solidFill>
-                        <a:srgbClr val="000000"/>
-                      </a:solidFill>
-                    </a:lnB>
-                    <a:noFill/>
-                  </a:tcPr>
-                </a:tc>
-                <a:tc>
-                  <a:txBody>
-                    <a:bodyPr/>
-                    <a:lstStyle/>
-                    <a:p>
-                      <a:pPr>
-                        <a:lnSpc>
-                          <a:spcPct val="100000"/>
-                        </a:lnSpc>
-                      </a:pPr>
-                      <a:r>
-                        <a:rPr lang="de-DE" sz="1400" b="0" strike="noStrike" spc="-1" dirty="0">
-                          <a:latin typeface="Arial"/>
-                        </a:rPr>
-                        <a:t>Spiel läuft noch</a:t>
-                      </a:r>
-                    </a:p>
-                    <a:p>
-                      <a:pPr>
-                        <a:lnSpc>
-                          <a:spcPct val="100000"/>
-                        </a:lnSpc>
-                      </a:pPr>
-                      <a:r>
-                        <a:rPr lang="de-DE" sz="1400" b="0" strike="noStrike" spc="-1" dirty="0">
-                          <a:latin typeface="Arial"/>
-                        </a:rPr>
-                        <a:t>Spielfigur endet auf einem Feld, das bereits mit gegnerischer Figur besetzt ist</a:t>
-                      </a:r>
-                    </a:p>
-                  </a:txBody>
-                  <a:tcPr marL="52704" marR="52704" marT="54864" marB="54864">
-                    <a:lnL w="12240">
-                      <a:solidFill>
-                        <a:srgbClr val="000000"/>
-                      </a:solidFill>
-                    </a:lnL>
-                    <a:lnR w="12240">
-                      <a:solidFill>
-                        <a:srgbClr val="000000"/>
-                      </a:solidFill>
-                    </a:lnR>
-                    <a:lnT w="12240">
-                      <a:solidFill>
-                        <a:srgbClr val="000000"/>
-                      </a:solidFill>
-                    </a:lnT>
-                    <a:lnB w="12240">
-                      <a:solidFill>
-                        <a:srgbClr val="000000"/>
-                      </a:solidFill>
-                    </a:lnB>
-                    <a:noFill/>
-                  </a:tcPr>
-                </a:tc>
-                <a:extLst>
-                  <a:ext uri="{0D108BD9-81ED-4DB2-BD59-A6C34878D82A}">
-                    <a16:rowId xmlns:a16="http://schemas.microsoft.com/office/drawing/2014/main" val="10003"/>
-                  </a:ext>
-                </a:extLst>
-              </a:tr>
-              <a:tr h="329184">
-                <a:tc>
-                  <a:txBody>
-                    <a:bodyPr/>
-                    <a:lstStyle/>
-                    <a:p>
-                      <a:pPr>
-                        <a:lnSpc>
-                          <a:spcPct val="100000"/>
-                        </a:lnSpc>
-                      </a:pPr>
-                      <a:r>
-                        <a:rPr lang="de-DE" sz="1400" b="1" strike="noStrike" spc="-1" dirty="0">
-                          <a:solidFill>
-                            <a:srgbClr val="000000"/>
-                          </a:solidFill>
-                          <a:latin typeface="Arial"/>
-                        </a:rPr>
-                        <a:t>Auslösendes Ereignis</a:t>
-                      </a:r>
-                      <a:endParaRPr lang="de-DE" sz="1400" b="0" strike="noStrike" spc="-1" dirty="0">
-                        <a:latin typeface="Arial"/>
-                      </a:endParaRPr>
-                    </a:p>
-                  </a:txBody>
-                  <a:tcPr marL="52704" marR="52704" marT="54864" marB="54864">
-                    <a:lnL w="12240">
-                      <a:solidFill>
-                        <a:srgbClr val="000000"/>
-                      </a:solidFill>
-                    </a:lnL>
-                    <a:lnR w="12240">
-                      <a:solidFill>
-                        <a:srgbClr val="000000"/>
-                      </a:solidFill>
-                    </a:lnR>
-                    <a:lnT w="12240">
-                      <a:solidFill>
-                        <a:srgbClr val="000000"/>
-                      </a:solidFill>
-                    </a:lnT>
-                    <a:lnB w="12240">
-                      <a:solidFill>
-                        <a:srgbClr val="000000"/>
-                      </a:solidFill>
-                    </a:lnB>
-                    <a:noFill/>
-                  </a:tcPr>
-                </a:tc>
-                <a:tc>
-                  <a:txBody>
-                    <a:bodyPr/>
-                    <a:lstStyle/>
-                    <a:p>
-                      <a:pPr marL="0" marR="0" lvl="0" indent="0" algn="l" defTabSz="914400" rtl="0" eaLnBrk="1" fontAlgn="auto" latinLnBrk="0" hangingPunct="1">
-                        <a:lnSpc>
-                          <a:spcPct val="100000"/>
-                        </a:lnSpc>
-                        <a:spcBef>
-                          <a:spcPts val="0"/>
-                        </a:spcBef>
-                        <a:spcAft>
-                          <a:spcPts val="0"/>
-                        </a:spcAft>
-                        <a:buClrTx/>
-                        <a:buSzTx/>
-                        <a:buFontTx/>
-                        <a:buNone/>
-                        <a:tabLst/>
-                        <a:defRPr/>
-                      </a:pPr>
-                      <a:r>
-                        <a:rPr lang="de-DE" sz="1400" b="0" strike="noStrike" spc="-1" dirty="0">
-                          <a:latin typeface="Arial"/>
-                        </a:rPr>
-                        <a:t>Erweiterung des </a:t>
-                      </a:r>
-                      <a:r>
-                        <a:rPr lang="de-DE" sz="1400" b="0" strike="noStrike" spc="-1" dirty="0" err="1">
-                          <a:latin typeface="Arial"/>
-                        </a:rPr>
-                        <a:t>Usecases</a:t>
-                      </a:r>
-                      <a:r>
-                        <a:rPr lang="de-DE" sz="1400" b="0" strike="noStrike" spc="-1" dirty="0">
-                          <a:latin typeface="Arial"/>
-                        </a:rPr>
-                        <a:t> „Spieler bewegen“</a:t>
-                      </a:r>
-                    </a:p>
-                  </a:txBody>
-                  <a:tcPr marL="52704" marR="52704" marT="54864" marB="54864">
-                    <a:lnL w="12240">
-                      <a:solidFill>
-                        <a:srgbClr val="000000"/>
-                      </a:solidFill>
-                    </a:lnL>
-                    <a:lnR w="12240">
-                      <a:solidFill>
-                        <a:srgbClr val="000000"/>
-                      </a:solidFill>
-                    </a:lnR>
-                    <a:lnT w="12240">
-                      <a:solidFill>
-                        <a:srgbClr val="000000"/>
-                      </a:solidFill>
-                    </a:lnT>
-                    <a:lnB w="12240">
-                      <a:solidFill>
-                        <a:srgbClr val="000000"/>
-                      </a:solidFill>
-                    </a:lnB>
-                    <a:noFill/>
-                  </a:tcPr>
-                </a:tc>
-                <a:extLst>
-                  <a:ext uri="{0D108BD9-81ED-4DB2-BD59-A6C34878D82A}">
-                    <a16:rowId xmlns:a16="http://schemas.microsoft.com/office/drawing/2014/main" val="10004"/>
-                  </a:ext>
-                </a:extLst>
-              </a:tr>
-              <a:tr h="548640">
-                <a:tc>
-                  <a:txBody>
-                    <a:bodyPr/>
-                    <a:lstStyle/>
-                    <a:p>
-                      <a:pPr>
-                        <a:lnSpc>
-                          <a:spcPct val="100000"/>
-                        </a:lnSpc>
-                      </a:pPr>
-                      <a:r>
-                        <a:rPr lang="de-DE" sz="1400" b="1" strike="noStrike" spc="-1" dirty="0">
-                          <a:solidFill>
-                            <a:srgbClr val="000000"/>
-                          </a:solidFill>
-                          <a:latin typeface="Arial"/>
-                        </a:rPr>
-                        <a:t>Nachbedingung bei Erfolg</a:t>
-                      </a:r>
-                      <a:endParaRPr lang="de-DE" sz="1400" b="0" strike="noStrike" spc="-1" dirty="0">
-                        <a:latin typeface="Arial"/>
-                      </a:endParaRPr>
-                    </a:p>
-                  </a:txBody>
-                  <a:tcPr marL="52704" marR="52704" marT="54864" marB="54864">
-                    <a:lnL w="12240">
-                      <a:solidFill>
-                        <a:srgbClr val="000000"/>
-                      </a:solidFill>
-                    </a:lnL>
-                    <a:lnR w="12240">
-                      <a:solidFill>
-                        <a:srgbClr val="000000"/>
-                      </a:solidFill>
-                    </a:lnR>
-                    <a:lnT w="12240">
-                      <a:solidFill>
-                        <a:srgbClr val="000000"/>
-                      </a:solidFill>
-                    </a:lnT>
-                    <a:lnB w="12240">
-                      <a:solidFill>
-                        <a:srgbClr val="000000"/>
-                      </a:solidFill>
-                    </a:lnB>
-                    <a:noFill/>
-                  </a:tcPr>
-                </a:tc>
-                <a:tc>
-                  <a:txBody>
-                    <a:bodyPr/>
-                    <a:lstStyle/>
-                    <a:p>
-                      <a:pPr>
-                        <a:lnSpc>
-                          <a:spcPct val="100000"/>
-                        </a:lnSpc>
-                      </a:pPr>
-                      <a:r>
-                        <a:rPr lang="de-DE" sz="1400" b="0" strike="noStrike" spc="-1" dirty="0">
-                          <a:latin typeface="Arial"/>
-                        </a:rPr>
-                        <a:t>Gegnerische Figur wird geschlagen und auf ihr Startfeld gesetzt, nächste Runde wird gestartet</a:t>
-                      </a:r>
-                    </a:p>
-                  </a:txBody>
-                  <a:tcPr marL="52704" marR="52704" marT="54864" marB="54864">
-                    <a:lnL w="12240">
-                      <a:solidFill>
-                        <a:srgbClr val="000000"/>
-                      </a:solidFill>
-                    </a:lnL>
-                    <a:lnR w="12240">
-                      <a:solidFill>
-                        <a:srgbClr val="000000"/>
-                      </a:solidFill>
-                    </a:lnR>
-                    <a:lnT w="12240">
-                      <a:solidFill>
-                        <a:srgbClr val="000000"/>
-                      </a:solidFill>
-                    </a:lnT>
-                    <a:lnB w="12240">
-                      <a:solidFill>
-                        <a:srgbClr val="000000"/>
-                      </a:solidFill>
-                    </a:lnB>
-                    <a:noFill/>
-                  </a:tcPr>
-                </a:tc>
-                <a:extLst>
-                  <a:ext uri="{0D108BD9-81ED-4DB2-BD59-A6C34878D82A}">
-                    <a16:rowId xmlns:a16="http://schemas.microsoft.com/office/drawing/2014/main" val="10005"/>
-                  </a:ext>
-                </a:extLst>
-              </a:tr>
-              <a:tr h="329184">
-                <a:tc>
-                  <a:txBody>
-                    <a:bodyPr/>
-                    <a:lstStyle/>
-                    <a:p>
-                      <a:pPr>
-                        <a:lnSpc>
-                          <a:spcPct val="100000"/>
-                        </a:lnSpc>
-                      </a:pPr>
-                      <a:r>
-                        <a:rPr lang="de-DE" sz="1400" b="1" strike="noStrike" spc="-1" dirty="0">
-                          <a:solidFill>
-                            <a:srgbClr val="000000"/>
-                          </a:solidFill>
-                          <a:latin typeface="Arial"/>
-                        </a:rPr>
-                        <a:t>Nachbedingung bei Fehlschlag</a:t>
-                      </a:r>
-                      <a:endParaRPr lang="de-DE" sz="1400" b="0" strike="noStrike" spc="-1" dirty="0">
-                        <a:latin typeface="Arial"/>
-                      </a:endParaRPr>
-                    </a:p>
-                  </a:txBody>
-                  <a:tcPr marL="52704" marR="52704" marT="54864" marB="54864">
-                    <a:lnL w="12240">
-                      <a:solidFill>
-                        <a:srgbClr val="000000"/>
-                      </a:solidFill>
-                    </a:lnL>
-                    <a:lnR w="12240">
-                      <a:solidFill>
-                        <a:srgbClr val="000000"/>
-                      </a:solidFill>
-                    </a:lnR>
-                    <a:lnT w="12240">
-                      <a:solidFill>
-                        <a:srgbClr val="000000"/>
-                      </a:solidFill>
-                    </a:lnT>
-                    <a:lnB w="12240">
-                      <a:solidFill>
-                        <a:srgbClr val="000000"/>
-                      </a:solidFill>
-                    </a:lnB>
-                    <a:noFill/>
-                  </a:tcPr>
-                </a:tc>
-                <a:tc>
-                  <a:txBody>
-                    <a:bodyPr/>
-                    <a:lstStyle/>
-                    <a:p>
-                      <a:pPr>
-                        <a:lnSpc>
-                          <a:spcPct val="100000"/>
-                        </a:lnSpc>
-                      </a:pPr>
-                      <a:r>
-                        <a:rPr lang="de-DE" sz="1400" b="0" strike="noStrike" spc="-1" dirty="0">
-                          <a:latin typeface="Arial"/>
-                        </a:rPr>
-                        <a:t>Keine gegnerische Figur auf dem Zielfeld, Zug endet normal, nächste Runde wird gestartet</a:t>
-                      </a:r>
-                    </a:p>
-                  </a:txBody>
-                  <a:tcPr marL="52704" marR="52704" marT="54864" marB="54864">
-                    <a:lnL w="12240">
-                      <a:solidFill>
-                        <a:srgbClr val="000000"/>
-                      </a:solidFill>
-                    </a:lnL>
-                    <a:lnR w="12240">
-                      <a:solidFill>
-                        <a:srgbClr val="000000"/>
-                      </a:solidFill>
-                    </a:lnR>
-                    <a:lnT w="12240">
-                      <a:solidFill>
-                        <a:srgbClr val="000000"/>
-                      </a:solidFill>
-                    </a:lnT>
-                    <a:lnB w="12240">
-                      <a:solidFill>
-                        <a:srgbClr val="000000"/>
-                      </a:solidFill>
-                    </a:lnB>
-                    <a:noFill/>
-                  </a:tcPr>
-                </a:tc>
-                <a:extLst>
-                  <a:ext uri="{0D108BD9-81ED-4DB2-BD59-A6C34878D82A}">
-                    <a16:rowId xmlns:a16="http://schemas.microsoft.com/office/drawing/2014/main" val="10006"/>
-                  </a:ext>
-                </a:extLst>
-              </a:tr>
-              <a:tr h="329184">
-                <a:tc>
-                  <a:txBody>
-                    <a:bodyPr/>
-                    <a:lstStyle/>
-                    <a:p>
-                      <a:pPr>
-                        <a:lnSpc>
-                          <a:spcPct val="100000"/>
-                        </a:lnSpc>
-                      </a:pPr>
-                      <a:r>
-                        <a:rPr lang="de-DE" sz="1400" b="1" strike="noStrike" spc="-1" dirty="0">
-                          <a:solidFill>
-                            <a:srgbClr val="000000"/>
-                          </a:solidFill>
-                          <a:latin typeface="Arial"/>
-                        </a:rPr>
-                        <a:t>Eingehende Daten</a:t>
-                      </a:r>
-                      <a:endParaRPr lang="de-DE" sz="1400" b="0" strike="noStrike" spc="-1" dirty="0">
-                        <a:latin typeface="Arial"/>
-                      </a:endParaRPr>
-                    </a:p>
-                  </a:txBody>
-                  <a:tcPr marL="52704" marR="52704" marT="54864" marB="54864">
-                    <a:lnL w="12240">
-                      <a:solidFill>
-                        <a:srgbClr val="000000"/>
-                      </a:solidFill>
-                    </a:lnL>
-                    <a:lnR w="12240">
-                      <a:solidFill>
-                        <a:srgbClr val="000000"/>
-                      </a:solidFill>
-                    </a:lnR>
-                    <a:lnT w="12240">
-                      <a:solidFill>
-                        <a:srgbClr val="000000"/>
-                      </a:solidFill>
-                    </a:lnT>
-                    <a:lnB w="12240">
-                      <a:solidFill>
-                        <a:srgbClr val="000000"/>
-                      </a:solidFill>
-                    </a:lnB>
-                    <a:noFill/>
-                  </a:tcPr>
-                </a:tc>
-                <a:tc>
-                  <a:txBody>
-                    <a:bodyPr/>
-                    <a:lstStyle/>
-                    <a:p>
-                      <a:pPr>
-                        <a:lnSpc>
-                          <a:spcPct val="100000"/>
-                        </a:lnSpc>
-                      </a:pPr>
-                      <a:r>
-                        <a:rPr lang="de-DE" sz="1400" b="0" strike="noStrike" spc="-1" dirty="0">
-                          <a:latin typeface="Arial"/>
-                        </a:rPr>
-                        <a:t>Position der eigenen und gegnerischen Figuren, Positionen aller Figuren</a:t>
-                      </a:r>
-                    </a:p>
-                  </a:txBody>
-                  <a:tcPr marL="52704" marR="52704" marT="54864" marB="54864">
-                    <a:lnL w="12240">
-                      <a:solidFill>
-                        <a:srgbClr val="000000"/>
-                      </a:solidFill>
-                    </a:lnL>
-                    <a:lnR w="12240">
-                      <a:solidFill>
-                        <a:srgbClr val="000000"/>
-                      </a:solidFill>
-                    </a:lnR>
-                    <a:lnT w="12240">
-                      <a:solidFill>
-                        <a:srgbClr val="000000"/>
-                      </a:solidFill>
-                    </a:lnT>
-                    <a:lnB w="12240">
-                      <a:solidFill>
-                        <a:srgbClr val="000000"/>
-                      </a:solidFill>
-                    </a:lnB>
-                    <a:noFill/>
-                  </a:tcPr>
-                </a:tc>
-                <a:extLst>
-                  <a:ext uri="{0D108BD9-81ED-4DB2-BD59-A6C34878D82A}">
-                    <a16:rowId xmlns:a16="http://schemas.microsoft.com/office/drawing/2014/main" val="10007"/>
-                  </a:ext>
-                </a:extLst>
-              </a:tr>
-              <a:tr h="548640">
-                <a:tc>
-                  <a:txBody>
-                    <a:bodyPr/>
-                    <a:lstStyle/>
-                    <a:p>
-                      <a:pPr>
-                        <a:lnSpc>
-                          <a:spcPct val="100000"/>
-                        </a:lnSpc>
-                      </a:pPr>
-                      <a:r>
-                        <a:rPr lang="de-DE" sz="1400" b="1" strike="noStrike" spc="-1" dirty="0">
-                          <a:solidFill>
-                            <a:srgbClr val="000000"/>
-                          </a:solidFill>
-                          <a:latin typeface="Arial"/>
-                        </a:rPr>
-                        <a:t>Ausgehende Daten</a:t>
-                      </a:r>
-                      <a:endParaRPr lang="de-DE" sz="1400" b="0" strike="noStrike" spc="-1" dirty="0">
-                        <a:latin typeface="Arial"/>
-                      </a:endParaRPr>
-                    </a:p>
-                  </a:txBody>
-                  <a:tcPr marL="52704" marR="52704" marT="54864" marB="54864">
-                    <a:lnL w="12240">
-                      <a:solidFill>
-                        <a:srgbClr val="000000"/>
-                      </a:solidFill>
-                    </a:lnL>
-                    <a:lnR w="12240">
-                      <a:solidFill>
-                        <a:srgbClr val="000000"/>
-                      </a:solidFill>
-                    </a:lnR>
-                    <a:lnT w="12240">
-                      <a:solidFill>
-                        <a:srgbClr val="000000"/>
-                      </a:solidFill>
-                    </a:lnT>
-                    <a:lnB w="12240">
-                      <a:solidFill>
-                        <a:srgbClr val="000000"/>
-                      </a:solidFill>
-                    </a:lnB>
-                    <a:noFill/>
-                  </a:tcPr>
-                </a:tc>
-                <a:tc>
-                  <a:txBody>
-                    <a:bodyPr/>
-                    <a:lstStyle/>
-                    <a:p>
-                      <a:pPr>
-                        <a:lnSpc>
-                          <a:spcPct val="100000"/>
-                        </a:lnSpc>
-                      </a:pPr>
-                      <a:r>
-                        <a:rPr lang="de-DE" sz="1400" b="0" strike="noStrike" spc="-1" dirty="0">
-                          <a:latin typeface="Arial"/>
-                        </a:rPr>
-                        <a:t>Neue Position der geschlagenen Figur</a:t>
-                      </a:r>
-                    </a:p>
-                  </a:txBody>
-                  <a:tcPr marL="52704" marR="52704" marT="54864" marB="54864">
-                    <a:lnL w="12240">
-                      <a:solidFill>
-                        <a:srgbClr val="000000"/>
-                      </a:solidFill>
-                    </a:lnL>
-                    <a:lnR w="12240">
-                      <a:solidFill>
-                        <a:srgbClr val="000000"/>
-                      </a:solidFill>
-                    </a:lnR>
-                    <a:lnT w="12240">
-                      <a:solidFill>
-                        <a:srgbClr val="000000"/>
-                      </a:solidFill>
-                    </a:lnT>
-                    <a:lnB w="12240">
-                      <a:solidFill>
-                        <a:srgbClr val="000000"/>
-                      </a:solidFill>
-                    </a:lnB>
-                    <a:noFill/>
-                  </a:tcPr>
-                </a:tc>
-                <a:extLst>
-                  <a:ext uri="{0D108BD9-81ED-4DB2-BD59-A6C34878D82A}">
-                    <a16:rowId xmlns:a16="http://schemas.microsoft.com/office/drawing/2014/main" val="10008"/>
-                  </a:ext>
-                </a:extLst>
-              </a:tr>
-              <a:tr h="548640">
-                <a:tc>
-                  <a:txBody>
-                    <a:bodyPr/>
-                    <a:lstStyle/>
-                    <a:p>
-                      <a:pPr>
-                        <a:lnSpc>
-                          <a:spcPct val="100000"/>
-                        </a:lnSpc>
-                      </a:pPr>
-                      <a:r>
-                        <a:rPr lang="de-DE" sz="1400" b="1" strike="noStrike" spc="-1" dirty="0">
-                          <a:solidFill>
-                            <a:srgbClr val="000000"/>
-                          </a:solidFill>
-                          <a:latin typeface="Arial"/>
-                        </a:rPr>
-                        <a:t>Ablauf</a:t>
-                      </a:r>
-                      <a:endParaRPr lang="de-DE" sz="1400" b="0" strike="noStrike" spc="-1" dirty="0">
-                        <a:latin typeface="Arial"/>
-                      </a:endParaRPr>
-                    </a:p>
-                  </a:txBody>
-                  <a:tcPr marL="52704" marR="52704" marT="54864" marB="54864">
-                    <a:lnL w="12240">
-                      <a:solidFill>
-                        <a:srgbClr val="000000"/>
-                      </a:solidFill>
-                    </a:lnL>
-                    <a:lnR w="12240">
-                      <a:solidFill>
-                        <a:srgbClr val="000000"/>
-                      </a:solidFill>
-                    </a:lnR>
-                    <a:lnT w="12240">
-                      <a:solidFill>
-                        <a:srgbClr val="000000"/>
-                      </a:solidFill>
-                    </a:lnT>
-                    <a:lnB w="12240">
-                      <a:solidFill>
-                        <a:srgbClr val="000000"/>
-                      </a:solidFill>
-                    </a:lnB>
-                    <a:noFill/>
-                  </a:tcPr>
-                </a:tc>
-                <a:tc>
-                  <a:txBody>
-                    <a:bodyPr/>
-                    <a:lstStyle/>
-                    <a:p>
-                      <a:pPr marL="342900" indent="-342900">
-                        <a:lnSpc>
-                          <a:spcPct val="100000"/>
-                        </a:lnSpc>
-                        <a:buAutoNum type="arabicPeriod"/>
-                      </a:pPr>
-                      <a:r>
-                        <a:rPr lang="de-DE" sz="1400" b="0" strike="noStrike" spc="-1" dirty="0">
-                          <a:latin typeface="Arial"/>
-                        </a:rPr>
-                        <a:t>Prüfe Positionen auf Übereinstimmung</a:t>
-                      </a:r>
-                    </a:p>
-                    <a:p>
-                      <a:pPr marL="342900" indent="-342900">
-                        <a:lnSpc>
-                          <a:spcPct val="100000"/>
-                        </a:lnSpc>
-                        <a:buAutoNum type="arabicPeriod"/>
-                      </a:pPr>
-                      <a:r>
-                        <a:rPr lang="de-DE" sz="1400" b="0" strike="noStrike" spc="-1" dirty="0">
-                          <a:latin typeface="Arial"/>
-                        </a:rPr>
-                        <a:t>Lokalisiere freie Position im Startfeld des Gegners</a:t>
-                      </a:r>
-                    </a:p>
-                    <a:p>
-                      <a:pPr marL="342900" indent="-342900">
-                        <a:lnSpc>
-                          <a:spcPct val="100000"/>
-                        </a:lnSpc>
-                        <a:buAutoNum type="arabicPeriod"/>
-                      </a:pPr>
-                      <a:r>
-                        <a:rPr lang="de-DE" sz="1400" b="0" strike="noStrike" spc="-1" dirty="0">
-                          <a:latin typeface="Arial"/>
-                        </a:rPr>
-                        <a:t>Setze Figur des Gegners auf freies Position im Startfeld</a:t>
-                      </a:r>
-                    </a:p>
-                  </a:txBody>
-                  <a:tcPr marL="52704" marR="52704" marT="54864" marB="54864">
-                    <a:lnL w="12240">
-                      <a:solidFill>
-                        <a:srgbClr val="000000"/>
-                      </a:solidFill>
-                    </a:lnL>
-                    <a:lnR w="12240">
-                      <a:solidFill>
-                        <a:srgbClr val="000000"/>
-                      </a:solidFill>
-                    </a:lnR>
-                    <a:lnT w="12240">
-                      <a:solidFill>
-                        <a:srgbClr val="000000"/>
-                      </a:solidFill>
-                    </a:lnT>
-                    <a:lnB w="12240">
-                      <a:solidFill>
-                        <a:srgbClr val="000000"/>
-                      </a:solidFill>
-                    </a:lnB>
-                    <a:noFill/>
-                  </a:tcPr>
-                </a:tc>
-                <a:extLst>
-                  <a:ext uri="{0D108BD9-81ED-4DB2-BD59-A6C34878D82A}">
-                    <a16:rowId xmlns:a16="http://schemas.microsoft.com/office/drawing/2014/main" val="10009"/>
-                  </a:ext>
-                </a:extLst>
-              </a:tr>
-              <a:tr h="329184">
-                <a:tc>
-                  <a:txBody>
-                    <a:bodyPr/>
-                    <a:lstStyle/>
-                    <a:p>
-                      <a:pPr>
-                        <a:lnSpc>
-                          <a:spcPct val="100000"/>
-                        </a:lnSpc>
-                      </a:pPr>
-                      <a:r>
-                        <a:rPr lang="de-DE" sz="1400" b="1" strike="noStrike" spc="-1" dirty="0">
-                          <a:solidFill>
-                            <a:srgbClr val="000000"/>
-                          </a:solidFill>
-                          <a:latin typeface="Arial"/>
-                        </a:rPr>
-                        <a:t>Erweiterungen</a:t>
-                      </a:r>
-                      <a:endParaRPr lang="de-DE" sz="1400" b="0" strike="noStrike" spc="-1" dirty="0">
-                        <a:latin typeface="Arial"/>
-                      </a:endParaRPr>
-                    </a:p>
-                  </a:txBody>
-                  <a:tcPr marL="52704" marR="52704" marT="54864" marB="54864">
-                    <a:lnL w="12240">
-                      <a:solidFill>
-                        <a:srgbClr val="000000"/>
-                      </a:solidFill>
-                    </a:lnL>
-                    <a:lnR w="12240">
-                      <a:solidFill>
-                        <a:srgbClr val="000000"/>
-                      </a:solidFill>
-                    </a:lnR>
-                    <a:lnT w="12240">
-                      <a:solidFill>
-                        <a:srgbClr val="000000"/>
-                      </a:solidFill>
-                    </a:lnT>
-                    <a:lnB w="12240">
-                      <a:solidFill>
-                        <a:srgbClr val="000000"/>
-                      </a:solidFill>
-                    </a:lnB>
-                    <a:noFill/>
-                  </a:tcPr>
-                </a:tc>
-                <a:tc>
-                  <a:txBody>
-                    <a:bodyPr/>
-                    <a:lstStyle/>
-                    <a:p>
-                      <a:pPr>
-                        <a:lnSpc>
-                          <a:spcPct val="100000"/>
-                        </a:lnSpc>
-                      </a:pPr>
-                      <a:endParaRPr lang="de-DE" sz="1400" b="0" strike="noStrike" spc="-1" dirty="0">
-                        <a:latin typeface="Arial"/>
-                      </a:endParaRPr>
-                    </a:p>
-                  </a:txBody>
-                  <a:tcPr marL="52704" marR="52704" marT="54864" marB="54864">
-                    <a:lnL w="12240">
-                      <a:solidFill>
-                        <a:srgbClr val="000000"/>
-                      </a:solidFill>
-                    </a:lnL>
-                    <a:lnR w="12240">
-                      <a:solidFill>
-                        <a:srgbClr val="000000"/>
-                      </a:solidFill>
-                    </a:lnR>
-                    <a:lnT w="12240">
-                      <a:solidFill>
-                        <a:srgbClr val="000000"/>
-                      </a:solidFill>
-                    </a:lnT>
-                    <a:lnB w="12240">
-                      <a:solidFill>
-                        <a:srgbClr val="000000"/>
-                      </a:solidFill>
-                    </a:lnB>
-                    <a:noFill/>
-                  </a:tcPr>
-                </a:tc>
-                <a:extLst>
-                  <a:ext uri="{0D108BD9-81ED-4DB2-BD59-A6C34878D82A}">
-                    <a16:rowId xmlns:a16="http://schemas.microsoft.com/office/drawing/2014/main" val="10010"/>
-                  </a:ext>
-                </a:extLst>
-              </a:tr>
-              <a:tr h="414288">
-                <a:tc>
-                  <a:txBody>
-                    <a:bodyPr/>
-                    <a:lstStyle/>
-                    <a:p>
-                      <a:pPr>
-                        <a:lnSpc>
-                          <a:spcPct val="100000"/>
-                        </a:lnSpc>
-                      </a:pPr>
-                      <a:r>
-                        <a:rPr lang="de-DE" sz="1400" b="1" strike="noStrike" spc="-1" dirty="0">
-                          <a:solidFill>
-                            <a:srgbClr val="000000"/>
-                          </a:solidFill>
-                          <a:latin typeface="Arial"/>
-                        </a:rPr>
-                        <a:t>Alternativen</a:t>
-                      </a:r>
-                      <a:endParaRPr lang="de-DE" sz="1400" b="0" strike="noStrike" spc="-1" dirty="0">
-                        <a:latin typeface="Arial"/>
-                      </a:endParaRPr>
-                    </a:p>
-                  </a:txBody>
-                  <a:tcPr marL="52704" marR="52704" marT="54864" marB="54864">
-                    <a:lnL w="12240">
-                      <a:solidFill>
-                        <a:srgbClr val="000000"/>
-                      </a:solidFill>
-                    </a:lnL>
-                    <a:lnR w="12240">
-                      <a:solidFill>
-                        <a:srgbClr val="000000"/>
-                      </a:solidFill>
-                    </a:lnR>
-                    <a:lnT w="12240">
-                      <a:solidFill>
-                        <a:srgbClr val="000000"/>
-                      </a:solidFill>
-                    </a:lnT>
-                    <a:lnB w="12240">
-                      <a:solidFill>
-                        <a:srgbClr val="000000"/>
-                      </a:solidFill>
-                    </a:lnB>
-                    <a:noFill/>
-                  </a:tcPr>
-                </a:tc>
-                <a:tc>
-                  <a:txBody>
-                    <a:bodyPr/>
-                    <a:lstStyle/>
-                    <a:p>
-                      <a:pPr>
-                        <a:lnSpc>
-                          <a:spcPct val="100000"/>
-                        </a:lnSpc>
-                      </a:pPr>
-                      <a:r>
-                        <a:rPr lang="de-DE" sz="1400" b="0" strike="noStrike" spc="-1" dirty="0">
-                          <a:latin typeface="Arial"/>
-                        </a:rPr>
-                        <a:t>1a. Positionen stimmen nicht überein: Abbruch – Nachbedingung bei Fehlschlag. </a:t>
-                      </a:r>
-                    </a:p>
-                  </a:txBody>
-                  <a:tcPr marL="52704" marR="52704" marT="54864" marB="54864">
-                    <a:lnL w="12240">
-                      <a:solidFill>
-                        <a:srgbClr val="000000"/>
-                      </a:solidFill>
-                    </a:lnL>
-                    <a:lnR w="12240">
-                      <a:solidFill>
-                        <a:srgbClr val="000000"/>
-                      </a:solidFill>
-                    </a:lnR>
-                    <a:lnT w="12240">
-                      <a:solidFill>
-                        <a:srgbClr val="000000"/>
-                      </a:solidFill>
-                    </a:lnT>
-                    <a:lnB w="12240">
-                      <a:solidFill>
-                        <a:srgbClr val="000000"/>
-                      </a:solidFill>
-                    </a:lnB>
-                    <a:noFill/>
-                  </a:tcPr>
-                </a:tc>
-                <a:extLst>
-                  <a:ext uri="{0D108BD9-81ED-4DB2-BD59-A6C34878D82A}">
-                    <a16:rowId xmlns:a16="http://schemas.microsoft.com/office/drawing/2014/main" val="10011"/>
-                  </a:ext>
-                </a:extLst>
-              </a:tr>
-            </a:tbl>
-          </a:graphicData>
-        </a:graphic>
-      </p:graphicFrame>
-      <p:sp>
-        <p:nvSpPr>
-          <p:cNvPr id="5" name="Textfeld 4">
-            <a:extLst>
-              <a:ext uri="{FF2B5EF4-FFF2-40B4-BE49-F238E27FC236}">
-                <a16:creationId xmlns:a16="http://schemas.microsoft.com/office/drawing/2014/main" id="{42F95E1C-DE9A-4BD2-A0F6-022575F71AF6}"/>
-              </a:ext>
-            </a:extLst>
-          </p:cNvPr>
-          <p:cNvSpPr txBox="1"/>
-          <p:nvPr/>
-        </p:nvSpPr>
-        <p:spPr>
-          <a:xfrm>
-            <a:off x="1008120" y="474785"/>
-            <a:ext cx="1146468" cy="369332"/>
-          </a:xfrm>
-          <a:prstGeom prst="rect">
-            <a:avLst/>
-          </a:prstGeom>
-          <a:noFill/>
-        </p:spPr>
-        <p:txBody>
-          <a:bodyPr wrap="none" rtlCol="0">
-            <a:spAutoFit/>
-          </a:bodyPr>
-          <a:lstStyle/>
-          <a:p>
-            <a:r>
-              <a:rPr lang="de-DE" dirty="0" err="1"/>
-              <a:t>UseCase</a:t>
-            </a:r>
-            <a:r>
-              <a:rPr lang="de-DE" dirty="0"/>
-              <a:t> 4</a:t>
-            </a:r>
-          </a:p>
-        </p:txBody>
-      </p:sp>
-    </p:spTree>
-    <p:extLst>
-      <p:ext uri="{BB962C8B-B14F-4D97-AF65-F5344CB8AC3E}">
-        <p14:creationId xmlns:p14="http://schemas.microsoft.com/office/powerpoint/2010/main" val="2607295900"/>
-      </p:ext>
-    </p:extLst>
-  </p:cSld>
-  <p:clrMapOvr>
-    <a:masterClrMapping/>
-  </p:clrMapOvr>
-</p:sld>
-</file>
-
-<file path=ppt/slides/slide8.xml><?xml version="1.0" encoding="utf-8"?>
-<p:sld xmlns:a="http://schemas.openxmlformats.org/drawingml/2006/main" xmlns:r="http://schemas.openxmlformats.org/officeDocument/2006/relationships" xmlns:p="http://schemas.openxmlformats.org/presentationml/2006/main">
-  <p:cSld>
-    <p:spTree>
-      <p:nvGrpSpPr>
-        <p:cNvPr id="1" name=""/>
-        <p:cNvGrpSpPr/>
-        <p:nvPr/>
-      </p:nvGrpSpPr>
-      <p:grpSpPr>
-        <a:xfrm>
-          <a:off x="0" y="0"/>
-          <a:ext cx="0" cy="0"/>
-          <a:chOff x="0" y="0"/>
-          <a:chExt cx="0" cy="0"/>
-        </a:xfrm>
-      </p:grpSpPr>
-      <p:graphicFrame>
-        <p:nvGraphicFramePr>
-          <p:cNvPr id="4" name="Table 4">
-            <a:extLst>
-              <a:ext uri="{FF2B5EF4-FFF2-40B4-BE49-F238E27FC236}">
-                <a16:creationId xmlns:a16="http://schemas.microsoft.com/office/drawing/2014/main" id="{96AC8230-5D82-4D17-9E21-9D961D1109D8}"/>
-              </a:ext>
-            </a:extLst>
-          </p:cNvPr>
-          <p:cNvGraphicFramePr/>
-          <p:nvPr>
-            <p:extLst>
-              <p:ext uri="{D42A27DB-BD31-4B8C-83A1-F6EECF244321}">
-                <p14:modId xmlns:p14="http://schemas.microsoft.com/office/powerpoint/2010/main" val="1539816997"/>
+                <p14:modId xmlns:p14="http://schemas.microsoft.com/office/powerpoint/2010/main" val="1371682308"/>
               </p:ext>
             </p:extLst>
           </p:nvPr>
@@ -10939,13 +9299,13 @@
                         <a:rPr lang="de-DE" sz="1400" b="0" strike="noStrike" spc="-1" dirty="0">
                           <a:latin typeface="Arial"/>
                         </a:rPr>
-                        <a:t>Erweiterung des </a:t>
+                        <a:t>Erweiterung des Use </a:t>
                       </a:r>
                       <a:r>
                         <a:rPr lang="de-DE" sz="1400" b="0" strike="noStrike" spc="-1" dirty="0" err="1">
                           <a:latin typeface="Arial"/>
                         </a:rPr>
-                        <a:t>Usecases</a:t>
+                        <a:t>Cases</a:t>
                       </a:r>
                       <a:r>
                         <a:rPr lang="de-DE" sz="1400" b="0" strike="noStrike" spc="-1" dirty="0">
@@ -11709,7 +10069,7 @@
         <p:spPr>
           <a:xfrm>
             <a:off x="1008120" y="474785"/>
-            <a:ext cx="1146468" cy="369332"/>
+            <a:ext cx="1199367" cy="369332"/>
           </a:xfrm>
           <a:prstGeom prst="rect">
             <a:avLst/>
@@ -11723,12 +10083,8 @@
           <a:lstStyle/>
           <a:p>
             <a:r>
-              <a:rPr lang="de-DE" dirty="0" err="1"/>
-              <a:t>UseCase</a:t>
-            </a:r>
-            <a:r>
               <a:rPr lang="de-DE" dirty="0"/>
-              <a:t> 5</a:t>
+              <a:t>Use Case 5</a:t>
             </a:r>
           </a:p>
         </p:txBody>
